--- a/Präsentation/Präsentation.pptx
+++ b/Präsentation/Präsentation.pptx
@@ -289,7 +289,7 @@
           <a:p>
             <a:fld id="{3D8C9837-B88D-4E6F-A672-5323F976BF29}" type="datetimeFigureOut">
               <a:rPr lang="de-CH" smtClean="0"/>
-              <a:t>26.03.2021</a:t>
+              <a:t>29.03.2021</a:t>
             </a:fld>
             <a:endParaRPr lang="de-CH"/>
           </a:p>
@@ -323,10 +323,9 @@
           </a:lstStyle>
           <a:p>
             <a:r>
-              <a:rPr lang="de-CH" smtClean="0"/>
+              <a:rPr lang="de-CH"/>
               <a:t>Bbc Berufsbildungscenter | Seite   </a:t>
             </a:r>
-            <a:endParaRPr lang="de-CH"/>
           </a:p>
         </p:txBody>
       </p:sp>
@@ -422,35 +421,35 @@
           <a:p>
             <a:pPr lvl="0"/>
             <a:r>
-              <a:rPr lang="de-DE" dirty="0" smtClean="0"/>
+              <a:rPr lang="de-DE" dirty="0"/>
               <a:t>Textmasterformat bearbeiten</a:t>
             </a:r>
           </a:p>
           <a:p>
             <a:pPr lvl="1"/>
             <a:r>
-              <a:rPr lang="de-DE" dirty="0" smtClean="0"/>
+              <a:rPr lang="de-DE" dirty="0"/>
               <a:t>Zweite Ebene</a:t>
             </a:r>
           </a:p>
           <a:p>
             <a:pPr lvl="2"/>
             <a:r>
-              <a:rPr lang="de-DE" dirty="0" smtClean="0"/>
+              <a:rPr lang="de-DE" dirty="0"/>
               <a:t>Dritte Ebene</a:t>
             </a:r>
           </a:p>
           <a:p>
             <a:pPr lvl="3"/>
             <a:r>
-              <a:rPr lang="de-DE" dirty="0" smtClean="0"/>
+              <a:rPr lang="de-DE" dirty="0"/>
               <a:t>Vierte Ebene</a:t>
             </a:r>
           </a:p>
           <a:p>
             <a:pPr lvl="4"/>
             <a:r>
-              <a:rPr lang="de-DE" dirty="0" smtClean="0"/>
+              <a:rPr lang="de-DE" dirty="0"/>
               <a:t>Fünfte Ebene</a:t>
             </a:r>
             <a:endParaRPr lang="de-CH" dirty="0"/>
@@ -485,11 +484,11 @@
           </a:lstStyle>
           <a:p>
             <a:r>
-              <a:rPr lang="de-CH" dirty="0" err="1" smtClean="0"/>
+              <a:rPr lang="de-CH" dirty="0" err="1"/>
               <a:t>Bbc</a:t>
             </a:r>
             <a:r>
-              <a:rPr lang="de-CH" dirty="0" smtClean="0"/>
+              <a:rPr lang="de-CH" dirty="0"/>
               <a:t> Berufsbildungscenter | Seite </a:t>
             </a:r>
             <a:fld id="{CAC32E7D-B94A-4EBC-8F24-F25D8E675917}" type="slidenum">
@@ -497,7 +496,7 @@
               <a:pPr/>
               <a:t>‹Nr.›</a:t>
             </a:fld>
-            <a:endParaRPr lang="de-CH" dirty="0" smtClean="0"/>
+            <a:endParaRPr lang="de-CH" dirty="0"/>
           </a:p>
           <a:p>
             <a:endParaRPr lang="de-CH" dirty="0"/>
@@ -752,7 +751,7 @@
           <a:lstStyle/>
           <a:p>
             <a:r>
-              <a:rPr lang="de-CH" smtClean="0"/>
+              <a:rPr lang="de-CH"/>
               <a:t>Bbc Berufsbildungscenter | Seite </a:t>
             </a:r>
             <a:fld id="{CAC32E7D-B94A-4EBC-8F24-F25D8E675917}" type="slidenum">
@@ -760,7 +759,7 @@
               <a:pPr/>
               <a:t>5</a:t>
             </a:fld>
-            <a:endParaRPr lang="de-CH" smtClean="0"/>
+            <a:endParaRPr lang="de-CH"/>
           </a:p>
           <a:p>
             <a:endParaRPr lang="de-CH" dirty="0"/>
@@ -844,7 +843,7 @@
           <a:lstStyle/>
           <a:p>
             <a:r>
-              <a:rPr lang="de-CH" smtClean="0"/>
+              <a:rPr lang="de-CH"/>
               <a:t>Bbc Berufsbildungscenter | Seite </a:t>
             </a:r>
             <a:fld id="{CAC32E7D-B94A-4EBC-8F24-F25D8E675917}" type="slidenum">
@@ -852,7 +851,7 @@
               <a:pPr/>
               <a:t>14</a:t>
             </a:fld>
-            <a:endParaRPr lang="de-CH" smtClean="0"/>
+            <a:endParaRPr lang="de-CH"/>
           </a:p>
           <a:p>
             <a:endParaRPr lang="de-CH" dirty="0"/>
@@ -917,22 +916,22 @@
           <a:lstStyle/>
           <a:p>
             <a:r>
-              <a:rPr lang="de-CH" dirty="0" smtClean="0"/>
+              <a:rPr lang="de-CH" dirty="0"/>
               <a:t>Sachliche Auseinandersetzung:</a:t>
             </a:r>
             <a:br>
-              <a:rPr lang="de-CH" dirty="0" smtClean="0"/>
+              <a:rPr lang="de-CH" dirty="0"/>
             </a:br>
             <a:r>
-              <a:rPr lang="de-CH" dirty="0" smtClean="0"/>
+              <a:rPr lang="de-CH" dirty="0"/>
               <a:t>Zeitplanung</a:t>
             </a:r>
             <a:r>
-              <a:rPr lang="de-CH" baseline="0" dirty="0" smtClean="0"/>
+              <a:rPr lang="de-CH" baseline="0" dirty="0"/>
               <a:t> war nicht genug robust gegen Risiken.</a:t>
             </a:r>
             <a:br>
-              <a:rPr lang="de-CH" baseline="0" dirty="0" smtClean="0"/>
+              <a:rPr lang="de-CH" baseline="0" dirty="0"/>
             </a:br>
             <a:endParaRPr lang="de-CH" dirty="0"/>
           </a:p>
@@ -954,7 +953,7 @@
           <a:lstStyle/>
           <a:p>
             <a:r>
-              <a:rPr lang="de-CH" smtClean="0"/>
+              <a:rPr lang="de-CH"/>
               <a:t>Bbc Berufsbildungscenter | Seite </a:t>
             </a:r>
             <a:fld id="{CAC32E7D-B94A-4EBC-8F24-F25D8E675917}" type="slidenum">
@@ -962,7 +961,7 @@
               <a:pPr/>
               <a:t>15</a:t>
             </a:fld>
-            <a:endParaRPr lang="de-CH" smtClean="0"/>
+            <a:endParaRPr lang="de-CH"/>
           </a:p>
           <a:p>
             <a:endParaRPr lang="de-CH" dirty="0"/>
@@ -1027,30 +1026,26 @@
           <a:lstStyle/>
           <a:p>
             <a:r>
-              <a:rPr lang="de-CH" dirty="0" smtClean="0"/>
-              <a:t>Eingänge</a:t>
-            </a:r>
-            <a:r>
-              <a:rPr lang="de-CH" baseline="0" dirty="0" smtClean="0"/>
-              <a:t> A und B Analog Switch für Auswahl welches Bauteil momentan angeschlossen</a:t>
-            </a:r>
-          </a:p>
-          <a:p>
-            <a:endParaRPr lang="de-CH" baseline="0" dirty="0" smtClean="0"/>
-          </a:p>
-          <a:p>
-            <a:r>
-              <a:rPr lang="de-CH" baseline="0" dirty="0" smtClean="0"/>
-              <a:t>Touch Buttons wie in Blockschaltbild, direkt mit PIC verbunden</a:t>
-            </a:r>
-          </a:p>
-          <a:p>
-            <a:endParaRPr lang="de-CH" baseline="0" dirty="0" smtClean="0"/>
-          </a:p>
-          <a:p>
-            <a:r>
-              <a:rPr lang="de-CH" baseline="0" dirty="0" smtClean="0"/>
+              <a:rPr lang="de-CH" baseline="0" dirty="0"/>
+              <a:t>Touch Buttons wie in Blockschaltbild, direkt mit PIC verbunden. Abschirmung ebenfalls direkt verbunden.</a:t>
+            </a:r>
+          </a:p>
+          <a:p>
+            <a:endParaRPr lang="de-CH" baseline="0" dirty="0"/>
+          </a:p>
+          <a:p>
+            <a:r>
+              <a:rPr lang="de-CH" baseline="0" dirty="0"/>
               <a:t>Befestigungsbuchsen für Stabilität</a:t>
+            </a:r>
+          </a:p>
+          <a:p>
+            <a:endParaRPr lang="de-CH" baseline="0" dirty="0"/>
+          </a:p>
+          <a:p>
+            <a:r>
+              <a:rPr lang="de-CH" baseline="0" dirty="0"/>
+              <a:t>X3 von PBA7 mit 5V Pegeln, daher I2C von X2</a:t>
             </a:r>
             <a:endParaRPr lang="de-CH" dirty="0"/>
           </a:p>
@@ -1072,7 +1067,7 @@
           <a:lstStyle/>
           <a:p>
             <a:r>
-              <a:rPr lang="de-CH" smtClean="0"/>
+              <a:rPr lang="de-CH"/>
               <a:t>Bbc Berufsbildungscenter | Seite </a:t>
             </a:r>
             <a:fld id="{CAC32E7D-B94A-4EBC-8F24-F25D8E675917}" type="slidenum">
@@ -1080,7 +1075,7 @@
               <a:pPr/>
               <a:t>6</a:t>
             </a:fld>
-            <a:endParaRPr lang="de-CH" smtClean="0"/>
+            <a:endParaRPr lang="de-CH"/>
           </a:p>
           <a:p>
             <a:endParaRPr lang="de-CH" dirty="0"/>
@@ -1150,55 +1145,56 @@
           <a:lstStyle/>
           <a:p>
             <a:r>
-              <a:rPr lang="de-CH" dirty="0" smtClean="0"/>
-              <a:t>Port Expander per I2C gesteuert;</a:t>
-            </a:r>
-            <a:r>
-              <a:rPr lang="de-CH" baseline="0" dirty="0" smtClean="0"/>
-              <a:t> AD0 bis AD2 für Adress-Auswahl, in dieser Schaltung 0x40/64.</a:t>
-            </a:r>
-            <a:br>
-              <a:rPr lang="de-CH" baseline="0" dirty="0" smtClean="0"/>
-            </a:br>
-            <a:r>
-              <a:rPr lang="de-CH" baseline="0" dirty="0" smtClean="0"/>
-              <a:t>I/Os in 5 Banken mit jeweils 8 Pins unterteilt -&gt; 40 I/Os</a:t>
-            </a:r>
-          </a:p>
-          <a:p>
-            <a:r>
-              <a:rPr lang="de-CH" baseline="0" dirty="0" smtClean="0"/>
-              <a:t>Fehler: Pin 42 und 41, diese beiden Anschlüsse schon an 17 und 19 verbunden.</a:t>
-            </a:r>
-          </a:p>
-          <a:p>
-            <a:r>
-              <a:rPr lang="de-CH" baseline="0" dirty="0" smtClean="0"/>
-              <a:t>Level </a:t>
-            </a:r>
-            <a:r>
-              <a:rPr lang="de-CH" baseline="0" dirty="0" err="1" smtClean="0"/>
-              <a:t>Shifter</a:t>
-            </a:r>
-            <a:r>
-              <a:rPr lang="de-CH" baseline="0" dirty="0" smtClean="0"/>
-              <a:t> passt Pegel an weil (auf nächster Folie sichtbar) IR-Transceiver und RF-Modul mit 5V operieren.</a:t>
-            </a:r>
-            <a:br>
-              <a:rPr lang="de-CH" baseline="0" dirty="0" smtClean="0"/>
-            </a:br>
-            <a:r>
-              <a:rPr lang="de-CH" baseline="0" dirty="0" smtClean="0"/>
-              <a:t>Auch wenn CMOS Ausgang von Port Expander mit TTL Eingang von RF-Modul bei Übertragung zu RF kompatibel. Von RF zu </a:t>
-            </a:r>
-            <a:r>
-              <a:rPr lang="de-CH" baseline="0" dirty="0" err="1" smtClean="0"/>
-              <a:t>PortExpander</a:t>
-            </a:r>
-            <a:r>
-              <a:rPr lang="de-CH" baseline="0" dirty="0" smtClean="0"/>
-              <a:t> nicht kompatibel weil 5V zu 3.3V</a:t>
-            </a:r>
+              <a:rPr lang="de-CH" dirty="0"/>
+              <a:t>Touch Buttons; Kupferflächen CS (</a:t>
+            </a:r>
+            <a:r>
+              <a:rPr lang="de-CH" dirty="0" err="1"/>
+              <a:t>Capacitive</a:t>
+            </a:r>
+            <a:r>
+              <a:rPr lang="de-CH" dirty="0"/>
+              <a:t> </a:t>
+            </a:r>
+            <a:r>
+              <a:rPr lang="de-CH" dirty="0" err="1"/>
+              <a:t>Sensing</a:t>
+            </a:r>
+            <a:r>
+              <a:rPr lang="de-CH" dirty="0"/>
+              <a:t>) und Abschirmung DS (Driven Shield) direkt an PIC geführt: </a:t>
+            </a:r>
+            <a:r>
+              <a:rPr lang="de-CH" dirty="0" err="1"/>
+              <a:t>mTouch</a:t>
+            </a:r>
+            <a:r>
+              <a:rPr lang="de-CH" dirty="0"/>
+              <a:t> Library AD-Pins. Funktionsprinzip erklären.</a:t>
+            </a:r>
+          </a:p>
+          <a:p>
+            <a:endParaRPr lang="de-CH" dirty="0"/>
+          </a:p>
+          <a:p>
+            <a:r>
+              <a:rPr lang="de-CH" dirty="0"/>
+              <a:t>X5 </a:t>
+            </a:r>
+            <a:r>
+              <a:rPr lang="de-CH" dirty="0" err="1"/>
+              <a:t>Female</a:t>
+            </a:r>
+            <a:r>
+              <a:rPr lang="de-CH" dirty="0"/>
+              <a:t> Header; dort wird der Ultraschall-Sensor angeschlossen. Die Namen irreführend, aufgrund Denkfehler auf PWM Signale geschlossen. Nur der Output einem PWM Signal.</a:t>
+            </a:r>
+          </a:p>
+          <a:p>
+            <a:endParaRPr lang="de-CH" dirty="0"/>
+          </a:p>
+          <a:p>
+            <a:endParaRPr lang="de-CH" dirty="0"/>
           </a:p>
         </p:txBody>
       </p:sp>
@@ -1218,7 +1214,7 @@
           <a:lstStyle/>
           <a:p>
             <a:r>
-              <a:rPr lang="de-CH" smtClean="0"/>
+              <a:rPr lang="de-CH"/>
               <a:t>Bbc Berufsbildungscenter | Seite </a:t>
             </a:r>
             <a:fld id="{CAC32E7D-B94A-4EBC-8F24-F25D8E675917}" type="slidenum">
@@ -1226,7 +1222,7 @@
               <a:pPr/>
               <a:t>7</a:t>
             </a:fld>
-            <a:endParaRPr lang="de-CH" smtClean="0"/>
+            <a:endParaRPr lang="de-CH"/>
           </a:p>
           <a:p>
             <a:endParaRPr lang="de-CH" dirty="0"/>
@@ -1296,37 +1292,21 @@
           <a:lstStyle/>
           <a:p>
             <a:r>
-              <a:rPr lang="de-CH" baseline="0" dirty="0" smtClean="0"/>
-              <a:t>Diese Art Touch Buttons zu realisieren nur wegen </a:t>
-            </a:r>
-            <a:r>
-              <a:rPr lang="de-CH" baseline="0" dirty="0" err="1" smtClean="0"/>
-              <a:t>Microchips</a:t>
-            </a:r>
-            <a:r>
-              <a:rPr lang="de-CH" baseline="0" dirty="0" smtClean="0"/>
-              <a:t> </a:t>
-            </a:r>
-            <a:r>
-              <a:rPr lang="de-CH" baseline="0" dirty="0" err="1" smtClean="0"/>
-              <a:t>mTouch</a:t>
-            </a:r>
-            <a:r>
-              <a:rPr lang="de-CH" baseline="0" dirty="0" smtClean="0"/>
-              <a:t> Library möglich.</a:t>
-            </a:r>
-          </a:p>
-          <a:p>
-            <a:r>
-              <a:rPr lang="de-CH" baseline="0" dirty="0" smtClean="0"/>
-              <a:t>Funk Modul SET Pin um von Normal Betrieb zu Konfiguration zu wechseln. Sonst nur UART Interface mit simplen ASCII Befehlssatz.</a:t>
-            </a:r>
-          </a:p>
-          <a:p>
-            <a:r>
-              <a:rPr lang="de-CH" baseline="0" dirty="0" smtClean="0"/>
-              <a:t>IR-Transceiver</a:t>
-            </a:r>
+              <a:rPr lang="de-CH" baseline="0" dirty="0"/>
+              <a:t>2 verschiedene Abblockkondensatoren für unterschiedliche Frequenzen. C5 kürzere Entladezeit und für kleine Schwankungen, C6 längere Entladezeit und für grössere Schwankungen.</a:t>
+            </a:r>
+          </a:p>
+          <a:p>
+            <a:endParaRPr lang="de-CH" baseline="0" dirty="0"/>
+          </a:p>
+          <a:p>
+            <a:r>
+              <a:rPr lang="de-CH" baseline="0" dirty="0"/>
+              <a:t>PLL Filter Dimension von Hersteller in Datasheet angegeben.</a:t>
+            </a:r>
+          </a:p>
+          <a:p>
+            <a:endParaRPr lang="de-CH" baseline="0" dirty="0"/>
           </a:p>
         </p:txBody>
       </p:sp>
@@ -1346,7 +1326,7 @@
           <a:lstStyle/>
           <a:p>
             <a:r>
-              <a:rPr lang="de-CH" smtClean="0"/>
+              <a:rPr lang="de-CH"/>
               <a:t>Bbc Berufsbildungscenter | Seite </a:t>
             </a:r>
             <a:fld id="{CAC32E7D-B94A-4EBC-8F24-F25D8E675917}" type="slidenum">
@@ -1354,7 +1334,7 @@
               <a:pPr/>
               <a:t>8</a:t>
             </a:fld>
-            <a:endParaRPr lang="de-CH" smtClean="0"/>
+            <a:endParaRPr lang="de-CH"/>
           </a:p>
           <a:p>
             <a:endParaRPr lang="de-CH" dirty="0"/>
@@ -1443,7 +1423,7 @@
           <a:lstStyle/>
           <a:p>
             <a:r>
-              <a:rPr lang="de-CH" smtClean="0"/>
+              <a:rPr lang="de-CH"/>
               <a:t>Bbc Berufsbildungscenter | Seite </a:t>
             </a:r>
             <a:fld id="{CAC32E7D-B94A-4EBC-8F24-F25D8E675917}" type="slidenum">
@@ -1451,7 +1431,7 @@
               <a:pPr/>
               <a:t>9</a:t>
             </a:fld>
-            <a:endParaRPr lang="de-CH" smtClean="0"/>
+            <a:endParaRPr lang="de-CH"/>
           </a:p>
           <a:p>
             <a:endParaRPr lang="de-CH" dirty="0"/>
@@ -1520,22 +1500,6 @@
           <a:bodyPr/>
           <a:lstStyle/>
           <a:p>
-            <a:r>
-              <a:rPr lang="de-CH" dirty="0" smtClean="0"/>
-              <a:t>DIP Switch</a:t>
-            </a:r>
-          </a:p>
-          <a:p>
-            <a:r>
-              <a:rPr lang="de-CH" dirty="0" smtClean="0"/>
-              <a:t>P1 Statusanzeige</a:t>
-            </a:r>
-          </a:p>
-          <a:p>
-            <a:r>
-              <a:rPr lang="de-CH" dirty="0" smtClean="0"/>
-              <a:t>Pair Button</a:t>
-            </a:r>
             <a:endParaRPr lang="de-CH" dirty="0"/>
           </a:p>
         </p:txBody>
@@ -1556,7 +1520,7 @@
           <a:lstStyle/>
           <a:p>
             <a:r>
-              <a:rPr lang="de-CH" smtClean="0"/>
+              <a:rPr lang="de-CH"/>
               <a:t>Bbc Berufsbildungscenter | Seite </a:t>
             </a:r>
             <a:fld id="{CAC32E7D-B94A-4EBC-8F24-F25D8E675917}" type="slidenum">
@@ -1564,7 +1528,7 @@
               <a:pPr/>
               <a:t>10</a:t>
             </a:fld>
-            <a:endParaRPr lang="de-CH" smtClean="0"/>
+            <a:endParaRPr lang="de-CH"/>
           </a:p>
           <a:p>
             <a:endParaRPr lang="de-CH" dirty="0"/>
@@ -1629,56 +1593,24 @@
           <a:lstStyle/>
           <a:p>
             <a:r>
-              <a:rPr lang="de-CH" dirty="0" smtClean="0"/>
-              <a:t>Port Expander per I2C gesteuert;</a:t>
-            </a:r>
-            <a:r>
-              <a:rPr lang="de-CH" baseline="0" dirty="0" smtClean="0"/>
-              <a:t> AD0 bis AD2 für Adress-Auswahl, in dieser Schaltung 0x40/64.</a:t>
+              <a:rPr lang="de-CH" dirty="0"/>
+              <a:t>Port Expander </a:t>
+            </a:r>
+            <a:r>
+              <a:rPr lang="de-CH" dirty="0" err="1"/>
+              <a:t>Addresse</a:t>
+            </a:r>
+            <a:r>
+              <a:rPr lang="de-CH" dirty="0"/>
+              <a:t> </a:t>
             </a:r>
             <a:br>
-              <a:rPr lang="de-CH" baseline="0" dirty="0" smtClean="0"/>
+              <a:rPr lang="de-CH" baseline="0" dirty="0"/>
             </a:br>
             <a:r>
-              <a:rPr lang="de-CH" baseline="0" dirty="0" smtClean="0"/>
-              <a:t>I/Os in 5 Banken mit jeweils 8 Pins unterteilt -&gt; 40 I/Os</a:t>
-            </a:r>
-          </a:p>
-          <a:p>
-            <a:r>
-              <a:rPr lang="de-CH" baseline="0" dirty="0" smtClean="0"/>
-              <a:t>Fehler: Pin 42 und 41, diese beiden Anschlüsse schon an 17 und 19 verbunden.</a:t>
-            </a:r>
-          </a:p>
-          <a:p>
-            <a:r>
-              <a:rPr lang="de-CH" baseline="0" dirty="0" smtClean="0"/>
-              <a:t>Level </a:t>
-            </a:r>
-            <a:r>
-              <a:rPr lang="de-CH" baseline="0" dirty="0" err="1" smtClean="0"/>
-              <a:t>Shifter</a:t>
-            </a:r>
-            <a:r>
-              <a:rPr lang="de-CH" baseline="0" dirty="0" smtClean="0"/>
-              <a:t> passt Pegel an weil (auf nächster Folie sichtbar) IR-Transceiver und RF-Modul mit 5V operieren.</a:t>
-            </a:r>
-            <a:br>
-              <a:rPr lang="de-CH" baseline="0" dirty="0" smtClean="0"/>
-            </a:br>
-            <a:r>
-              <a:rPr lang="de-CH" baseline="0" dirty="0" smtClean="0"/>
-              <a:t>Auch wenn CMOS Ausgang von Port Expander mit TTL Eingang von RF-Modul bei Übertragung zu RF kompatibel. Von RF zu </a:t>
-            </a:r>
-            <a:r>
-              <a:rPr lang="de-CH" baseline="0" dirty="0" err="1" smtClean="0"/>
-              <a:t>PortExpander</a:t>
-            </a:r>
-            <a:r>
-              <a:rPr lang="de-CH" baseline="0" dirty="0" smtClean="0"/>
-              <a:t> nicht kompatibel weil 5V zu 3.3V</a:t>
-            </a:r>
-            <a:endParaRPr lang="de-CH" dirty="0"/>
+              <a:rPr lang="de-CH" baseline="0" dirty="0"/>
+              <a:t>I/</a:t>
+            </a:r>
           </a:p>
         </p:txBody>
       </p:sp>
@@ -1698,7 +1630,7 @@
           <a:lstStyle/>
           <a:p>
             <a:r>
-              <a:rPr lang="de-CH" smtClean="0"/>
+              <a:rPr lang="de-CH"/>
               <a:t>Bbc Berufsbildungscenter | Seite </a:t>
             </a:r>
             <a:fld id="{CAC32E7D-B94A-4EBC-8F24-F25D8E675917}" type="slidenum">
@@ -1706,7 +1638,7 @@
               <a:pPr/>
               <a:t>11</a:t>
             </a:fld>
-            <a:endParaRPr lang="de-CH" smtClean="0"/>
+            <a:endParaRPr lang="de-CH"/>
           </a:p>
           <a:p>
             <a:endParaRPr lang="de-CH" dirty="0"/>
@@ -1776,25 +1708,25 @@
           <a:lstStyle/>
           <a:p>
             <a:r>
-              <a:rPr lang="de-CH" dirty="0" smtClean="0"/>
+              <a:rPr lang="de-CH" dirty="0"/>
               <a:t>Vorab: Von Funk- und WLAN Modul kein 3D-Modell</a:t>
             </a:r>
             <a:r>
-              <a:rPr lang="de-CH" baseline="0" dirty="0" smtClean="0"/>
+              <a:rPr lang="de-CH" baseline="0" dirty="0"/>
               <a:t> verfügbar und die 3 Widerstände (auf </a:t>
             </a:r>
             <a:r>
-              <a:rPr lang="de-CH" baseline="0" dirty="0" err="1" smtClean="0"/>
+              <a:rPr lang="de-CH" baseline="0" dirty="0" err="1"/>
               <a:t>Bottom</a:t>
             </a:r>
             <a:r>
-              <a:rPr lang="de-CH" baseline="0" dirty="0" smtClean="0"/>
+              <a:rPr lang="de-CH" baseline="0" dirty="0"/>
               <a:t> sichtbar) spontaner Fehler, war nicht zu entfernen.</a:t>
             </a:r>
           </a:p>
           <a:p>
             <a:r>
-              <a:rPr lang="de-CH" baseline="0" dirty="0" smtClean="0"/>
+              <a:rPr lang="de-CH" baseline="0" dirty="0"/>
               <a:t>Anordnung von Touch Buttons parallel zu Switch-Buttons von PBA7. Um Funkstörungen vorzubeugen: von Hersteller der Module empfohlen bestimmte Gebiete auf der Leiterplatte von Kupfer frei zu halten. </a:t>
             </a:r>
           </a:p>
@@ -1816,7 +1748,7 @@
           <a:lstStyle/>
           <a:p>
             <a:r>
-              <a:rPr lang="de-CH" smtClean="0"/>
+              <a:rPr lang="de-CH"/>
               <a:t>Bbc Berufsbildungscenter | Seite </a:t>
             </a:r>
             <a:fld id="{CAC32E7D-B94A-4EBC-8F24-F25D8E675917}" type="slidenum">
@@ -1824,7 +1756,7 @@
               <a:pPr/>
               <a:t>12</a:t>
             </a:fld>
-            <a:endParaRPr lang="de-CH" smtClean="0"/>
+            <a:endParaRPr lang="de-CH"/>
           </a:p>
           <a:p>
             <a:endParaRPr lang="de-CH" dirty="0"/>
@@ -1892,7 +1824,7 @@
               <a:buNone/>
             </a:pPr>
             <a:r>
-              <a:rPr lang="de-CH" dirty="0" smtClean="0">
+              <a:rPr lang="de-CH" dirty="0">
                 <a:solidFill>
                   <a:srgbClr val="FF0000"/>
                 </a:solidFill>
@@ -1906,7 +1838,7 @@
               <a:buChar char="-"/>
             </a:pPr>
             <a:r>
-              <a:rPr lang="de-CH" dirty="0" smtClean="0">
+              <a:rPr lang="de-CH" dirty="0">
                 <a:solidFill>
                   <a:srgbClr val="FF0000"/>
                 </a:solidFill>
@@ -1914,7 +1846,7 @@
               <a:t>Hardware </a:t>
             </a:r>
             <a:r>
-              <a:rPr lang="de-CH" dirty="0" err="1" smtClean="0">
+              <a:rPr lang="de-CH" dirty="0" err="1">
                 <a:solidFill>
                   <a:srgbClr val="FF0000"/>
                 </a:solidFill>
@@ -1922,7 +1854,7 @@
               <a:t>entw</a:t>
             </a:r>
             <a:r>
-              <a:rPr lang="de-CH" dirty="0" smtClean="0">
+              <a:rPr lang="de-CH" dirty="0">
                 <a:solidFill>
                   <a:srgbClr val="FF0000"/>
                 </a:solidFill>
@@ -1936,7 +1868,7 @@
               <a:buChar char="-"/>
             </a:pPr>
             <a:r>
-              <a:rPr lang="de-CH" dirty="0" smtClean="0">
+              <a:rPr lang="de-CH" dirty="0">
                 <a:solidFill>
                   <a:srgbClr val="FF0000"/>
                 </a:solidFill>
@@ -1950,7 +1882,7 @@
               <a:buChar char="-"/>
             </a:pPr>
             <a:r>
-              <a:rPr lang="de-CH" dirty="0" smtClean="0">
+              <a:rPr lang="de-CH" dirty="0">
                 <a:solidFill>
                   <a:srgbClr val="FF0000"/>
                 </a:solidFill>
@@ -1963,71 +1895,66 @@
               <a:buFontTx/>
               <a:buChar char="-"/>
             </a:pPr>
-            <a:endParaRPr lang="de-CH" dirty="0" smtClean="0">
-              <a:solidFill>
-                <a:srgbClr val="FF0000"/>
-              </a:solidFill>
-            </a:endParaRPr>
-          </a:p>
-          <a:p>
-            <a:pPr marL="0" indent="0">
-              <a:buNone/>
-            </a:pPr>
-            <a:r>
-              <a:rPr lang="de-CH" dirty="0" smtClean="0">
-                <a:solidFill>
-                  <a:srgbClr val="FF0000"/>
-                </a:solidFill>
-              </a:rPr>
-              <a:t>Nicht erreicht</a:t>
-            </a:r>
-          </a:p>
-          <a:p>
-            <a:pPr>
-              <a:buFontTx/>
-              <a:buChar char="-"/>
-            </a:pPr>
-            <a:r>
-              <a:rPr lang="de-CH" dirty="0" smtClean="0">
-                <a:solidFill>
-                  <a:srgbClr val="FF0000"/>
-                </a:solidFill>
-              </a:rPr>
-              <a:t>Bestücken</a:t>
-            </a:r>
-          </a:p>
-          <a:p>
-            <a:pPr>
-              <a:buFontTx/>
-              <a:buChar char="-"/>
-            </a:pPr>
-            <a:r>
-              <a:rPr lang="de-CH" dirty="0" smtClean="0">
-                <a:solidFill>
-                  <a:srgbClr val="FF0000"/>
-                </a:solidFill>
-              </a:rPr>
-              <a:t>Inbetriebnahme</a:t>
-            </a:r>
-          </a:p>
-          <a:p>
-            <a:pPr>
-              <a:buFontTx/>
-              <a:buChar char="-"/>
-            </a:pPr>
-            <a:r>
-              <a:rPr lang="de-CH" dirty="0" smtClean="0">
-                <a:solidFill>
-                  <a:srgbClr val="FF0000"/>
-                </a:solidFill>
-              </a:rPr>
-              <a:t>…</a:t>
-            </a:r>
             <a:endParaRPr lang="de-CH" dirty="0">
               <a:solidFill>
                 <a:srgbClr val="FF0000"/>
               </a:solidFill>
             </a:endParaRPr>
+          </a:p>
+          <a:p>
+            <a:pPr marL="0" indent="0">
+              <a:buNone/>
+            </a:pPr>
+            <a:r>
+              <a:rPr lang="de-CH" dirty="0">
+                <a:solidFill>
+                  <a:srgbClr val="FF0000"/>
+                </a:solidFill>
+              </a:rPr>
+              <a:t>Nicht erreicht</a:t>
+            </a:r>
+          </a:p>
+          <a:p>
+            <a:pPr>
+              <a:buFontTx/>
+              <a:buChar char="-"/>
+            </a:pPr>
+            <a:r>
+              <a:rPr lang="de-CH" dirty="0">
+                <a:solidFill>
+                  <a:srgbClr val="FF0000"/>
+                </a:solidFill>
+              </a:rPr>
+              <a:t>Bestücken</a:t>
+            </a:r>
+          </a:p>
+          <a:p>
+            <a:pPr>
+              <a:buFontTx/>
+              <a:buChar char="-"/>
+            </a:pPr>
+            <a:r>
+              <a:rPr lang="de-CH" dirty="0">
+                <a:solidFill>
+                  <a:srgbClr val="FF0000"/>
+                </a:solidFill>
+              </a:rPr>
+              <a:t>Inbetriebnahme</a:t>
+            </a:r>
+          </a:p>
+          <a:p>
+            <a:pPr>
+              <a:buFontTx/>
+              <a:buChar char="-"/>
+            </a:pPr>
+            <a:r>
+              <a:rPr lang="de-CH" dirty="0">
+                <a:solidFill>
+                  <a:srgbClr val="FF0000"/>
+                </a:solidFill>
+              </a:rPr>
+              <a:t>…</a:t>
+            </a:r>
           </a:p>
         </p:txBody>
       </p:sp>
@@ -2047,7 +1974,7 @@
           <a:lstStyle/>
           <a:p>
             <a:r>
-              <a:rPr lang="de-CH" smtClean="0"/>
+              <a:rPr lang="de-CH"/>
               <a:t>Bbc Berufsbildungscenter | Seite </a:t>
             </a:r>
             <a:fld id="{CAC32E7D-B94A-4EBC-8F24-F25D8E675917}" type="slidenum">
@@ -2055,7 +1982,7 @@
               <a:pPr/>
               <a:t>13</a:t>
             </a:fld>
-            <a:endParaRPr lang="de-CH" smtClean="0"/>
+            <a:endParaRPr lang="de-CH"/>
           </a:p>
           <a:p>
             <a:endParaRPr lang="de-CH" dirty="0"/>
@@ -2153,10 +2080,9 @@
           <a:p>
             <a:pPr lvl="0"/>
             <a:r>
-              <a:rPr lang="de-CH" dirty="0" smtClean="0"/>
+              <a:rPr lang="de-CH" dirty="0"/>
               <a:t>Autor, Funktion (Optional), 14pt</a:t>
             </a:r>
-            <a:endParaRPr lang="de-CH" dirty="0"/>
           </a:p>
         </p:txBody>
       </p:sp>
@@ -2189,10 +2115,9 @@
           </a:lstStyle>
           <a:p>
             <a:r>
-              <a:rPr lang="de-CH" dirty="0" smtClean="0"/>
+              <a:rPr lang="de-CH" dirty="0"/>
               <a:t>Überschrift 1</a:t>
             </a:r>
-            <a:endParaRPr lang="de-CH" dirty="0"/>
           </a:p>
         </p:txBody>
       </p:sp>
@@ -2309,7 +2234,7 @@
           </a:lstStyle>
           <a:p>
             <a:r>
-              <a:rPr lang="de-DE" dirty="0" smtClean="0"/>
+              <a:rPr lang="de-DE" dirty="0"/>
               <a:t>Überschrift 2</a:t>
             </a:r>
             <a:endParaRPr lang="de-CH" dirty="0"/>
@@ -2356,14 +2281,7 @@
   <p:clrMapOvr>
     <a:masterClrMapping/>
   </p:clrMapOvr>
-  <p:timing>
-    <p:tnLst>
-      <p:par>
-        <p:cTn id="1" dur="indefinite" restart="never" nodeType="tmRoot"/>
-      </p:par>
-    </p:tnLst>
-  </p:timing>
-  <p:extLst mod="1">
+  <p:extLst>
     <p:ext uri="{DCECCB84-F9BA-43D5-87BE-67443E8EF086}">
       <p15:sldGuideLst xmlns:p15="http://schemas.microsoft.com/office/powerpoint/2012/main">
         <p15:guide id="1" pos="295" userDrawn="1">
@@ -2655,7 +2573,7 @@
               <a:defRPr/>
             </a:pPr>
             <a:r>
-              <a:rPr lang="de-CH" dirty="0" smtClean="0"/>
+              <a:rPr lang="de-CH" dirty="0"/>
               <a:t>Überschrift 3</a:t>
             </a:r>
           </a:p>
@@ -2690,10 +2608,9 @@
           <a:p>
             <a:pPr lvl="0"/>
             <a:r>
-              <a:rPr lang="de-CH" dirty="0" smtClean="0"/>
+              <a:rPr lang="de-CH" dirty="0"/>
               <a:t>Überschrift 3</a:t>
             </a:r>
-            <a:endParaRPr lang="de-CH" dirty="0"/>
           </a:p>
         </p:txBody>
       </p:sp>
@@ -2726,7 +2643,7 @@
           </a:lstStyle>
           <a:p>
             <a:r>
-              <a:rPr lang="de-DE" dirty="0" smtClean="0"/>
+              <a:rPr lang="de-DE" dirty="0"/>
               <a:t>Überschrift 1</a:t>
             </a:r>
             <a:endParaRPr lang="de-CH" dirty="0"/>
@@ -2767,10 +2684,9 @@
           <a:p>
             <a:pPr lvl="0"/>
             <a:r>
-              <a:rPr lang="de-CH" dirty="0" smtClean="0"/>
+              <a:rPr lang="de-CH" dirty="0"/>
               <a:t>Überschrift 2</a:t>
             </a:r>
-            <a:endParaRPr lang="de-CH" dirty="0"/>
           </a:p>
         </p:txBody>
       </p:sp>
@@ -2827,28 +2743,28 @@
           <a:p>
             <a:pPr lvl="0"/>
             <a:r>
-              <a:rPr lang="de-DE" smtClean="0"/>
+              <a:rPr lang="de-DE"/>
               <a:t>Formatvorlagen des Textmasters bearbeiten</a:t>
             </a:r>
           </a:p>
           <a:p>
             <a:pPr lvl="1"/>
             <a:r>
-              <a:rPr lang="de-DE" smtClean="0"/>
+              <a:rPr lang="de-DE"/>
               <a:t>Zweite Ebene</a:t>
             </a:r>
           </a:p>
           <a:p>
             <a:pPr lvl="2"/>
             <a:r>
-              <a:rPr lang="de-DE" smtClean="0"/>
+              <a:rPr lang="de-DE"/>
               <a:t>Dritte Ebene</a:t>
             </a:r>
           </a:p>
           <a:p>
             <a:pPr lvl="3"/>
             <a:r>
-              <a:rPr lang="de-DE" smtClean="0"/>
+              <a:rPr lang="de-DE"/>
               <a:t>Vierte Ebene</a:t>
             </a:r>
           </a:p>
@@ -2907,28 +2823,28 @@
           <a:p>
             <a:pPr lvl="0"/>
             <a:r>
-              <a:rPr lang="de-DE" smtClean="0"/>
+              <a:rPr lang="de-DE"/>
               <a:t>Formatvorlagen des Textmasters bearbeiten</a:t>
             </a:r>
           </a:p>
           <a:p>
             <a:pPr lvl="1"/>
             <a:r>
-              <a:rPr lang="de-DE" smtClean="0"/>
+              <a:rPr lang="de-DE"/>
               <a:t>Zweite Ebene</a:t>
             </a:r>
           </a:p>
           <a:p>
             <a:pPr lvl="2"/>
             <a:r>
-              <a:rPr lang="de-DE" smtClean="0"/>
+              <a:rPr lang="de-DE"/>
               <a:t>Dritte Ebene</a:t>
             </a:r>
           </a:p>
           <a:p>
             <a:pPr lvl="3"/>
             <a:r>
-              <a:rPr lang="de-DE" smtClean="0"/>
+              <a:rPr lang="de-DE"/>
               <a:t>Vierte Ebene</a:t>
             </a:r>
           </a:p>
@@ -2944,15 +2860,8 @@
   <p:clrMapOvr>
     <a:masterClrMapping/>
   </p:clrMapOvr>
-  <p:timing>
-    <p:tnLst>
-      <p:par>
-        <p:cTn id="1" dur="indefinite" restart="never" nodeType="tmRoot"/>
-      </p:par>
-    </p:tnLst>
-  </p:timing>
   <p:hf hdr="0" ftr="0" dt="0"/>
-  <p:extLst mod="1">
+  <p:extLst>
     <p:ext uri="{DCECCB84-F9BA-43D5-87BE-67443E8EF086}">
       <p15:sldGuideLst xmlns:p15="http://schemas.microsoft.com/office/powerpoint/2012/main">
         <p15:guide id="1" pos="5330" userDrawn="1">
@@ -3027,7 +2936,7 @@
           <a:p>
             <a:pPr lvl="0"/>
             <a:r>
-              <a:rPr lang="de-DE" dirty="0" smtClean="0"/>
+              <a:rPr lang="de-DE" dirty="0"/>
               <a:t>«Zitat»</a:t>
             </a:r>
           </a:p>
@@ -3073,7 +2982,7 @@
           <a:p>
             <a:pPr lvl="0"/>
             <a:r>
-              <a:rPr lang="de-DE" dirty="0" smtClean="0"/>
+              <a:rPr lang="de-DE" dirty="0"/>
               <a:t>Zitierte Person</a:t>
             </a:r>
           </a:p>
@@ -3288,13 +3197,6 @@
   <p:clrMapOvr>
     <a:masterClrMapping/>
   </p:clrMapOvr>
-  <p:timing>
-    <p:tnLst>
-      <p:par>
-        <p:cTn id="1" dur="indefinite" restart="never" nodeType="tmRoot"/>
-      </p:par>
-    </p:tnLst>
-  </p:timing>
   <p:hf hdr="0" ftr="0" dt="0"/>
 </p:sldLayout>
 </file>
@@ -3345,10 +3247,9 @@
           </a:lstStyle>
           <a:p>
             <a:r>
-              <a:rPr lang="de-CH" dirty="0" smtClean="0"/>
+              <a:rPr lang="de-CH" dirty="0"/>
               <a:t>Überschrift 1 / «Zitat»</a:t>
             </a:r>
-            <a:endParaRPr lang="de-CH" dirty="0"/>
           </a:p>
         </p:txBody>
       </p:sp>
@@ -3848,7 +3749,7 @@
           </a:lstStyle>
           <a:p>
             <a:r>
-              <a:rPr lang="de-DE" smtClean="0"/>
+              <a:rPr lang="de-DE"/>
               <a:t>Bild durch Klicken auf Symbol hinzufügen</a:t>
             </a:r>
             <a:endParaRPr lang="de-CH" dirty="0"/>
@@ -3968,11 +3869,11 @@
           </a:lstStyle>
           <a:p>
             <a:r>
-              <a:rPr lang="de-CH" dirty="0" smtClean="0"/>
+              <a:rPr lang="de-CH" dirty="0"/>
               <a:t>Überschrift 2 </a:t>
             </a:r>
             <a:r>
-              <a:rPr lang="de-DE" dirty="0" smtClean="0"/>
+              <a:rPr lang="de-DE" dirty="0"/>
               <a:t>/ Autor</a:t>
             </a:r>
             <a:endParaRPr lang="de-CH" dirty="0"/>
@@ -4019,14 +3920,7 @@
   <p:clrMapOvr>
     <a:masterClrMapping/>
   </p:clrMapOvr>
-  <p:timing>
-    <p:tnLst>
-      <p:par>
-        <p:cTn id="1" dur="indefinite" restart="never" nodeType="tmRoot"/>
-      </p:par>
-    </p:tnLst>
-  </p:timing>
-  <p:extLst mod="1">
+  <p:extLst>
     <p:ext uri="{DCECCB84-F9BA-43D5-87BE-67443E8EF086}">
       <p15:sldGuideLst xmlns:p15="http://schemas.microsoft.com/office/powerpoint/2012/main">
         <p15:guide id="1" pos="295" userDrawn="1">
@@ -4090,7 +3984,7 @@
           </a:lstStyle>
           <a:p>
             <a:r>
-              <a:rPr lang="de-CH" sz="2200" b="1" dirty="0" smtClean="0"/>
+              <a:rPr lang="de-CH" sz="2200" b="1" dirty="0"/>
               <a:t>Überschrift 1 / Zitat</a:t>
             </a:r>
           </a:p>
@@ -4129,10 +4023,9 @@
           <a:p>
             <a:pPr lvl="0"/>
             <a:r>
-              <a:rPr lang="de-CH" dirty="0" smtClean="0"/>
+              <a:rPr lang="de-CH" dirty="0"/>
               <a:t>Überschrift 2 / Autor</a:t>
             </a:r>
-            <a:endParaRPr lang="de-CH" dirty="0"/>
           </a:p>
         </p:txBody>
       </p:sp>
@@ -4353,7 +4246,7 @@
           </a:lstStyle>
           <a:p>
             <a:r>
-              <a:rPr lang="de-DE" dirty="0" smtClean="0"/>
+              <a:rPr lang="de-DE" dirty="0"/>
               <a:t>Bild durch Klicken auf Symbol hinzufügen </a:t>
             </a:r>
             <a:endParaRPr lang="de-CH" dirty="0"/>
@@ -4400,14 +4293,7 @@
   <p:clrMapOvr>
     <a:masterClrMapping/>
   </p:clrMapOvr>
-  <p:timing>
-    <p:tnLst>
-      <p:par>
-        <p:cTn id="1" dur="indefinite" restart="never" nodeType="tmRoot"/>
-      </p:par>
-    </p:tnLst>
-  </p:timing>
-  <p:extLst mod="1">
+  <p:extLst>
     <p:ext uri="{DCECCB84-F9BA-43D5-87BE-67443E8EF086}">
       <p15:sldGuideLst xmlns:p15="http://schemas.microsoft.com/office/powerpoint/2012/main">
         <p15:guide id="1" pos="295" userDrawn="1">
@@ -4532,73 +4418,73 @@
           <a:p>
             <a:pPr lvl="0"/>
             <a:r>
-              <a:rPr lang="de-DE" dirty="0" err="1" smtClean="0"/>
+              <a:rPr lang="de-DE" dirty="0" err="1"/>
               <a:t>Html</a:t>
             </a:r>
             <a:r>
-              <a:rPr lang="de-DE" dirty="0" smtClean="0"/>
+              <a:rPr lang="de-DE" dirty="0"/>
               <a:t>-File öffnen: </a:t>
             </a:r>
             <a:br>
-              <a:rPr lang="de-DE" dirty="0" smtClean="0"/>
+              <a:rPr lang="de-DE" dirty="0"/>
             </a:br>
             <a:r>
-              <a:rPr lang="de-DE" dirty="0" smtClean="0"/>
+              <a:rPr lang="de-DE" dirty="0"/>
               <a:t>Y:\_Projekte\062 - Bbc </a:t>
             </a:r>
             <a:r>
-              <a:rPr lang="de-DE" dirty="0" err="1" smtClean="0"/>
+              <a:rPr lang="de-DE" dirty="0" err="1"/>
               <a:t>ReDesign</a:t>
             </a:r>
             <a:r>
-              <a:rPr lang="de-DE" dirty="0" smtClean="0"/>
+              <a:rPr lang="de-DE" dirty="0"/>
               <a:t>\_Finals\Vorlagen\PowerPoint\index.html</a:t>
             </a:r>
           </a:p>
           <a:p>
             <a:pPr lvl="0"/>
-            <a:endParaRPr lang="de-DE" dirty="0" smtClean="0"/>
+            <a:endParaRPr lang="de-DE" dirty="0"/>
           </a:p>
           <a:p>
             <a:pPr lvl="0"/>
             <a:r>
-              <a:rPr lang="de-DE" dirty="0" smtClean="0"/>
+              <a:rPr lang="de-DE" dirty="0"/>
               <a:t>Code eingeben</a:t>
             </a:r>
           </a:p>
           <a:p>
             <a:pPr lvl="0"/>
-            <a:endParaRPr lang="de-DE" dirty="0" smtClean="0"/>
+            <a:endParaRPr lang="de-DE" dirty="0"/>
           </a:p>
           <a:p>
             <a:pPr lvl="0"/>
             <a:r>
-              <a:rPr lang="de-DE" dirty="0" smtClean="0"/>
+              <a:rPr lang="de-DE" dirty="0"/>
               <a:t>Den formatierten Code kopieren &amp; in die </a:t>
             </a:r>
             <a:r>
-              <a:rPr lang="de-DE" dirty="0" err="1" smtClean="0"/>
+              <a:rPr lang="de-DE" dirty="0" err="1"/>
               <a:t>Codebox</a:t>
             </a:r>
             <a:r>
-              <a:rPr lang="de-DE" dirty="0" smtClean="0"/>
+              <a:rPr lang="de-DE" dirty="0"/>
               <a:t> einfügen</a:t>
             </a:r>
           </a:p>
           <a:p>
             <a:pPr lvl="0"/>
-            <a:endParaRPr lang="de-DE" dirty="0" smtClean="0"/>
+            <a:endParaRPr lang="de-DE" dirty="0"/>
           </a:p>
           <a:p>
             <a:pPr lvl="0"/>
             <a:r>
-              <a:rPr lang="de-DE" dirty="0" smtClean="0"/>
+              <a:rPr lang="de-DE" dirty="0"/>
               <a:t>Beim Dropdown nach dem Kopieren "Ursprüngliche Formatierung beibehalten wählen </a:t>
             </a:r>
           </a:p>
           <a:p>
             <a:pPr lvl="0"/>
-            <a:endParaRPr lang="de-DE" dirty="0" smtClean="0"/>
+            <a:endParaRPr lang="de-DE" dirty="0"/>
           </a:p>
         </p:txBody>
       </p:sp>
@@ -4830,7 +4716,7 @@
           </a:lstStyle>
           <a:p>
             <a:r>
-              <a:rPr lang="de-DE" dirty="0" smtClean="0"/>
+              <a:rPr lang="de-DE" dirty="0"/>
               <a:t>Überschrift 1</a:t>
             </a:r>
             <a:endParaRPr lang="de-CH" dirty="0"/>
@@ -4847,15 +4733,8 @@
   <p:clrMapOvr>
     <a:masterClrMapping/>
   </p:clrMapOvr>
-  <p:timing>
-    <p:tnLst>
-      <p:par>
-        <p:cTn id="1" dur="indefinite" restart="never" nodeType="tmRoot"/>
-      </p:par>
-    </p:tnLst>
-  </p:timing>
   <p:hf hdr="0" ftr="0" dt="0"/>
-  <p:extLst mod="1">
+  <p:extLst>
     <p:ext uri="{DCECCB84-F9BA-43D5-87BE-67443E8EF086}">
       <p15:sldGuideLst xmlns:p15="http://schemas.microsoft.com/office/powerpoint/2012/main">
         <p15:guide id="1" orient="horz" pos="1121" userDrawn="1">
@@ -5184,73 +5063,73 @@
           <a:p>
             <a:pPr lvl="0"/>
             <a:r>
-              <a:rPr lang="de-DE" dirty="0" err="1" smtClean="0"/>
+              <a:rPr lang="de-DE" dirty="0" err="1"/>
               <a:t>Html</a:t>
             </a:r>
             <a:r>
-              <a:rPr lang="de-DE" dirty="0" smtClean="0"/>
+              <a:rPr lang="de-DE" dirty="0"/>
               <a:t>-File öffnen: </a:t>
             </a:r>
             <a:br>
-              <a:rPr lang="de-DE" dirty="0" smtClean="0"/>
+              <a:rPr lang="de-DE" dirty="0"/>
             </a:br>
             <a:r>
-              <a:rPr lang="de-DE" dirty="0" smtClean="0"/>
+              <a:rPr lang="de-DE" dirty="0"/>
               <a:t>Y:\_Projekte\062 - Bbc </a:t>
             </a:r>
             <a:r>
-              <a:rPr lang="de-DE" dirty="0" err="1" smtClean="0"/>
+              <a:rPr lang="de-DE" dirty="0" err="1"/>
               <a:t>ReDesign</a:t>
             </a:r>
             <a:r>
-              <a:rPr lang="de-DE" dirty="0" smtClean="0"/>
+              <a:rPr lang="de-DE" dirty="0"/>
               <a:t>\_Finals\Vorlagen\PowerPoint\index.html</a:t>
             </a:r>
           </a:p>
           <a:p>
             <a:pPr lvl="0"/>
-            <a:endParaRPr lang="de-DE" dirty="0" smtClean="0"/>
+            <a:endParaRPr lang="de-DE" dirty="0"/>
           </a:p>
           <a:p>
             <a:pPr lvl="0"/>
             <a:r>
-              <a:rPr lang="de-DE" dirty="0" smtClean="0"/>
+              <a:rPr lang="de-DE" dirty="0"/>
               <a:t>Code eingeben</a:t>
             </a:r>
           </a:p>
           <a:p>
             <a:pPr lvl="0"/>
-            <a:endParaRPr lang="de-DE" dirty="0" smtClean="0"/>
+            <a:endParaRPr lang="de-DE" dirty="0"/>
           </a:p>
           <a:p>
             <a:pPr lvl="0"/>
             <a:r>
-              <a:rPr lang="de-DE" dirty="0" smtClean="0"/>
+              <a:rPr lang="de-DE" dirty="0"/>
               <a:t>Den formatierten Code kopieren &amp; in die </a:t>
             </a:r>
             <a:r>
-              <a:rPr lang="de-DE" dirty="0" err="1" smtClean="0"/>
+              <a:rPr lang="de-DE" dirty="0" err="1"/>
               <a:t>Codebox</a:t>
             </a:r>
             <a:r>
-              <a:rPr lang="de-DE" dirty="0" smtClean="0"/>
+              <a:rPr lang="de-DE" dirty="0"/>
               <a:t> einfügen</a:t>
             </a:r>
           </a:p>
           <a:p>
             <a:pPr lvl="0"/>
-            <a:endParaRPr lang="de-DE" dirty="0" smtClean="0"/>
+            <a:endParaRPr lang="de-DE" dirty="0"/>
           </a:p>
           <a:p>
             <a:pPr lvl="0"/>
             <a:r>
-              <a:rPr lang="de-DE" dirty="0" smtClean="0"/>
+              <a:rPr lang="de-DE" dirty="0"/>
               <a:t>Beim Dropdown nach dem Kopieren "Ursprüngliche Formatierung beibehalten wählen </a:t>
             </a:r>
           </a:p>
           <a:p>
             <a:pPr lvl="0"/>
-            <a:endParaRPr lang="de-DE" dirty="0" smtClean="0"/>
+            <a:endParaRPr lang="de-DE" dirty="0"/>
           </a:p>
         </p:txBody>
       </p:sp>
@@ -5283,7 +5162,7 @@
           </a:lstStyle>
           <a:p>
             <a:r>
-              <a:rPr lang="de-DE" dirty="0" smtClean="0"/>
+              <a:rPr lang="de-DE" dirty="0"/>
               <a:t>Überschrift 1</a:t>
             </a:r>
             <a:endParaRPr lang="de-CH" dirty="0"/>
@@ -5324,10 +5203,9 @@
           <a:p>
             <a:pPr lvl="0"/>
             <a:r>
-              <a:rPr lang="de-CH" dirty="0" smtClean="0"/>
+              <a:rPr lang="de-CH" dirty="0"/>
               <a:t>Überschrift 2</a:t>
             </a:r>
-            <a:endParaRPr lang="de-CH" dirty="0"/>
           </a:p>
         </p:txBody>
       </p:sp>
@@ -5341,15 +5219,8 @@
   <p:clrMapOvr>
     <a:masterClrMapping/>
   </p:clrMapOvr>
-  <p:timing>
-    <p:tnLst>
-      <p:par>
-        <p:cTn id="1" dur="indefinite" restart="never" nodeType="tmRoot"/>
-      </p:par>
-    </p:tnLst>
-  </p:timing>
   <p:hf hdr="0" ftr="0" dt="0"/>
-  <p:extLst mod="1">
+  <p:extLst>
     <p:ext uri="{DCECCB84-F9BA-43D5-87BE-67443E8EF086}">
       <p15:sldGuideLst xmlns:p15="http://schemas.microsoft.com/office/powerpoint/2012/main">
         <p15:guide id="1" orient="horz" pos="1121" userDrawn="1">
@@ -5479,67 +5350,67 @@
           <a:p>
             <a:pPr lvl="0"/>
             <a:r>
-              <a:rPr lang="de-DE" dirty="0" err="1" smtClean="0"/>
+              <a:rPr lang="de-DE" dirty="0" err="1"/>
               <a:t>Html</a:t>
             </a:r>
             <a:r>
-              <a:rPr lang="de-DE" dirty="0" smtClean="0"/>
+              <a:rPr lang="de-DE" dirty="0"/>
               <a:t>-File öffnen: </a:t>
             </a:r>
             <a:br>
-              <a:rPr lang="de-DE" dirty="0" smtClean="0"/>
+              <a:rPr lang="de-DE" dirty="0"/>
             </a:br>
             <a:r>
-              <a:rPr lang="de-DE" dirty="0" smtClean="0"/>
+              <a:rPr lang="de-DE" dirty="0"/>
               <a:t>Y:\_Projekte\062 - Bbc </a:t>
             </a:r>
             <a:r>
-              <a:rPr lang="de-DE" dirty="0" err="1" smtClean="0"/>
+              <a:rPr lang="de-DE" dirty="0" err="1"/>
               <a:t>ReDesign</a:t>
             </a:r>
             <a:r>
-              <a:rPr lang="de-DE" dirty="0" smtClean="0"/>
+              <a:rPr lang="de-DE" dirty="0"/>
               <a:t>\_Finals\Vorlagen\PowerPoint\index.html</a:t>
             </a:r>
             <a:br>
-              <a:rPr lang="de-DE" dirty="0" smtClean="0"/>
+              <a:rPr lang="de-DE" dirty="0"/>
             </a:br>
-            <a:endParaRPr lang="de-DE" dirty="0" smtClean="0"/>
+            <a:endParaRPr lang="de-DE" dirty="0"/>
           </a:p>
           <a:p>
             <a:pPr lvl="0"/>
             <a:r>
-              <a:rPr lang="de-DE" dirty="0" smtClean="0"/>
+              <a:rPr lang="de-DE" dirty="0"/>
               <a:t>Code eingeben</a:t>
             </a:r>
             <a:br>
-              <a:rPr lang="de-DE" dirty="0" smtClean="0"/>
+              <a:rPr lang="de-DE" dirty="0"/>
             </a:br>
-            <a:endParaRPr lang="de-DE" dirty="0" smtClean="0"/>
+            <a:endParaRPr lang="de-DE" dirty="0"/>
           </a:p>
           <a:p>
             <a:pPr lvl="0"/>
             <a:r>
-              <a:rPr lang="de-DE" dirty="0" smtClean="0"/>
+              <a:rPr lang="de-DE" dirty="0"/>
               <a:t>Den formatierten Code kopieren &amp; in die </a:t>
             </a:r>
             <a:r>
-              <a:rPr lang="de-DE" dirty="0" err="1" smtClean="0"/>
+              <a:rPr lang="de-DE" dirty="0" err="1"/>
               <a:t>Codebox</a:t>
             </a:r>
             <a:r>
-              <a:rPr lang="de-DE" dirty="0" smtClean="0"/>
+              <a:rPr lang="de-DE" dirty="0"/>
               <a:t> einfügen</a:t>
             </a:r>
             <a:br>
-              <a:rPr lang="de-DE" dirty="0" smtClean="0"/>
+              <a:rPr lang="de-DE" dirty="0"/>
             </a:br>
-            <a:endParaRPr lang="de-DE" dirty="0" smtClean="0"/>
+            <a:endParaRPr lang="de-DE" dirty="0"/>
           </a:p>
           <a:p>
             <a:pPr lvl="0"/>
             <a:r>
-              <a:rPr lang="de-DE" dirty="0" smtClean="0"/>
+              <a:rPr lang="de-DE" dirty="0"/>
               <a:t>Beim Dropdown nach dem Kopieren "Ursprüngliche Formatierung beibehalten wählen</a:t>
             </a:r>
           </a:p>
@@ -5612,35 +5483,35 @@
           <a:p>
             <a:pPr lvl="0"/>
             <a:r>
-              <a:rPr lang="de-DE" smtClean="0"/>
+              <a:rPr lang="de-DE"/>
               <a:t>Formatvorlagen des Textmasters bearbeiten</a:t>
             </a:r>
           </a:p>
           <a:p>
             <a:pPr lvl="1"/>
             <a:r>
-              <a:rPr lang="de-DE" smtClean="0"/>
+              <a:rPr lang="de-DE"/>
               <a:t>Zweite Ebene</a:t>
             </a:r>
           </a:p>
           <a:p>
             <a:pPr lvl="2"/>
             <a:r>
-              <a:rPr lang="de-DE" smtClean="0"/>
+              <a:rPr lang="de-DE"/>
               <a:t>Dritte Ebene</a:t>
             </a:r>
           </a:p>
           <a:p>
             <a:pPr lvl="3"/>
             <a:r>
-              <a:rPr lang="de-DE" smtClean="0"/>
+              <a:rPr lang="de-DE"/>
               <a:t>Vierte Ebene</a:t>
             </a:r>
           </a:p>
           <a:p>
             <a:pPr lvl="4"/>
             <a:r>
-              <a:rPr lang="de-DE" smtClean="0"/>
+              <a:rPr lang="de-DE"/>
               <a:t>Fünfte Ebene</a:t>
             </a:r>
             <a:endParaRPr lang="de-CH" dirty="0"/>
@@ -5875,7 +5746,7 @@
           </a:lstStyle>
           <a:p>
             <a:r>
-              <a:rPr lang="de-DE" dirty="0" smtClean="0"/>
+              <a:rPr lang="de-DE" dirty="0"/>
               <a:t>Überschrift 1</a:t>
             </a:r>
             <a:endParaRPr lang="de-CH" dirty="0"/>
@@ -5892,15 +5763,8 @@
   <p:clrMapOvr>
     <a:masterClrMapping/>
   </p:clrMapOvr>
-  <p:timing>
-    <p:tnLst>
-      <p:par>
-        <p:cTn id="1" dur="indefinite" restart="never" nodeType="tmRoot"/>
-      </p:par>
-    </p:tnLst>
-  </p:timing>
   <p:hf hdr="0" ftr="0" dt="0"/>
-  <p:extLst mod="1">
+  <p:extLst>
     <p:ext uri="{DCECCB84-F9BA-43D5-87BE-67443E8EF086}">
       <p15:sldGuideLst xmlns:p15="http://schemas.microsoft.com/office/powerpoint/2012/main">
         <p15:guide id="1" orient="horz" pos="2890" userDrawn="1">
@@ -6219,67 +6083,67 @@
           <a:p>
             <a:pPr lvl="0"/>
             <a:r>
-              <a:rPr lang="de-DE" dirty="0" err="1" smtClean="0"/>
+              <a:rPr lang="de-DE" dirty="0" err="1"/>
               <a:t>Html</a:t>
             </a:r>
             <a:r>
-              <a:rPr lang="de-DE" dirty="0" smtClean="0"/>
+              <a:rPr lang="de-DE" dirty="0"/>
               <a:t>-File öffnen: </a:t>
             </a:r>
             <a:br>
-              <a:rPr lang="de-DE" dirty="0" smtClean="0"/>
+              <a:rPr lang="de-DE" dirty="0"/>
             </a:br>
             <a:r>
-              <a:rPr lang="de-DE" dirty="0" smtClean="0"/>
+              <a:rPr lang="de-DE" dirty="0"/>
               <a:t>Y:\_Projekte\062 - Bbc </a:t>
             </a:r>
             <a:r>
-              <a:rPr lang="de-DE" dirty="0" err="1" smtClean="0"/>
+              <a:rPr lang="de-DE" dirty="0" err="1"/>
               <a:t>ReDesign</a:t>
             </a:r>
             <a:r>
-              <a:rPr lang="de-DE" dirty="0" smtClean="0"/>
+              <a:rPr lang="de-DE" dirty="0"/>
               <a:t>\_Finals\Vorlagen\PowerPoint\index.html</a:t>
             </a:r>
             <a:br>
-              <a:rPr lang="de-DE" dirty="0" smtClean="0"/>
+              <a:rPr lang="de-DE" dirty="0"/>
             </a:br>
-            <a:endParaRPr lang="de-DE" dirty="0" smtClean="0"/>
+            <a:endParaRPr lang="de-DE" dirty="0"/>
           </a:p>
           <a:p>
             <a:pPr lvl="0"/>
             <a:r>
-              <a:rPr lang="de-DE" dirty="0" smtClean="0"/>
+              <a:rPr lang="de-DE" dirty="0"/>
               <a:t>Code eingeben</a:t>
             </a:r>
             <a:br>
-              <a:rPr lang="de-DE" dirty="0" smtClean="0"/>
+              <a:rPr lang="de-DE" dirty="0"/>
             </a:br>
-            <a:endParaRPr lang="de-DE" dirty="0" smtClean="0"/>
+            <a:endParaRPr lang="de-DE" dirty="0"/>
           </a:p>
           <a:p>
             <a:pPr lvl="0"/>
             <a:r>
-              <a:rPr lang="de-DE" dirty="0" smtClean="0"/>
+              <a:rPr lang="de-DE" dirty="0"/>
               <a:t>Den formatierten Code kopieren &amp; in die </a:t>
             </a:r>
             <a:r>
-              <a:rPr lang="de-DE" dirty="0" err="1" smtClean="0"/>
+              <a:rPr lang="de-DE" dirty="0" err="1"/>
               <a:t>Codebox</a:t>
             </a:r>
             <a:r>
-              <a:rPr lang="de-DE" dirty="0" smtClean="0"/>
+              <a:rPr lang="de-DE" dirty="0"/>
               <a:t> einfügen</a:t>
             </a:r>
             <a:br>
-              <a:rPr lang="de-DE" dirty="0" smtClean="0"/>
+              <a:rPr lang="de-DE" dirty="0"/>
             </a:br>
-            <a:endParaRPr lang="de-DE" dirty="0" smtClean="0"/>
+            <a:endParaRPr lang="de-DE" dirty="0"/>
           </a:p>
           <a:p>
             <a:pPr lvl="0"/>
             <a:r>
-              <a:rPr lang="de-DE" dirty="0" smtClean="0"/>
+              <a:rPr lang="de-DE" dirty="0"/>
               <a:t>Beim Dropdown nach dem Kopieren "Ursprüngliche Formatierung beibehalten wählen</a:t>
             </a:r>
           </a:p>
@@ -6314,7 +6178,7 @@
           </a:lstStyle>
           <a:p>
             <a:r>
-              <a:rPr lang="de-DE" dirty="0" smtClean="0"/>
+              <a:rPr lang="de-DE" dirty="0"/>
               <a:t>Überschrift 1</a:t>
             </a:r>
             <a:endParaRPr lang="de-CH" dirty="0"/>
@@ -6355,10 +6219,9 @@
           <a:p>
             <a:pPr lvl="0"/>
             <a:r>
-              <a:rPr lang="de-CH" dirty="0" smtClean="0"/>
+              <a:rPr lang="de-CH" dirty="0"/>
               <a:t>Überschrift 2</a:t>
             </a:r>
-            <a:endParaRPr lang="de-CH" dirty="0"/>
           </a:p>
         </p:txBody>
       </p:sp>
@@ -6415,28 +6278,28 @@
           <a:p>
             <a:pPr lvl="0"/>
             <a:r>
-              <a:rPr lang="de-DE" smtClean="0"/>
+              <a:rPr lang="de-DE"/>
               <a:t>Formatvorlagen des Textmasters bearbeiten</a:t>
             </a:r>
           </a:p>
           <a:p>
             <a:pPr lvl="1"/>
             <a:r>
-              <a:rPr lang="de-DE" smtClean="0"/>
+              <a:rPr lang="de-DE"/>
               <a:t>Zweite Ebene</a:t>
             </a:r>
           </a:p>
           <a:p>
             <a:pPr lvl="2"/>
             <a:r>
-              <a:rPr lang="de-DE" smtClean="0"/>
+              <a:rPr lang="de-DE"/>
               <a:t>Dritte Ebene</a:t>
             </a:r>
           </a:p>
           <a:p>
             <a:pPr lvl="3"/>
             <a:r>
-              <a:rPr lang="de-DE" smtClean="0"/>
+              <a:rPr lang="de-DE"/>
               <a:t>Vierte Ebene</a:t>
             </a:r>
           </a:p>
@@ -6452,15 +6315,8 @@
   <p:clrMapOvr>
     <a:masterClrMapping/>
   </p:clrMapOvr>
-  <p:timing>
-    <p:tnLst>
-      <p:par>
-        <p:cTn id="1" dur="indefinite" restart="never" nodeType="tmRoot"/>
-      </p:par>
-    </p:tnLst>
-  </p:timing>
   <p:hf hdr="0" ftr="0" dt="0"/>
-  <p:extLst mod="1">
+  <p:extLst>
     <p:ext uri="{DCECCB84-F9BA-43D5-87BE-67443E8EF086}">
       <p15:sldGuideLst xmlns:p15="http://schemas.microsoft.com/office/powerpoint/2012/main">
         <p15:guide id="1" orient="horz" pos="2890" userDrawn="1">
@@ -6749,55 +6605,55 @@
           <a:p>
             <a:pPr lvl="0"/>
             <a:r>
-              <a:rPr lang="de-DE" dirty="0" err="1" smtClean="0"/>
+              <a:rPr lang="de-DE" dirty="0" err="1"/>
               <a:t>Html</a:t>
             </a:r>
             <a:r>
-              <a:rPr lang="de-DE" dirty="0" smtClean="0"/>
+              <a:rPr lang="de-DE" dirty="0"/>
               <a:t>-File öffnen: </a:t>
             </a:r>
             <a:br>
-              <a:rPr lang="de-DE" dirty="0" smtClean="0"/>
+              <a:rPr lang="de-DE" dirty="0"/>
             </a:br>
             <a:r>
-              <a:rPr lang="de-DE" dirty="0" smtClean="0"/>
+              <a:rPr lang="de-DE" dirty="0"/>
               <a:t>Y:\_Projekte\062 - Bbc </a:t>
             </a:r>
             <a:r>
-              <a:rPr lang="de-DE" dirty="0" err="1" smtClean="0"/>
+              <a:rPr lang="de-DE" dirty="0" err="1"/>
               <a:t>ReDesign</a:t>
             </a:r>
             <a:r>
-              <a:rPr lang="de-DE" dirty="0" smtClean="0"/>
+              <a:rPr lang="de-DE" dirty="0"/>
               <a:t>\_Finals\Vorlagen\PowerPoint\index.html</a:t>
             </a:r>
           </a:p>
           <a:p>
             <a:pPr lvl="0"/>
             <a:r>
-              <a:rPr lang="de-DE" dirty="0" smtClean="0"/>
+              <a:rPr lang="de-DE" dirty="0"/>
               <a:t>Code eingeben</a:t>
             </a:r>
           </a:p>
           <a:p>
             <a:pPr lvl="0"/>
             <a:r>
-              <a:rPr lang="de-DE" dirty="0" smtClean="0"/>
+              <a:rPr lang="de-DE" dirty="0"/>
               <a:t>Den formatierten Code kopieren &amp; in die </a:t>
             </a:r>
             <a:r>
-              <a:rPr lang="de-DE" dirty="0" err="1" smtClean="0"/>
+              <a:rPr lang="de-DE" dirty="0" err="1"/>
               <a:t>Codebox</a:t>
             </a:r>
             <a:r>
-              <a:rPr lang="de-DE" dirty="0" smtClean="0"/>
+              <a:rPr lang="de-DE" dirty="0"/>
               <a:t> einfügen</a:t>
             </a:r>
           </a:p>
           <a:p>
             <a:pPr lvl="0"/>
             <a:r>
-              <a:rPr lang="de-DE" dirty="0" smtClean="0"/>
+              <a:rPr lang="de-DE" dirty="0"/>
               <a:t>Beim Dropdown nach dem Kopieren "Ursprüngliche Formatierung beibehalten wählen</a:t>
             </a:r>
           </a:p>
@@ -6862,10 +6718,9 @@
           <a:p>
             <a:pPr lvl="0"/>
             <a:r>
-              <a:rPr lang="de-CH" dirty="0" smtClean="0"/>
+              <a:rPr lang="de-CH" dirty="0"/>
               <a:t>Überschrift 3</a:t>
             </a:r>
-            <a:endParaRPr lang="de-CH" dirty="0"/>
           </a:p>
         </p:txBody>
       </p:sp>
@@ -6898,10 +6753,9 @@
           <a:p>
             <a:pPr lvl="0"/>
             <a:r>
-              <a:rPr lang="de-CH" dirty="0" smtClean="0"/>
+              <a:rPr lang="de-CH" dirty="0"/>
               <a:t>Überschrift 3</a:t>
             </a:r>
-            <a:endParaRPr lang="de-CH" dirty="0"/>
           </a:p>
         </p:txBody>
       </p:sp>
@@ -6934,7 +6788,7 @@
           </a:lstStyle>
           <a:p>
             <a:r>
-              <a:rPr lang="de-DE" dirty="0" smtClean="0"/>
+              <a:rPr lang="de-DE" dirty="0"/>
               <a:t>Überschrift 1</a:t>
             </a:r>
             <a:endParaRPr lang="de-CH" dirty="0"/>
@@ -6975,10 +6829,9 @@
           <a:p>
             <a:pPr lvl="0"/>
             <a:r>
-              <a:rPr lang="de-CH" dirty="0" smtClean="0"/>
+              <a:rPr lang="de-CH" dirty="0"/>
               <a:t>Überschrift 2</a:t>
             </a:r>
-            <a:endParaRPr lang="de-CH" dirty="0"/>
           </a:p>
         </p:txBody>
       </p:sp>
@@ -7035,28 +6888,28 @@
           <a:p>
             <a:pPr lvl="0"/>
             <a:r>
-              <a:rPr lang="de-DE" smtClean="0"/>
+              <a:rPr lang="de-DE"/>
               <a:t>Formatvorlagen des Textmasters bearbeiten</a:t>
             </a:r>
           </a:p>
           <a:p>
             <a:pPr lvl="1"/>
             <a:r>
-              <a:rPr lang="de-DE" smtClean="0"/>
+              <a:rPr lang="de-DE"/>
               <a:t>Zweite Ebene</a:t>
             </a:r>
           </a:p>
           <a:p>
             <a:pPr lvl="2"/>
             <a:r>
-              <a:rPr lang="de-DE" smtClean="0"/>
+              <a:rPr lang="de-DE"/>
               <a:t>Dritte Ebene</a:t>
             </a:r>
           </a:p>
           <a:p>
             <a:pPr lvl="3"/>
             <a:r>
-              <a:rPr lang="de-DE" smtClean="0"/>
+              <a:rPr lang="de-DE"/>
               <a:t>Vierte Ebene</a:t>
             </a:r>
           </a:p>
@@ -7072,15 +6925,8 @@
   <p:clrMapOvr>
     <a:masterClrMapping/>
   </p:clrMapOvr>
-  <p:timing>
-    <p:tnLst>
-      <p:par>
-        <p:cTn id="1" dur="indefinite" restart="never" nodeType="tmRoot"/>
-      </p:par>
-    </p:tnLst>
-  </p:timing>
   <p:hf hdr="0" ftr="0" dt="0"/>
-  <p:extLst mod="1">
+  <p:extLst>
     <p:ext uri="{DCECCB84-F9BA-43D5-87BE-67443E8EF086}">
       <p15:sldGuideLst xmlns:p15="http://schemas.microsoft.com/office/powerpoint/2012/main">
         <p15:guide id="1" orient="horz" pos="2890" userDrawn="1">
@@ -7501,7 +7347,7 @@
           <a:p>
             <a:pPr lvl="0"/>
             <a:r>
-              <a:rPr lang="de-DE" smtClean="0"/>
+              <a:rPr lang="de-DE"/>
               <a:t>Formatvorlagen des Textmasters bearbeiten</a:t>
             </a:r>
           </a:p>
@@ -7566,7 +7412,7 @@
           </a:lstStyle>
           <a:p>
             <a:r>
-              <a:rPr lang="de-DE" dirty="0" smtClean="0"/>
+              <a:rPr lang="de-DE" dirty="0"/>
               <a:t>Überschrift 1</a:t>
             </a:r>
             <a:endParaRPr lang="de-CH" dirty="0"/>
@@ -7626,28 +7472,28 @@
           <a:p>
             <a:pPr lvl="0"/>
             <a:r>
-              <a:rPr lang="de-DE" smtClean="0"/>
+              <a:rPr lang="de-DE"/>
               <a:t>Formatvorlagen des Textmasters bearbeiten</a:t>
             </a:r>
           </a:p>
           <a:p>
             <a:pPr lvl="1"/>
             <a:r>
-              <a:rPr lang="de-DE" smtClean="0"/>
+              <a:rPr lang="de-DE"/>
               <a:t>Zweite Ebene</a:t>
             </a:r>
           </a:p>
           <a:p>
             <a:pPr lvl="2"/>
             <a:r>
-              <a:rPr lang="de-DE" smtClean="0"/>
+              <a:rPr lang="de-DE"/>
               <a:t>Dritte Ebene</a:t>
             </a:r>
           </a:p>
           <a:p>
             <a:pPr lvl="3"/>
             <a:r>
-              <a:rPr lang="de-DE" smtClean="0"/>
+              <a:rPr lang="de-DE"/>
               <a:t>Vierte Ebene</a:t>
             </a:r>
           </a:p>
@@ -7663,7 +7509,7 @@
   <p:clrMapOvr>
     <a:masterClrMapping/>
   </p:clrMapOvr>
-  <p:extLst mod="1">
+  <p:extLst>
     <p:ext uri="{DCECCB84-F9BA-43D5-87BE-67443E8EF086}">
       <p15:sldGuideLst xmlns:p15="http://schemas.microsoft.com/office/powerpoint/2012/main"/>
     </p:ext>
@@ -7747,7 +7593,7 @@
           </a:lstStyle>
           <a:p>
             <a:r>
-              <a:rPr lang="de-DE" dirty="0" smtClean="0"/>
+              <a:rPr lang="de-DE" dirty="0"/>
               <a:t>Überschrift 1</a:t>
             </a:r>
             <a:endParaRPr lang="de-CH" dirty="0"/>
@@ -8208,7 +8054,7 @@
           <a:lstStyle/>
           <a:p>
             <a:r>
-              <a:rPr lang="de-DE" smtClean="0"/>
+              <a:rPr lang="de-DE"/>
               <a:t>Bild durch Klicken auf Symbol hinzufügen</a:t>
             </a:r>
             <a:endParaRPr lang="de-CH"/>
@@ -8328,10 +8174,9 @@
           </a:lstStyle>
           <a:p>
             <a:r>
-              <a:rPr lang="de-CH" dirty="0" smtClean="0"/>
+              <a:rPr lang="de-CH" dirty="0"/>
               <a:t>Überschrift 2</a:t>
             </a:r>
-            <a:endParaRPr lang="de-CH" dirty="0"/>
           </a:p>
         </p:txBody>
       </p:sp>
@@ -8366,10 +8211,9 @@
           <a:p>
             <a:pPr lvl="0"/>
             <a:r>
-              <a:rPr lang="de-CH" dirty="0" smtClean="0"/>
+              <a:rPr lang="de-CH" dirty="0"/>
               <a:t>Autor, Funktion (Optional), 14pt</a:t>
             </a:r>
-            <a:endParaRPr lang="de-CH" dirty="0"/>
           </a:p>
         </p:txBody>
       </p:sp>
@@ -8412,14 +8256,7 @@
   <p:clrMapOvr>
     <a:masterClrMapping/>
   </p:clrMapOvr>
-  <p:timing>
-    <p:tnLst>
-      <p:par>
-        <p:cTn id="1" dur="indefinite" restart="never" nodeType="tmRoot"/>
-      </p:par>
-    </p:tnLst>
-  </p:timing>
-  <p:extLst mod="1">
+  <p:extLst>
     <p:ext uri="{DCECCB84-F9BA-43D5-87BE-67443E8EF086}">
       <p15:sldGuideLst xmlns:p15="http://schemas.microsoft.com/office/powerpoint/2012/main">
         <p15:guide id="1" pos="295" userDrawn="1">
@@ -8845,7 +8682,7 @@
           <a:p>
             <a:pPr lvl="0"/>
             <a:r>
-              <a:rPr lang="de-DE" smtClean="0"/>
+              <a:rPr lang="de-DE"/>
               <a:t>Formatvorlagen des Textmasters bearbeiten</a:t>
             </a:r>
           </a:p>
@@ -8910,7 +8747,7 @@
           </a:lstStyle>
           <a:p>
             <a:r>
-              <a:rPr lang="de-DE" dirty="0" smtClean="0"/>
+              <a:rPr lang="de-DE" dirty="0"/>
               <a:t>Überschrift 1</a:t>
             </a:r>
             <a:endParaRPr lang="de-CH" dirty="0"/>
@@ -8951,10 +8788,9 @@
           <a:p>
             <a:pPr lvl="0"/>
             <a:r>
-              <a:rPr lang="de-CH" dirty="0" smtClean="0"/>
+              <a:rPr lang="de-CH" dirty="0"/>
               <a:t>Überschrift 2</a:t>
             </a:r>
-            <a:endParaRPr lang="de-CH" dirty="0"/>
           </a:p>
         </p:txBody>
       </p:sp>
@@ -9011,28 +8847,28 @@
           <a:p>
             <a:pPr lvl="0"/>
             <a:r>
-              <a:rPr lang="de-DE" smtClean="0"/>
+              <a:rPr lang="de-DE"/>
               <a:t>Formatvorlagen des Textmasters bearbeiten</a:t>
             </a:r>
           </a:p>
           <a:p>
             <a:pPr lvl="1"/>
             <a:r>
-              <a:rPr lang="de-DE" smtClean="0"/>
+              <a:rPr lang="de-DE"/>
               <a:t>Zweite Ebene</a:t>
             </a:r>
           </a:p>
           <a:p>
             <a:pPr lvl="2"/>
             <a:r>
-              <a:rPr lang="de-DE" smtClean="0"/>
+              <a:rPr lang="de-DE"/>
               <a:t>Dritte Ebene</a:t>
             </a:r>
           </a:p>
           <a:p>
             <a:pPr lvl="3"/>
             <a:r>
-              <a:rPr lang="de-DE" smtClean="0"/>
+              <a:rPr lang="de-DE"/>
               <a:t>Vierte Ebene</a:t>
             </a:r>
           </a:p>
@@ -9048,7 +8884,7 @@
   <p:clrMapOvr>
     <a:masterClrMapping/>
   </p:clrMapOvr>
-  <p:extLst mod="1">
+  <p:extLst>
     <p:ext uri="{DCECCB84-F9BA-43D5-87BE-67443E8EF086}">
       <p15:sldGuideLst xmlns:p15="http://schemas.microsoft.com/office/powerpoint/2012/main"/>
     </p:ext>
@@ -9493,7 +9329,7 @@
           <a:p>
             <a:pPr lvl="0"/>
             <a:r>
-              <a:rPr lang="de-DE" smtClean="0"/>
+              <a:rPr lang="de-DE"/>
               <a:t>Formatvorlagen des Textmasters bearbeiten</a:t>
             </a:r>
           </a:p>
@@ -9528,10 +9364,9 @@
           <a:p>
             <a:pPr lvl="0"/>
             <a:r>
-              <a:rPr lang="de-CH" dirty="0" smtClean="0"/>
+              <a:rPr lang="de-CH" dirty="0"/>
               <a:t>Überschrift 3</a:t>
             </a:r>
-            <a:endParaRPr lang="de-CH" dirty="0"/>
           </a:p>
         </p:txBody>
       </p:sp>
@@ -9568,10 +9403,9 @@
           <a:p>
             <a:pPr lvl="0"/>
             <a:r>
-              <a:rPr lang="de-CH" dirty="0" smtClean="0"/>
+              <a:rPr lang="de-CH" dirty="0"/>
               <a:t>Überschrift 3</a:t>
             </a:r>
-            <a:endParaRPr lang="de-CH" dirty="0"/>
           </a:p>
         </p:txBody>
       </p:sp>
@@ -9604,7 +9438,7 @@
           </a:lstStyle>
           <a:p>
             <a:r>
-              <a:rPr lang="de-DE" dirty="0" smtClean="0"/>
+              <a:rPr lang="de-DE" dirty="0"/>
               <a:t>Überschrift 1</a:t>
             </a:r>
             <a:endParaRPr lang="de-CH" dirty="0"/>
@@ -9645,10 +9479,9 @@
           <a:p>
             <a:pPr lvl="0"/>
             <a:r>
-              <a:rPr lang="de-CH" dirty="0" smtClean="0"/>
+              <a:rPr lang="de-CH" dirty="0"/>
               <a:t>Überschrift 2</a:t>
             </a:r>
-            <a:endParaRPr lang="de-CH" dirty="0"/>
           </a:p>
         </p:txBody>
       </p:sp>
@@ -9705,28 +9538,28 @@
           <a:p>
             <a:pPr lvl="0"/>
             <a:r>
-              <a:rPr lang="de-DE" smtClean="0"/>
+              <a:rPr lang="de-DE"/>
               <a:t>Formatvorlagen des Textmasters bearbeiten</a:t>
             </a:r>
           </a:p>
           <a:p>
             <a:pPr lvl="1"/>
             <a:r>
-              <a:rPr lang="de-DE" smtClean="0"/>
+              <a:rPr lang="de-DE"/>
               <a:t>Zweite Ebene</a:t>
             </a:r>
           </a:p>
           <a:p>
             <a:pPr lvl="2"/>
             <a:r>
-              <a:rPr lang="de-DE" smtClean="0"/>
+              <a:rPr lang="de-DE"/>
               <a:t>Dritte Ebene</a:t>
             </a:r>
           </a:p>
           <a:p>
             <a:pPr lvl="3"/>
             <a:r>
-              <a:rPr lang="de-DE" smtClean="0"/>
+              <a:rPr lang="de-DE"/>
               <a:t>Vierte Ebene</a:t>
             </a:r>
           </a:p>
@@ -10325,10 +10158,9 @@
           </a:lstStyle>
           <a:p>
             <a:r>
-              <a:rPr lang="de-CH" dirty="0" smtClean="0"/>
+              <a:rPr lang="de-CH" dirty="0"/>
               <a:t>Hervorzuhebender Text</a:t>
             </a:r>
-            <a:endParaRPr lang="de-CH" dirty="0"/>
           </a:p>
         </p:txBody>
       </p:sp>
@@ -10541,14 +10373,7 @@
   <p:clrMapOvr>
     <a:masterClrMapping/>
   </p:clrMapOvr>
-  <p:timing>
-    <p:tnLst>
-      <p:par>
-        <p:cTn id="1" dur="indefinite" restart="never" nodeType="tmRoot"/>
-      </p:par>
-    </p:tnLst>
-  </p:timing>
-  <p:extLst mod="1">
+  <p:extLst>
     <p:ext uri="{DCECCB84-F9BA-43D5-87BE-67443E8EF086}">
       <p15:sldGuideLst xmlns:p15="http://schemas.microsoft.com/office/powerpoint/2012/main">
         <p15:guide id="1" orient="horz" pos="2741" userDrawn="1">
@@ -11286,10 +11111,9 @@
           </a:lstStyle>
           <a:p>
             <a:r>
-              <a:rPr lang="de-CH" dirty="0" smtClean="0"/>
+              <a:rPr lang="de-CH" dirty="0"/>
               <a:t>Hervorzuhebender Text</a:t>
             </a:r>
-            <a:endParaRPr lang="de-CH" dirty="0"/>
           </a:p>
         </p:txBody>
       </p:sp>
@@ -11333,14 +11157,7 @@
   <p:clrMapOvr>
     <a:masterClrMapping/>
   </p:clrMapOvr>
-  <p:timing>
-    <p:tnLst>
-      <p:par>
-        <p:cTn id="1" dur="indefinite" restart="never" nodeType="tmRoot"/>
-      </p:par>
-    </p:tnLst>
-  </p:timing>
-  <p:extLst mod="1">
+  <p:extLst>
     <p:ext uri="{DCECCB84-F9BA-43D5-87BE-67443E8EF086}">
       <p15:sldGuideLst xmlns:p15="http://schemas.microsoft.com/office/powerpoint/2012/main">
         <p15:guide id="1" orient="horz" pos="2741" userDrawn="1">
@@ -11398,7 +11215,7 @@
           </a:lstStyle>
           <a:p>
             <a:r>
-              <a:rPr lang="de-DE" dirty="0" smtClean="0"/>
+              <a:rPr lang="de-DE" dirty="0"/>
               <a:t>Das Logo ist bei einem Vollbild nicht sichtbar</a:t>
             </a:r>
             <a:endParaRPr lang="de-CH" dirty="0"/>
@@ -11415,13 +11232,6 @@
   <p:clrMapOvr>
     <a:masterClrMapping/>
   </p:clrMapOvr>
-  <p:timing>
-    <p:tnLst>
-      <p:par>
-        <p:cTn id="1" dur="indefinite" restart="never" nodeType="tmRoot"/>
-      </p:par>
-    </p:tnLst>
-  </p:timing>
 </p:sldLayout>
 </file>
 
@@ -11467,7 +11277,7 @@
           </a:lstStyle>
           <a:p>
             <a:r>
-              <a:rPr lang="de-DE" dirty="0" smtClean="0"/>
+              <a:rPr lang="de-DE" dirty="0"/>
               <a:t>Das Logo ist bei einem Vollbild-Video nicht sichtbar</a:t>
             </a:r>
             <a:endParaRPr lang="de-CH" dirty="0"/>
@@ -11484,13 +11294,6 @@
   <p:clrMapOvr>
     <a:masterClrMapping/>
   </p:clrMapOvr>
-  <p:timing>
-    <p:tnLst>
-      <p:par>
-        <p:cTn id="1" dur="indefinite" restart="never" nodeType="tmRoot"/>
-      </p:par>
-    </p:tnLst>
-  </p:timing>
   <p:hf hdr="0" ftr="0" dt="0"/>
 </p:sldLayout>
 </file>
@@ -12815,7 +12618,7 @@
           </a:lstStyle>
           <a:p>
             <a:r>
-              <a:rPr lang="de-DE" smtClean="0"/>
+              <a:rPr lang="de-DE"/>
               <a:t>Bild durch Klicken auf Symbol hinzufügen</a:t>
             </a:r>
             <a:endParaRPr lang="de-CH" dirty="0"/>
@@ -12886,7 +12689,7 @@
               <a:defRPr/>
             </a:pPr>
             <a:r>
-              <a:rPr lang="de-CH" dirty="0" smtClean="0"/>
+              <a:rPr lang="de-CH" dirty="0"/>
               <a:t>Hier Text eingeben</a:t>
             </a:r>
           </a:p>
@@ -12936,13 +12739,6 @@
   <p:clrMapOvr>
     <a:masterClrMapping/>
   </p:clrMapOvr>
-  <p:timing>
-    <p:tnLst>
-      <p:par>
-        <p:cTn id="1" dur="indefinite" restart="never" nodeType="tmRoot"/>
-      </p:par>
-    </p:tnLst>
-  </p:timing>
 </p:sldLayout>
 </file>
 
@@ -13668,7 +13464,7 @@
           <a:lstStyle/>
           <a:p>
             <a:r>
-              <a:rPr lang="de-DE" smtClean="0"/>
+              <a:rPr lang="de-DE"/>
               <a:t>Bild durch Klicken auf Symbol hinzufügen</a:t>
             </a:r>
             <a:endParaRPr lang="de-CH" dirty="0"/>
@@ -13737,7 +13533,7 @@
               <a:defRPr/>
             </a:pPr>
             <a:r>
-              <a:rPr lang="de-CH" dirty="0" smtClean="0"/>
+              <a:rPr lang="de-CH" dirty="0"/>
               <a:t>Hier Text eingeben</a:t>
             </a:r>
           </a:p>
@@ -13783,13 +13579,6 @@
   <p:clrMapOvr>
     <a:masterClrMapping/>
   </p:clrMapOvr>
-  <p:timing>
-    <p:tnLst>
-      <p:par>
-        <p:cTn id="1" dur="indefinite" restart="never" nodeType="tmRoot"/>
-      </p:par>
-    </p:tnLst>
-  </p:timing>
 </p:sldLayout>
 </file>
 
@@ -14140,13 +13929,6 @@
   <p:clrMapOvr>
     <a:masterClrMapping/>
   </p:clrMapOvr>
-  <p:timing>
-    <p:tnLst>
-      <p:par>
-        <p:cTn id="1" dur="indefinite" restart="never" nodeType="tmRoot"/>
-      </p:par>
-    </p:tnLst>
-  </p:timing>
   <p:hf hdr="0" ftr="0" dt="0"/>
 </p:sldLayout>
 </file>
@@ -14208,13 +13990,6 @@
   <p:clrMapOvr>
     <a:masterClrMapping/>
   </p:clrMapOvr>
-  <p:timing>
-    <p:tnLst>
-      <p:par>
-        <p:cTn id="1" dur="indefinite" restart="never" nodeType="tmRoot"/>
-      </p:par>
-    </p:tnLst>
-  </p:timing>
   <p:hf hdr="0" ftr="0" dt="0"/>
 </p:sldLayout>
 </file>
@@ -14458,28 +14233,28 @@
           <a:p>
             <a:pPr lvl="0"/>
             <a:r>
-              <a:rPr lang="de-DE" smtClean="0"/>
+              <a:rPr lang="de-DE"/>
               <a:t>Formatvorlagen des Textmasters bearbeiten</a:t>
             </a:r>
           </a:p>
           <a:p>
             <a:pPr lvl="1"/>
             <a:r>
-              <a:rPr lang="de-DE" smtClean="0"/>
+              <a:rPr lang="de-DE"/>
               <a:t>Zweite Ebene</a:t>
             </a:r>
           </a:p>
           <a:p>
             <a:pPr lvl="2"/>
             <a:r>
-              <a:rPr lang="de-DE" smtClean="0"/>
+              <a:rPr lang="de-DE"/>
               <a:t>Dritte Ebene</a:t>
             </a:r>
           </a:p>
           <a:p>
             <a:pPr lvl="3"/>
             <a:r>
-              <a:rPr lang="de-DE" smtClean="0"/>
+              <a:rPr lang="de-DE"/>
               <a:t>Vierte Ebene</a:t>
             </a:r>
           </a:p>
@@ -14544,7 +14319,7 @@
           </a:lstStyle>
           <a:p>
             <a:r>
-              <a:rPr lang="de-DE" dirty="0" smtClean="0"/>
+              <a:rPr lang="de-DE" dirty="0"/>
               <a:t>Überschrift 1</a:t>
             </a:r>
             <a:endParaRPr lang="de-CH" dirty="0"/>
@@ -14561,15 +14336,8 @@
   <p:clrMapOvr>
     <a:masterClrMapping/>
   </p:clrMapOvr>
-  <p:timing>
-    <p:tnLst>
-      <p:par>
-        <p:cTn id="1" dur="indefinite" restart="never" nodeType="tmRoot"/>
-      </p:par>
-    </p:tnLst>
-  </p:timing>
   <p:hf hdr="0" ftr="0" dt="0"/>
-  <p:extLst mod="1">
+  <p:extLst>
     <p:ext uri="{DCECCB84-F9BA-43D5-87BE-67443E8EF086}">
       <p15:sldGuideLst xmlns:p15="http://schemas.microsoft.com/office/powerpoint/2012/main">
         <p15:guide id="1" orient="horz" userDrawn="1">
@@ -14620,13 +14388,6 @@
   <p:clrMapOvr>
     <a:masterClrMapping/>
   </p:clrMapOvr>
-  <p:timing>
-    <p:tnLst>
-      <p:par>
-        <p:cTn id="1" dur="indefinite" restart="never" nodeType="tmRoot"/>
-      </p:par>
-    </p:tnLst>
-  </p:timing>
   <p:hf hdr="0" ftr="0" dt="0"/>
 </p:sldLayout>
 </file>
@@ -14704,13 +14465,13 @@
           <a:lstStyle/>
           <a:p>
             <a:r>
-              <a:rPr lang="de-CH" sz="2800" b="1" dirty="0" smtClean="0">
+              <a:rPr lang="de-CH" sz="2800" b="1" dirty="0">
                 <a:latin typeface="Titillium" panose="00000500000000000000" pitchFamily="50" charset="0"/>
               </a:rPr>
               <a:t>Vielen</a:t>
             </a:r>
             <a:r>
-              <a:rPr lang="de-CH" sz="2800" b="1" baseline="0" dirty="0" smtClean="0">
+              <a:rPr lang="de-CH" sz="2800" b="1" baseline="0" dirty="0">
                 <a:latin typeface="Titillium" panose="00000500000000000000" pitchFamily="50" charset="0"/>
               </a:rPr>
               <a:t> Dank für Ihre Aufmerksamkeit </a:t>
@@ -14746,7 +14507,7 @@
           </a:bodyPr>
           <a:lstStyle/>
           <a:p>
-            <a:endParaRPr lang="de-CH" sz="2000" b="0" dirty="0" smtClean="0">
+            <a:endParaRPr lang="de-CH" sz="2000" b="0" dirty="0">
               <a:solidFill>
                 <a:schemeClr val="tx1"/>
               </a:solidFill>
@@ -14755,7 +14516,7 @@
           </a:p>
           <a:p>
             <a:r>
-              <a:rPr lang="de-CH" sz="2000" b="0" dirty="0" smtClean="0">
+              <a:rPr lang="de-CH" sz="2000" b="0" dirty="0">
                 <a:solidFill>
                   <a:schemeClr val="tx1"/>
                 </a:solidFill>
@@ -14764,7 +14525,7 @@
               <a:t>Weitere</a:t>
             </a:r>
             <a:r>
-              <a:rPr lang="de-CH" sz="2000" b="0" baseline="0" dirty="0" smtClean="0">
+              <a:rPr lang="de-CH" sz="2000" b="0" baseline="0" dirty="0">
                 <a:solidFill>
                   <a:schemeClr val="tx1"/>
                 </a:solidFill>
@@ -14773,7 +14534,7 @@
               <a:t> Informationen finden Sie unter</a:t>
             </a:r>
             <a:r>
-              <a:rPr lang="de-CH" sz="2000" b="0" baseline="0" dirty="0" smtClean="0">
+              <a:rPr lang="de-CH" sz="2000" b="0" baseline="0" dirty="0">
                 <a:solidFill>
                   <a:srgbClr val="009EE3"/>
                 </a:solidFill>
@@ -14784,7 +14545,7 @@
           </a:p>
           <a:p>
             <a:r>
-              <a:rPr lang="de-CH" sz="2000" b="0" baseline="0" dirty="0" smtClean="0">
+              <a:rPr lang="de-CH" sz="2000" b="0" baseline="0" dirty="0">
                 <a:solidFill>
                   <a:srgbClr val="009EE3"/>
                 </a:solidFill>
@@ -14841,7 +14602,7 @@
   <p:clrMapOvr>
     <a:masterClrMapping/>
   </p:clrMapOvr>
-  <p:extLst mod="1">
+  <p:extLst>
     <p:ext uri="{DCECCB84-F9BA-43D5-87BE-67443E8EF086}">
       <p15:sldGuideLst xmlns:p15="http://schemas.microsoft.com/office/powerpoint/2012/main">
         <p15:guide id="1" pos="295" userDrawn="1">
@@ -14928,14 +14689,11 @@
           <a:lstStyle/>
           <a:p>
             <a:r>
-              <a:rPr lang="de-CH" sz="2800" b="1" dirty="0" smtClean="0">
+              <a:rPr lang="de-CH" sz="2800" b="1" dirty="0">
                 <a:latin typeface="Titillium" panose="00000500000000000000" pitchFamily="50" charset="0"/>
               </a:rPr>
               <a:t>Fragen?</a:t>
             </a:r>
-            <a:endParaRPr lang="de-CH" sz="2800" b="1" dirty="0">
-              <a:latin typeface="Titillium" panose="00000500000000000000" pitchFamily="50" charset="0"/>
-            </a:endParaRPr>
           </a:p>
         </p:txBody>
       </p:sp>
@@ -14964,7 +14722,7 @@
           </a:bodyPr>
           <a:lstStyle/>
           <a:p>
-            <a:endParaRPr lang="de-CH" sz="2000" b="0" dirty="0" smtClean="0">
+            <a:endParaRPr lang="de-CH" sz="2000" b="0" dirty="0">
               <a:solidFill>
                 <a:schemeClr val="tx1"/>
               </a:solidFill>
@@ -14973,7 +14731,7 @@
           </a:p>
           <a:p>
             <a:r>
-              <a:rPr lang="de-CH" sz="2000" b="0" dirty="0" smtClean="0">
+              <a:rPr lang="de-CH" sz="2000" b="0" dirty="0">
                 <a:solidFill>
                   <a:schemeClr val="tx1"/>
                 </a:solidFill>
@@ -14982,7 +14740,7 @@
               <a:t>Vielen</a:t>
             </a:r>
             <a:r>
-              <a:rPr lang="de-CH" sz="2000" b="0" baseline="0" dirty="0" smtClean="0">
+              <a:rPr lang="de-CH" sz="2000" b="0" baseline="0" dirty="0">
                 <a:solidFill>
                   <a:schemeClr val="tx1"/>
                 </a:solidFill>
@@ -14990,7 +14748,7 @@
               </a:rPr>
               <a:t> Dank für die Aufmerksamkeit</a:t>
             </a:r>
-            <a:endParaRPr lang="de-CH" sz="2000" b="0" dirty="0" smtClean="0">
+            <a:endParaRPr lang="de-CH" sz="2000" b="0" dirty="0">
               <a:solidFill>
                 <a:schemeClr val="tx1"/>
               </a:solidFill>
@@ -15039,7 +14797,7 @@
   <p:clrMapOvr>
     <a:masterClrMapping/>
   </p:clrMapOvr>
-  <p:extLst mod="1">
+  <p:extLst>
     <p:ext uri="{DCECCB84-F9BA-43D5-87BE-67443E8EF086}">
       <p15:sldGuideLst xmlns:p15="http://schemas.microsoft.com/office/powerpoint/2012/main">
         <p15:guide id="1" pos="295" userDrawn="1">
@@ -15099,7 +14857,7 @@
           </a:lstStyle>
           <a:p>
             <a:r>
-              <a:rPr lang="de-DE" dirty="0" smtClean="0"/>
+              <a:rPr lang="de-DE" dirty="0"/>
               <a:t>Überschrift 1</a:t>
             </a:r>
             <a:endParaRPr lang="de-CH" dirty="0"/>
@@ -15140,10 +14898,9 @@
           <a:p>
             <a:pPr lvl="0"/>
             <a:r>
-              <a:rPr lang="de-CH" dirty="0" smtClean="0"/>
+              <a:rPr lang="de-CH" dirty="0"/>
               <a:t>Überschrift 2</a:t>
             </a:r>
-            <a:endParaRPr lang="de-CH" dirty="0"/>
           </a:p>
         </p:txBody>
       </p:sp>
@@ -15399,28 +15156,28 @@
           <a:p>
             <a:pPr lvl="0"/>
             <a:r>
-              <a:rPr lang="de-DE" smtClean="0"/>
+              <a:rPr lang="de-DE"/>
               <a:t>Formatvorlagen des Textmasters bearbeiten</a:t>
             </a:r>
           </a:p>
           <a:p>
             <a:pPr lvl="1"/>
             <a:r>
-              <a:rPr lang="de-DE" smtClean="0"/>
+              <a:rPr lang="de-DE"/>
               <a:t>Zweite Ebene</a:t>
             </a:r>
           </a:p>
           <a:p>
             <a:pPr lvl="2"/>
             <a:r>
-              <a:rPr lang="de-DE" smtClean="0"/>
+              <a:rPr lang="de-DE"/>
               <a:t>Dritte Ebene</a:t>
             </a:r>
           </a:p>
           <a:p>
             <a:pPr lvl="3"/>
             <a:r>
-              <a:rPr lang="de-DE" smtClean="0"/>
+              <a:rPr lang="de-DE"/>
               <a:t>Vierte Ebene</a:t>
             </a:r>
           </a:p>
@@ -15436,15 +15193,8 @@
   <p:clrMapOvr>
     <a:masterClrMapping/>
   </p:clrMapOvr>
-  <p:timing>
-    <p:tnLst>
-      <p:par>
-        <p:cTn id="1" dur="indefinite" restart="never" nodeType="tmRoot"/>
-      </p:par>
-    </p:tnLst>
-  </p:timing>
   <p:hf hdr="0" ftr="0" dt="0"/>
-  <p:extLst mod="1">
+  <p:extLst>
     <p:ext uri="{DCECCB84-F9BA-43D5-87BE-67443E8EF086}">
       <p15:sldGuideLst xmlns:p15="http://schemas.microsoft.com/office/powerpoint/2012/main">
         <p15:guide id="1" orient="horz" userDrawn="1">
@@ -15921,7 +15671,7 @@
           </a:lstStyle>
           <a:p>
             <a:r>
-              <a:rPr lang="de-DE" smtClean="0"/>
+              <a:rPr lang="de-DE"/>
               <a:t>Bild durch Klicken auf Symbol hinzufügen</a:t>
             </a:r>
             <a:endParaRPr lang="de-CH" dirty="0"/>
@@ -15987,7 +15737,7 @@
           </a:lstStyle>
           <a:p>
             <a:r>
-              <a:rPr lang="de-DE" dirty="0" smtClean="0"/>
+              <a:rPr lang="de-DE" dirty="0"/>
               <a:t>Überschrift 1</a:t>
             </a:r>
             <a:endParaRPr lang="de-CH" dirty="0"/>
@@ -16047,28 +15797,28 @@
           <a:p>
             <a:pPr lvl="0"/>
             <a:r>
-              <a:rPr lang="de-DE" smtClean="0"/>
+              <a:rPr lang="de-DE"/>
               <a:t>Formatvorlagen des Textmasters bearbeiten</a:t>
             </a:r>
           </a:p>
           <a:p>
             <a:pPr lvl="1"/>
             <a:r>
-              <a:rPr lang="de-DE" smtClean="0"/>
+              <a:rPr lang="de-DE"/>
               <a:t>Zweite Ebene</a:t>
             </a:r>
           </a:p>
           <a:p>
             <a:pPr lvl="2"/>
             <a:r>
-              <a:rPr lang="de-DE" smtClean="0"/>
+              <a:rPr lang="de-DE"/>
               <a:t>Dritte Ebene</a:t>
             </a:r>
           </a:p>
           <a:p>
             <a:pPr lvl="3"/>
             <a:r>
-              <a:rPr lang="de-DE" smtClean="0"/>
+              <a:rPr lang="de-DE"/>
               <a:t>Vierte Ebene</a:t>
             </a:r>
           </a:p>
@@ -16084,15 +15834,8 @@
   <p:clrMapOvr>
     <a:masterClrMapping/>
   </p:clrMapOvr>
-  <p:timing>
-    <p:tnLst>
-      <p:par>
-        <p:cTn id="1" dur="indefinite" restart="never" nodeType="tmRoot"/>
-      </p:par>
-    </p:tnLst>
-  </p:timing>
   <p:hf hdr="0" ftr="0" dt="0"/>
-  <p:extLst mod="1">
+  <p:extLst>
     <p:ext uri="{DCECCB84-F9BA-43D5-87BE-67443E8EF086}">
       <p15:sldGuideLst xmlns:p15="http://schemas.microsoft.com/office/powerpoint/2012/main">
         <p15:guide id="1" pos="114" userDrawn="1">
@@ -16564,7 +16307,7 @@
           </a:lstStyle>
           <a:p>
             <a:r>
-              <a:rPr lang="de-DE" smtClean="0"/>
+              <a:rPr lang="de-DE"/>
               <a:t>Bild durch Klicken auf Symbol hinzufügen</a:t>
             </a:r>
             <a:endParaRPr lang="de-CH" dirty="0"/>
@@ -16630,7 +16373,7 @@
           </a:lstStyle>
           <a:p>
             <a:r>
-              <a:rPr lang="de-DE" dirty="0" smtClean="0"/>
+              <a:rPr lang="de-DE" dirty="0"/>
               <a:t>Überschrift 1</a:t>
             </a:r>
             <a:endParaRPr lang="de-CH" dirty="0"/>
@@ -16671,10 +16414,9 @@
           <a:p>
             <a:pPr lvl="0"/>
             <a:r>
-              <a:rPr lang="de-CH" dirty="0" smtClean="0"/>
+              <a:rPr lang="de-CH" dirty="0"/>
               <a:t>Überschrift 2</a:t>
             </a:r>
-            <a:endParaRPr lang="de-CH" dirty="0"/>
           </a:p>
         </p:txBody>
       </p:sp>
@@ -16731,28 +16473,28 @@
           <a:p>
             <a:pPr lvl="0"/>
             <a:r>
-              <a:rPr lang="de-DE" smtClean="0"/>
+              <a:rPr lang="de-DE"/>
               <a:t>Formatvorlagen des Textmasters bearbeiten</a:t>
             </a:r>
           </a:p>
           <a:p>
             <a:pPr lvl="1"/>
             <a:r>
-              <a:rPr lang="de-DE" smtClean="0"/>
+              <a:rPr lang="de-DE"/>
               <a:t>Zweite Ebene</a:t>
             </a:r>
           </a:p>
           <a:p>
             <a:pPr lvl="2"/>
             <a:r>
-              <a:rPr lang="de-DE" smtClean="0"/>
+              <a:rPr lang="de-DE"/>
               <a:t>Dritte Ebene</a:t>
             </a:r>
           </a:p>
           <a:p>
             <a:pPr lvl="3"/>
             <a:r>
-              <a:rPr lang="de-DE" smtClean="0"/>
+              <a:rPr lang="de-DE"/>
               <a:t>Vierte Ebene</a:t>
             </a:r>
           </a:p>
@@ -16768,15 +16510,8 @@
   <p:clrMapOvr>
     <a:masterClrMapping/>
   </p:clrMapOvr>
-  <p:timing>
-    <p:tnLst>
-      <p:par>
-        <p:cTn id="1" dur="indefinite" restart="never" nodeType="tmRoot"/>
-      </p:par>
-    </p:tnLst>
-  </p:timing>
   <p:hf hdr="0" ftr="0" dt="0"/>
-  <p:extLst mod="1">
+  <p:extLst>
     <p:ext uri="{DCECCB84-F9BA-43D5-87BE-67443E8EF086}">
       <p15:sldGuideLst xmlns:p15="http://schemas.microsoft.com/office/powerpoint/2012/main">
         <p15:guide id="1" pos="114" userDrawn="1">
@@ -17248,7 +16983,7 @@
           </a:lstStyle>
           <a:p>
             <a:r>
-              <a:rPr lang="de-DE" smtClean="0"/>
+              <a:rPr lang="de-DE"/>
               <a:t>Bild durch Klicken auf Symbol hinzufügen</a:t>
             </a:r>
             <a:endParaRPr lang="de-CH" dirty="0"/>
@@ -17314,10 +17049,9 @@
           <a:p>
             <a:pPr lvl="0"/>
             <a:r>
-              <a:rPr lang="de-CH" dirty="0" smtClean="0"/>
+              <a:rPr lang="de-CH" dirty="0"/>
               <a:t>Überschrift 3</a:t>
             </a:r>
-            <a:endParaRPr lang="de-CH" dirty="0"/>
           </a:p>
         </p:txBody>
       </p:sp>
@@ -17350,7 +17084,7 @@
           </a:lstStyle>
           <a:p>
             <a:r>
-              <a:rPr lang="de-DE" dirty="0" smtClean="0"/>
+              <a:rPr lang="de-DE" dirty="0"/>
               <a:t>Überschrift 1</a:t>
             </a:r>
             <a:endParaRPr lang="de-CH" dirty="0"/>
@@ -17391,10 +17125,9 @@
           <a:p>
             <a:pPr lvl="0"/>
             <a:r>
-              <a:rPr lang="de-CH" dirty="0" smtClean="0"/>
+              <a:rPr lang="de-CH" dirty="0"/>
               <a:t>Überschrift 2</a:t>
             </a:r>
-            <a:endParaRPr lang="de-CH" dirty="0"/>
           </a:p>
         </p:txBody>
       </p:sp>
@@ -17451,28 +17184,28 @@
           <a:p>
             <a:pPr lvl="0"/>
             <a:r>
-              <a:rPr lang="de-DE" smtClean="0"/>
+              <a:rPr lang="de-DE"/>
               <a:t>Formatvorlagen des Textmasters bearbeiten</a:t>
             </a:r>
           </a:p>
           <a:p>
             <a:pPr lvl="1"/>
             <a:r>
-              <a:rPr lang="de-DE" smtClean="0"/>
+              <a:rPr lang="de-DE"/>
               <a:t>Zweite Ebene</a:t>
             </a:r>
           </a:p>
           <a:p>
             <a:pPr lvl="2"/>
             <a:r>
-              <a:rPr lang="de-DE" smtClean="0"/>
+              <a:rPr lang="de-DE"/>
               <a:t>Dritte Ebene</a:t>
             </a:r>
           </a:p>
           <a:p>
             <a:pPr lvl="3"/>
             <a:r>
-              <a:rPr lang="de-DE" smtClean="0"/>
+              <a:rPr lang="de-DE"/>
               <a:t>Vierte Ebene</a:t>
             </a:r>
           </a:p>
@@ -17488,15 +17221,8 @@
   <p:clrMapOvr>
     <a:masterClrMapping/>
   </p:clrMapOvr>
-  <p:timing>
-    <p:tnLst>
-      <p:par>
-        <p:cTn id="1" dur="indefinite" restart="never" nodeType="tmRoot"/>
-      </p:par>
-    </p:tnLst>
-  </p:timing>
   <p:hf hdr="0" ftr="0" dt="0"/>
-  <p:extLst mod="1">
+  <p:extLst>
     <p:ext uri="{DCECCB84-F9BA-43D5-87BE-67443E8EF086}">
       <p15:sldGuideLst xmlns:p15="http://schemas.microsoft.com/office/powerpoint/2012/main">
         <p15:guide id="1" pos="114" userDrawn="1">
@@ -17755,7 +17481,7 @@
           </a:lstStyle>
           <a:p>
             <a:r>
-              <a:rPr lang="de-DE" dirty="0" smtClean="0"/>
+              <a:rPr lang="de-DE" dirty="0"/>
               <a:t>Überschrift 1</a:t>
             </a:r>
             <a:endParaRPr lang="de-CH" dirty="0"/>
@@ -17815,28 +17541,28 @@
           <a:p>
             <a:pPr lvl="0"/>
             <a:r>
-              <a:rPr lang="de-DE" smtClean="0"/>
+              <a:rPr lang="de-DE"/>
               <a:t>Formatvorlagen des Textmasters bearbeiten</a:t>
             </a:r>
           </a:p>
           <a:p>
             <a:pPr lvl="1"/>
             <a:r>
-              <a:rPr lang="de-DE" smtClean="0"/>
+              <a:rPr lang="de-DE"/>
               <a:t>Zweite Ebene</a:t>
             </a:r>
           </a:p>
           <a:p>
             <a:pPr lvl="2"/>
             <a:r>
-              <a:rPr lang="de-DE" smtClean="0"/>
+              <a:rPr lang="de-DE"/>
               <a:t>Dritte Ebene</a:t>
             </a:r>
           </a:p>
           <a:p>
             <a:pPr lvl="3"/>
             <a:r>
-              <a:rPr lang="de-DE" smtClean="0"/>
+              <a:rPr lang="de-DE"/>
               <a:t>Vierte Ebene</a:t>
             </a:r>
           </a:p>
@@ -17895,28 +17621,28 @@
           <a:p>
             <a:pPr lvl="0"/>
             <a:r>
-              <a:rPr lang="de-DE" smtClean="0"/>
+              <a:rPr lang="de-DE"/>
               <a:t>Formatvorlagen des Textmasters bearbeiten</a:t>
             </a:r>
           </a:p>
           <a:p>
             <a:pPr lvl="1"/>
             <a:r>
-              <a:rPr lang="de-DE" smtClean="0"/>
+              <a:rPr lang="de-DE"/>
               <a:t>Zweite Ebene</a:t>
             </a:r>
           </a:p>
           <a:p>
             <a:pPr lvl="2"/>
             <a:r>
-              <a:rPr lang="de-DE" smtClean="0"/>
+              <a:rPr lang="de-DE"/>
               <a:t>Dritte Ebene</a:t>
             </a:r>
           </a:p>
           <a:p>
             <a:pPr lvl="3"/>
             <a:r>
-              <a:rPr lang="de-DE" smtClean="0"/>
+              <a:rPr lang="de-DE"/>
               <a:t>Vierte Ebene</a:t>
             </a:r>
           </a:p>
@@ -17932,15 +17658,8 @@
   <p:clrMapOvr>
     <a:masterClrMapping/>
   </p:clrMapOvr>
-  <p:timing>
-    <p:tnLst>
-      <p:par>
-        <p:cTn id="1" dur="indefinite" restart="never" nodeType="tmRoot"/>
-      </p:par>
-    </p:tnLst>
-  </p:timing>
   <p:hf hdr="0" ftr="0" dt="0"/>
-  <p:extLst mod="1">
+  <p:extLst>
     <p:ext uri="{DCECCB84-F9BA-43D5-87BE-67443E8EF086}">
       <p15:sldGuideLst xmlns:p15="http://schemas.microsoft.com/office/powerpoint/2012/main">
         <p15:guide id="1" pos="5330" userDrawn="1">
@@ -18209,7 +17928,7 @@
           </a:lstStyle>
           <a:p>
             <a:r>
-              <a:rPr lang="de-DE" dirty="0" smtClean="0"/>
+              <a:rPr lang="de-DE" dirty="0"/>
               <a:t>Überschrift 1</a:t>
             </a:r>
             <a:endParaRPr lang="de-CH" dirty="0"/>
@@ -18250,10 +17969,9 @@
           <a:p>
             <a:pPr lvl="0"/>
             <a:r>
-              <a:rPr lang="de-CH" dirty="0" smtClean="0"/>
+              <a:rPr lang="de-CH" dirty="0"/>
               <a:t>Überschrift 2</a:t>
             </a:r>
-            <a:endParaRPr lang="de-CH" dirty="0"/>
           </a:p>
         </p:txBody>
       </p:sp>
@@ -18310,28 +18028,28 @@
           <a:p>
             <a:pPr lvl="0"/>
             <a:r>
-              <a:rPr lang="de-DE" smtClean="0"/>
+              <a:rPr lang="de-DE"/>
               <a:t>Formatvorlagen des Textmasters bearbeiten</a:t>
             </a:r>
           </a:p>
           <a:p>
             <a:pPr lvl="1"/>
             <a:r>
-              <a:rPr lang="de-DE" smtClean="0"/>
+              <a:rPr lang="de-DE"/>
               <a:t>Zweite Ebene</a:t>
             </a:r>
           </a:p>
           <a:p>
             <a:pPr lvl="2"/>
             <a:r>
-              <a:rPr lang="de-DE" smtClean="0"/>
+              <a:rPr lang="de-DE"/>
               <a:t>Dritte Ebene</a:t>
             </a:r>
           </a:p>
           <a:p>
             <a:pPr lvl="3"/>
             <a:r>
-              <a:rPr lang="de-DE" smtClean="0"/>
+              <a:rPr lang="de-DE"/>
               <a:t>Vierte Ebene</a:t>
             </a:r>
           </a:p>
@@ -18390,28 +18108,28 @@
           <a:p>
             <a:pPr lvl="0"/>
             <a:r>
-              <a:rPr lang="de-DE" smtClean="0"/>
+              <a:rPr lang="de-DE"/>
               <a:t>Formatvorlagen des Textmasters bearbeiten</a:t>
             </a:r>
           </a:p>
           <a:p>
             <a:pPr lvl="1"/>
             <a:r>
-              <a:rPr lang="de-DE" smtClean="0"/>
+              <a:rPr lang="de-DE"/>
               <a:t>Zweite Ebene</a:t>
             </a:r>
           </a:p>
           <a:p>
             <a:pPr lvl="2"/>
             <a:r>
-              <a:rPr lang="de-DE" smtClean="0"/>
+              <a:rPr lang="de-DE"/>
               <a:t>Dritte Ebene</a:t>
             </a:r>
           </a:p>
           <a:p>
             <a:pPr lvl="3"/>
             <a:r>
-              <a:rPr lang="de-DE" smtClean="0"/>
+              <a:rPr lang="de-DE"/>
               <a:t>Vierte Ebene</a:t>
             </a:r>
           </a:p>
@@ -18427,15 +18145,8 @@
   <p:clrMapOvr>
     <a:masterClrMapping/>
   </p:clrMapOvr>
-  <p:timing>
-    <p:tnLst>
-      <p:par>
-        <p:cTn id="1" dur="indefinite" restart="never" nodeType="tmRoot"/>
-      </p:par>
-    </p:tnLst>
-  </p:timing>
   <p:hf hdr="0" ftr="0" dt="0"/>
-  <p:extLst mod="1">
+  <p:extLst>
     <p:ext uri="{DCECCB84-F9BA-43D5-87BE-67443E8EF086}">
       <p15:sldGuideLst xmlns:p15="http://schemas.microsoft.com/office/powerpoint/2012/main">
         <p15:guide id="1" pos="5330" userDrawn="1">
@@ -18507,7 +18218,7 @@
           <a:lstStyle/>
           <a:p>
             <a:r>
-              <a:rPr lang="de-DE" dirty="0" smtClean="0"/>
+              <a:rPr lang="de-DE" dirty="0"/>
               <a:t>Titel</a:t>
             </a:r>
             <a:endParaRPr lang="de-CH" dirty="0"/>
@@ -18541,21 +18252,21 @@
           <a:p>
             <a:pPr lvl="0"/>
             <a:r>
-              <a:rPr lang="de-DE" dirty="0" smtClean="0"/>
+              <a:rPr lang="de-DE" dirty="0"/>
               <a:t>Textmasterformat bearbeiten</a:t>
             </a:r>
           </a:p>
           <a:p>
             <a:pPr lvl="1"/>
             <a:r>
-              <a:rPr lang="de-DE" dirty="0" smtClean="0"/>
+              <a:rPr lang="de-DE" dirty="0"/>
               <a:t>Zweite Ebene</a:t>
             </a:r>
           </a:p>
           <a:p>
             <a:pPr lvl="2"/>
             <a:r>
-              <a:rPr lang="de-DE" dirty="0" smtClean="0"/>
+              <a:rPr lang="de-DE" dirty="0"/>
               <a:t>Dritte Ebene</a:t>
             </a:r>
           </a:p>
@@ -18603,13 +18314,6 @@
     <p:sldLayoutId id="2147483883" r:id="rId31"/>
     <p:sldLayoutId id="2147483911" r:id="rId32"/>
   </p:sldLayoutIdLst>
-  <p:timing>
-    <p:tnLst>
-      <p:par>
-        <p:cTn id="1" dur="indefinite" restart="never" nodeType="tmRoot"/>
-      </p:par>
-    </p:tnLst>
-  </p:timing>
   <p:hf hdr="0" ftr="0" dt="0"/>
   <p:txStyles>
     <p:titleStyle>
@@ -18868,7 +18572,7 @@
       </a:lvl9pPr>
     </p:otherStyle>
   </p:txStyles>
-  <p:extLst mod="1">
+  <p:extLst>
     <p:ext uri="{27BBF7A9-308A-43DC-89C8-2F10F3537804}">
       <p15:sldGuideLst xmlns:p15="http://schemas.microsoft.com/office/powerpoint/2012/main">
         <p15:guide id="1" pos="421" userDrawn="1">
@@ -18935,10 +18639,9 @@
           <a:lstStyle/>
           <a:p>
             <a:r>
-              <a:rPr lang="de-CH" dirty="0" smtClean="0"/>
+              <a:rPr lang="de-CH" dirty="0"/>
               <a:t>Armin Weinmann</a:t>
             </a:r>
-            <a:endParaRPr lang="de-CH" dirty="0"/>
           </a:p>
         </p:txBody>
       </p:sp>
@@ -18958,10 +18661,9 @@
           <a:lstStyle/>
           <a:p>
             <a:r>
-              <a:rPr lang="de-CH" dirty="0" smtClean="0"/>
+              <a:rPr lang="de-CH" dirty="0"/>
               <a:t>Sensor Board</a:t>
             </a:r>
-            <a:endParaRPr lang="de-CH" dirty="0"/>
           </a:p>
         </p:txBody>
       </p:sp>
@@ -18981,14 +18683,9 @@
           <a:lstStyle/>
           <a:p>
             <a:r>
-              <a:rPr lang="de-CH" dirty="0" smtClean="0"/>
-              <a:t>Eine Erweiterung für </a:t>
-            </a:r>
-            <a:r>
-              <a:rPr lang="de-CH" dirty="0" smtClean="0"/>
-              <a:t>das PBA7</a:t>
-            </a:r>
-            <a:endParaRPr lang="de-CH" dirty="0"/>
+              <a:rPr lang="de-CH" dirty="0"/>
+              <a:t>Eine Erweiterung für das PBA7</a:t>
+            </a:r>
           </a:p>
         </p:txBody>
       </p:sp>
@@ -19002,13 +18699,6 @@
   <p:clrMapOvr>
     <a:masterClrMapping/>
   </p:clrMapOvr>
-  <p:timing>
-    <p:tnLst>
-      <p:par>
-        <p:cTn id="1" dur="indefinite" restart="never" nodeType="tmRoot"/>
-      </p:par>
-    </p:tnLst>
-  </p:timing>
 </p:sld>
 </file>
 
@@ -19045,10 +18735,9 @@
           <a:lstStyle/>
           <a:p>
             <a:r>
-              <a:rPr lang="de-CH" dirty="0" smtClean="0"/>
+              <a:rPr lang="de-CH" dirty="0"/>
               <a:t>Hardware</a:t>
             </a:r>
-            <a:endParaRPr lang="de-CH" dirty="0"/>
           </a:p>
         </p:txBody>
       </p:sp>
@@ -19073,10 +18762,9 @@
           <a:lstStyle/>
           <a:p>
             <a:r>
-              <a:rPr lang="de-CH" dirty="0" smtClean="0"/>
-              <a:t>Bluetooth-Modul</a:t>
-            </a:r>
-            <a:endParaRPr lang="de-CH" dirty="0"/>
+              <a:rPr lang="de-CH" dirty="0"/>
+              <a:t>Beschleunigungssensor</a:t>
+            </a:r>
           </a:p>
         </p:txBody>
       </p:sp>
@@ -19084,7 +18772,7 @@
         <p:nvPicPr>
           <p:cNvPr id="7" name="Inhaltsplatzhalter 6"/>
           <p:cNvPicPr>
-            <a:picLocks noGrp="1"/>
+            <a:picLocks noGrp="1" noChangeAspect="1"/>
           </p:cNvPicPr>
           <p:nvPr>
             <p:ph sz="quarter" idx="16"/>
@@ -19105,8 +18793,8 @@
         </p:blipFill>
         <p:spPr bwMode="auto">
           <a:xfrm>
-            <a:off x="2532062" y="1993106"/>
-            <a:ext cx="4086225" cy="2019300"/>
+            <a:off x="2165919" y="1275606"/>
+            <a:ext cx="7000511" cy="3459460"/>
           </a:xfrm>
           <a:prstGeom prst="rect">
             <a:avLst/>
@@ -19117,6 +18805,97 @@
           </a:ln>
         </p:spPr>
       </p:pic>
+      <p:sp>
+        <p:nvSpPr>
+          <p:cNvPr id="5" name="Textfeld 4">
+            <a:extLst>
+              <a:ext uri="{FF2B5EF4-FFF2-40B4-BE49-F238E27FC236}">
+                <a16:creationId xmlns:a16="http://schemas.microsoft.com/office/drawing/2014/main" id="{A67F6224-C167-4746-95F7-0040BBDBCE59}"/>
+              </a:ext>
+            </a:extLst>
+          </p:cNvPr>
+          <p:cNvSpPr txBox="1"/>
+          <p:nvPr/>
+        </p:nvSpPr>
+        <p:spPr>
+          <a:xfrm>
+            <a:off x="395536" y="1995686"/>
+            <a:ext cx="2376264" cy="2616101"/>
+          </a:xfrm>
+          <a:prstGeom prst="rect">
+            <a:avLst/>
+          </a:prstGeom>
+          <a:noFill/>
+        </p:spPr>
+        <p:txBody>
+          <a:bodyPr wrap="square" rtlCol="0">
+            <a:spAutoFit/>
+          </a:bodyPr>
+          <a:lstStyle/>
+          <a:p>
+            <a:pPr marL="285752" indent="-285752">
+              <a:buFont typeface="Wingdings" panose="05000000000000000000" pitchFamily="2" charset="2"/>
+              <a:buChar char="§"/>
+            </a:pPr>
+            <a:r>
+              <a:rPr lang="de-CH" sz="1600" dirty="0"/>
+              <a:t>I2C Interface</a:t>
+            </a:r>
+          </a:p>
+          <a:p>
+            <a:pPr marL="285752" indent="-285752">
+              <a:buFont typeface="Wingdings" panose="05000000000000000000" pitchFamily="2" charset="2"/>
+              <a:buChar char="§"/>
+            </a:pPr>
+            <a:endParaRPr lang="de-CH" sz="1600" dirty="0"/>
+          </a:p>
+          <a:p>
+            <a:pPr marL="285752" indent="-285752">
+              <a:buFont typeface="Wingdings" panose="05000000000000000000" pitchFamily="2" charset="2"/>
+              <a:buChar char="§"/>
+            </a:pPr>
+            <a:endParaRPr lang="de-CH" sz="1600" dirty="0"/>
+          </a:p>
+          <a:p>
+            <a:pPr marL="285752" indent="-285752">
+              <a:buFont typeface="Wingdings" panose="05000000000000000000" pitchFamily="2" charset="2"/>
+              <a:buChar char="§"/>
+            </a:pPr>
+            <a:r>
+              <a:rPr lang="de-CH" sz="1600" dirty="0"/>
+              <a:t>Beide Interrupts konfigurierbar</a:t>
+            </a:r>
+          </a:p>
+          <a:p>
+            <a:pPr marL="285752" indent="-285752">
+              <a:buFont typeface="Wingdings" panose="05000000000000000000" pitchFamily="2" charset="2"/>
+              <a:buChar char="§"/>
+            </a:pPr>
+            <a:endParaRPr lang="de-CH" sz="1600" dirty="0"/>
+          </a:p>
+          <a:p>
+            <a:pPr marL="285752" indent="-285752">
+              <a:buFont typeface="Wingdings" panose="05000000000000000000" pitchFamily="2" charset="2"/>
+              <a:buChar char="§"/>
+            </a:pPr>
+            <a:endParaRPr lang="de-CH" sz="1600" dirty="0"/>
+          </a:p>
+          <a:p>
+            <a:pPr marL="285752" indent="-285752">
+              <a:buFont typeface="Wingdings" panose="05000000000000000000" pitchFamily="2" charset="2"/>
+              <a:buChar char="§"/>
+            </a:pPr>
+            <a:r>
+              <a:rPr lang="de-CH" sz="1600" dirty="0"/>
+              <a:t>Abblockkondensatoren für VDD und VDD_IO</a:t>
+            </a:r>
+            <a:br>
+              <a:rPr lang="de-CH" sz="2000" dirty="0"/>
+            </a:br>
+            <a:endParaRPr lang="de-CH" sz="2000" dirty="0"/>
+          </a:p>
+        </p:txBody>
+      </p:sp>
     </p:spTree>
     <p:extLst>
       <p:ext uri="{BB962C8B-B14F-4D97-AF65-F5344CB8AC3E}">
@@ -19127,13 +18906,6 @@
   <p:clrMapOvr>
     <a:masterClrMapping/>
   </p:clrMapOvr>
-  <p:timing>
-    <p:tnLst>
-      <p:par>
-        <p:cTn id="1" dur="indefinite" restart="never" nodeType="tmRoot"/>
-      </p:par>
-    </p:tnLst>
-  </p:timing>
 </p:sld>
 </file>
 
@@ -19170,10 +18942,9 @@
           <a:lstStyle/>
           <a:p>
             <a:r>
-              <a:rPr lang="de-CH" dirty="0" smtClean="0"/>
+              <a:rPr lang="de-CH" dirty="0"/>
               <a:t>Hardware</a:t>
             </a:r>
-            <a:endParaRPr lang="de-CH" dirty="0"/>
           </a:p>
         </p:txBody>
       </p:sp>
@@ -19193,10 +18964,9 @@
           <a:lstStyle/>
           <a:p>
             <a:r>
-              <a:rPr lang="de-CH" dirty="0" smtClean="0"/>
+              <a:rPr lang="de-CH" dirty="0"/>
               <a:t>Port Expander</a:t>
             </a:r>
-            <a:endParaRPr lang="de-CH" dirty="0"/>
           </a:p>
         </p:txBody>
       </p:sp>
@@ -19204,7 +18974,7 @@
         <p:nvPicPr>
           <p:cNvPr id="5" name="Inhaltsplatzhalter 4"/>
           <p:cNvPicPr>
-            <a:picLocks noGrp="1"/>
+            <a:picLocks noGrp="1" noChangeAspect="1"/>
           </p:cNvPicPr>
           <p:nvPr>
             <p:ph sz="quarter" idx="16"/>
@@ -19225,8 +18995,8 @@
         </p:blipFill>
         <p:spPr bwMode="auto">
           <a:xfrm>
-            <a:off x="3089275" y="1721644"/>
-            <a:ext cx="2971800" cy="2562225"/>
+            <a:off x="4067944" y="845997"/>
+            <a:ext cx="4851184" cy="4182592"/>
           </a:xfrm>
           <a:prstGeom prst="rect">
             <a:avLst/>
@@ -19237,6 +19007,97 @@
           </a:ln>
         </p:spPr>
       </p:pic>
+      <p:sp>
+        <p:nvSpPr>
+          <p:cNvPr id="6" name="Textfeld 5">
+            <a:extLst>
+              <a:ext uri="{FF2B5EF4-FFF2-40B4-BE49-F238E27FC236}">
+                <a16:creationId xmlns:a16="http://schemas.microsoft.com/office/drawing/2014/main" id="{29B0C88E-EA71-40F3-8A90-0746B35B2E8A}"/>
+              </a:ext>
+            </a:extLst>
+          </p:cNvPr>
+          <p:cNvSpPr txBox="1"/>
+          <p:nvPr/>
+        </p:nvSpPr>
+        <p:spPr>
+          <a:xfrm>
+            <a:off x="395536" y="1995686"/>
+            <a:ext cx="2376264" cy="2616101"/>
+          </a:xfrm>
+          <a:prstGeom prst="rect">
+            <a:avLst/>
+          </a:prstGeom>
+          <a:noFill/>
+        </p:spPr>
+        <p:txBody>
+          <a:bodyPr wrap="square" rtlCol="0">
+            <a:spAutoFit/>
+          </a:bodyPr>
+          <a:lstStyle/>
+          <a:p>
+            <a:pPr marL="285752" indent="-285752">
+              <a:buFont typeface="Wingdings" panose="05000000000000000000" pitchFamily="2" charset="2"/>
+              <a:buChar char="§"/>
+            </a:pPr>
+            <a:r>
+              <a:rPr lang="de-CH" sz="1600" dirty="0"/>
+              <a:t>I2C Interface</a:t>
+            </a:r>
+          </a:p>
+          <a:p>
+            <a:pPr marL="285752" indent="-285752">
+              <a:buFont typeface="Wingdings" panose="05000000000000000000" pitchFamily="2" charset="2"/>
+              <a:buChar char="§"/>
+            </a:pPr>
+            <a:endParaRPr lang="de-CH" sz="1600" dirty="0"/>
+          </a:p>
+          <a:p>
+            <a:pPr marL="285752" indent="-285752">
+              <a:buFont typeface="Wingdings" panose="05000000000000000000" pitchFamily="2" charset="2"/>
+              <a:buChar char="§"/>
+            </a:pPr>
+            <a:endParaRPr lang="de-CH" sz="1600" dirty="0"/>
+          </a:p>
+          <a:p>
+            <a:pPr marL="285752" indent="-285752">
+              <a:buFont typeface="Wingdings" panose="05000000000000000000" pitchFamily="2" charset="2"/>
+              <a:buChar char="§"/>
+            </a:pPr>
+            <a:r>
+              <a:rPr lang="de-CH" sz="1600" dirty="0"/>
+              <a:t>IO0 (Pin 6) Open-Drain Ausgang</a:t>
+            </a:r>
+          </a:p>
+          <a:p>
+            <a:pPr marL="285752" indent="-285752">
+              <a:buFont typeface="Wingdings" panose="05000000000000000000" pitchFamily="2" charset="2"/>
+              <a:buChar char="§"/>
+            </a:pPr>
+            <a:endParaRPr lang="de-CH" sz="1600" dirty="0"/>
+          </a:p>
+          <a:p>
+            <a:pPr marL="285752" indent="-285752">
+              <a:buFont typeface="Wingdings" panose="05000000000000000000" pitchFamily="2" charset="2"/>
+              <a:buChar char="§"/>
+            </a:pPr>
+            <a:endParaRPr lang="de-CH" sz="1600" dirty="0"/>
+          </a:p>
+          <a:p>
+            <a:pPr marL="285752" indent="-285752">
+              <a:buFont typeface="Wingdings" panose="05000000000000000000" pitchFamily="2" charset="2"/>
+              <a:buChar char="§"/>
+            </a:pPr>
+            <a:r>
+              <a:rPr lang="de-CH" sz="1600" dirty="0"/>
+              <a:t>A0-A2 für I2C Adresswahl</a:t>
+            </a:r>
+            <a:br>
+              <a:rPr lang="de-CH" sz="2000" dirty="0"/>
+            </a:br>
+            <a:endParaRPr lang="de-CH" sz="2000" dirty="0"/>
+          </a:p>
+        </p:txBody>
+      </p:sp>
     </p:spTree>
     <p:extLst>
       <p:ext uri="{BB962C8B-B14F-4D97-AF65-F5344CB8AC3E}">
@@ -19247,13 +19108,6 @@
   <p:clrMapOvr>
     <a:masterClrMapping/>
   </p:clrMapOvr>
-  <p:timing>
-    <p:tnLst>
-      <p:par>
-        <p:cTn id="1" dur="indefinite" restart="never" nodeType="tmRoot"/>
-      </p:par>
-    </p:tnLst>
-  </p:timing>
 </p:sld>
 </file>
 
@@ -19290,10 +19144,9 @@
           <a:lstStyle/>
           <a:p>
             <a:r>
-              <a:rPr lang="de-CH" dirty="0" smtClean="0"/>
+              <a:rPr lang="de-CH" dirty="0"/>
               <a:t>Hardware</a:t>
             </a:r>
-            <a:endParaRPr lang="de-CH" dirty="0"/>
           </a:p>
         </p:txBody>
       </p:sp>
@@ -19313,259 +19166,9 @@
           <a:lstStyle/>
           <a:p>
             <a:r>
-              <a:rPr lang="de-CH" dirty="0" smtClean="0"/>
+              <a:rPr lang="de-CH" dirty="0"/>
               <a:t>Leiterplatte</a:t>
             </a:r>
-            <a:endParaRPr lang="de-CH" dirty="0"/>
-          </a:p>
-        </p:txBody>
-      </p:sp>
-      <p:sp>
-        <p:nvSpPr>
-          <p:cNvPr id="10" name="Ellipse 9"/>
-          <p:cNvSpPr/>
-          <p:nvPr/>
-        </p:nvSpPr>
-        <p:spPr>
-          <a:xfrm>
-            <a:off x="4499992" y="135734"/>
-            <a:ext cx="821459" cy="1203522"/>
-          </a:xfrm>
-          <a:prstGeom prst="ellipse">
-            <a:avLst/>
-          </a:prstGeom>
-          <a:noFill/>
-          <a:ln>
-            <a:solidFill>
-              <a:srgbClr val="FF0000"/>
-            </a:solidFill>
-          </a:ln>
-        </p:spPr>
-        <p:style>
-          <a:lnRef idx="2">
-            <a:schemeClr val="accent1">
-              <a:shade val="50000"/>
-            </a:schemeClr>
-          </a:lnRef>
-          <a:fillRef idx="1">
-            <a:schemeClr val="accent1"/>
-          </a:fillRef>
-          <a:effectRef idx="0">
-            <a:schemeClr val="accent1"/>
-          </a:effectRef>
-          <a:fontRef idx="minor">
-            <a:schemeClr val="lt1"/>
-          </a:fontRef>
-        </p:style>
-        <p:txBody>
-          <a:bodyPr rtlCol="0" anchor="ctr"/>
-          <a:lstStyle/>
-          <a:p>
-            <a:pPr algn="ctr"/>
-            <a:endParaRPr lang="de-CH" dirty="0"/>
-          </a:p>
-        </p:txBody>
-      </p:sp>
-      <p:sp>
-        <p:nvSpPr>
-          <p:cNvPr id="11" name="Ellipse 10"/>
-          <p:cNvSpPr/>
-          <p:nvPr/>
-        </p:nvSpPr>
-        <p:spPr>
-          <a:xfrm>
-            <a:off x="3211962" y="110954"/>
-            <a:ext cx="1125719" cy="1158803"/>
-          </a:xfrm>
-          <a:prstGeom prst="ellipse">
-            <a:avLst/>
-          </a:prstGeom>
-          <a:noFill/>
-          <a:ln>
-            <a:solidFill>
-              <a:srgbClr val="FF0000"/>
-            </a:solidFill>
-          </a:ln>
-        </p:spPr>
-        <p:style>
-          <a:lnRef idx="2">
-            <a:schemeClr val="accent1">
-              <a:shade val="50000"/>
-            </a:schemeClr>
-          </a:lnRef>
-          <a:fillRef idx="1">
-            <a:schemeClr val="accent1"/>
-          </a:fillRef>
-          <a:effectRef idx="0">
-            <a:schemeClr val="accent1"/>
-          </a:effectRef>
-          <a:fontRef idx="minor">
-            <a:schemeClr val="lt1"/>
-          </a:fontRef>
-        </p:style>
-        <p:txBody>
-          <a:bodyPr rtlCol="0" anchor="ctr"/>
-          <a:lstStyle/>
-          <a:p>
-            <a:pPr algn="ctr"/>
-            <a:endParaRPr lang="de-CH" dirty="0"/>
-          </a:p>
-        </p:txBody>
-      </p:sp>
-      <p:sp>
-        <p:nvSpPr>
-          <p:cNvPr id="12" name="Ellipse 11"/>
-          <p:cNvSpPr/>
-          <p:nvPr/>
-        </p:nvSpPr>
-        <p:spPr>
-          <a:xfrm>
-            <a:off x="6411785" y="139801"/>
-            <a:ext cx="572718" cy="447497"/>
-          </a:xfrm>
-          <a:prstGeom prst="ellipse">
-            <a:avLst/>
-          </a:prstGeom>
-          <a:noFill/>
-          <a:ln>
-            <a:solidFill>
-              <a:srgbClr val="FF0000"/>
-            </a:solidFill>
-          </a:ln>
-        </p:spPr>
-        <p:style>
-          <a:lnRef idx="2">
-            <a:schemeClr val="accent1">
-              <a:shade val="50000"/>
-            </a:schemeClr>
-          </a:lnRef>
-          <a:fillRef idx="1">
-            <a:schemeClr val="accent1"/>
-          </a:fillRef>
-          <a:effectRef idx="0">
-            <a:schemeClr val="accent1"/>
-          </a:effectRef>
-          <a:fontRef idx="minor">
-            <a:schemeClr val="lt1"/>
-          </a:fontRef>
-        </p:style>
-        <p:txBody>
-          <a:bodyPr rtlCol="0" anchor="ctr"/>
-          <a:lstStyle/>
-          <a:p>
-            <a:pPr algn="ctr"/>
-            <a:endParaRPr lang="de-CH" dirty="0"/>
-          </a:p>
-        </p:txBody>
-      </p:sp>
-      <p:sp>
-        <p:nvSpPr>
-          <p:cNvPr id="13" name="Ellipse 12"/>
-          <p:cNvSpPr/>
-          <p:nvPr/>
-        </p:nvSpPr>
-        <p:spPr>
-          <a:xfrm>
-            <a:off x="6804247" y="236451"/>
-            <a:ext cx="940733" cy="1255180"/>
-          </a:xfrm>
-          <a:prstGeom prst="ellipse">
-            <a:avLst/>
-          </a:prstGeom>
-          <a:noFill/>
-          <a:ln>
-            <a:solidFill>
-              <a:srgbClr val="FF0000"/>
-            </a:solidFill>
-          </a:ln>
-        </p:spPr>
-        <p:style>
-          <a:lnRef idx="2">
-            <a:schemeClr val="accent1">
-              <a:shade val="50000"/>
-            </a:schemeClr>
-          </a:lnRef>
-          <a:fillRef idx="1">
-            <a:schemeClr val="accent1"/>
-          </a:fillRef>
-          <a:effectRef idx="0">
-            <a:schemeClr val="accent1"/>
-          </a:effectRef>
-          <a:fontRef idx="minor">
-            <a:schemeClr val="lt1"/>
-          </a:fontRef>
-        </p:style>
-        <p:txBody>
-          <a:bodyPr rtlCol="0" anchor="ctr"/>
-          <a:lstStyle/>
-          <a:p>
-            <a:pPr algn="ctr"/>
-            <a:endParaRPr lang="de-CH" dirty="0"/>
-          </a:p>
-        </p:txBody>
-      </p:sp>
-      <p:sp>
-        <p:nvSpPr>
-          <p:cNvPr id="14" name="Rechteck 13"/>
-          <p:cNvSpPr/>
-          <p:nvPr/>
-        </p:nvSpPr>
-        <p:spPr>
-          <a:xfrm>
-            <a:off x="3347864" y="1851670"/>
-            <a:ext cx="3063921" cy="763400"/>
-          </a:xfrm>
-          <a:prstGeom prst="rect">
-            <a:avLst/>
-          </a:prstGeom>
-          <a:noFill/>
-          <a:ln>
-            <a:solidFill>
-              <a:srgbClr val="FF0000"/>
-            </a:solidFill>
-          </a:ln>
-        </p:spPr>
-        <p:style>
-          <a:lnRef idx="2">
-            <a:schemeClr val="accent1">
-              <a:shade val="50000"/>
-            </a:schemeClr>
-          </a:lnRef>
-          <a:fillRef idx="1">
-            <a:schemeClr val="accent1"/>
-          </a:fillRef>
-          <a:effectRef idx="0">
-            <a:schemeClr val="accent1"/>
-          </a:effectRef>
-          <a:fontRef idx="minor">
-            <a:schemeClr val="lt1"/>
-          </a:fontRef>
-        </p:style>
-        <p:txBody>
-          <a:bodyPr rtlCol="0" anchor="ctr"/>
-          <a:lstStyle/>
-          <a:p>
-            <a:pPr algn="ctr"/>
-            <a:endParaRPr lang="de-CH" dirty="0"/>
-          </a:p>
-        </p:txBody>
-      </p:sp>
-      <p:sp>
-        <p:nvSpPr>
-          <p:cNvPr id="4" name="Inhaltsplatzhalter 3"/>
-          <p:cNvSpPr>
-            <a:spLocks noGrp="1"/>
-          </p:cNvSpPr>
-          <p:nvPr>
-            <p:ph sz="quarter" idx="16"/>
-          </p:nvPr>
-        </p:nvSpPr>
-        <p:spPr/>
-        <p:txBody>
-          <a:bodyPr/>
-          <a:lstStyle/>
-          <a:p>
-            <a:endParaRPr lang="de-CH" dirty="0"/>
           </a:p>
         </p:txBody>
       </p:sp>
@@ -19579,13 +19182,6 @@
   <p:clrMapOvr>
     <a:masterClrMapping/>
   </p:clrMapOvr>
-  <p:timing>
-    <p:tnLst>
-      <p:par>
-        <p:cTn id="1" dur="indefinite" restart="never" nodeType="tmRoot"/>
-      </p:par>
-    </p:tnLst>
-  </p:timing>
 </p:sld>
 </file>
 
@@ -19622,10 +19218,9 @@
           <a:lstStyle/>
           <a:p>
             <a:r>
-              <a:rPr lang="de-CH" dirty="0" smtClean="0"/>
+              <a:rPr lang="de-CH" dirty="0"/>
               <a:t>Auswertung der Ziele</a:t>
             </a:r>
-            <a:endParaRPr lang="de-CH" dirty="0"/>
           </a:p>
         </p:txBody>
       </p:sp>
@@ -19639,10 +19234,15 @@
             <p:ph sz="quarter" idx="18"/>
           </p:nvPr>
         </p:nvSpPr>
-        <p:spPr/>
+        <p:spPr>
+          <a:xfrm>
+            <a:off x="676731" y="1436527"/>
+            <a:ext cx="3779650" cy="3167063"/>
+          </a:xfrm>
+        </p:spPr>
         <p:txBody>
           <a:bodyPr>
-            <a:normAutofit fontScale="92500"/>
+            <a:normAutofit fontScale="85000" lnSpcReduction="10000"/>
           </a:bodyPr>
           <a:lstStyle/>
           <a:p>
@@ -19650,45 +19250,38 @@
               <a:buNone/>
             </a:pPr>
             <a:r>
-              <a:rPr lang="de-CH" dirty="0" smtClean="0"/>
+              <a:rPr lang="de-CH" dirty="0"/>
               <a:t>Pflicht Ziele:</a:t>
             </a:r>
           </a:p>
           <a:p>
             <a:r>
-              <a:rPr lang="de-CH" dirty="0" smtClean="0"/>
-              <a:t>Hardware entwickeln </a:t>
-            </a:r>
-            <a:endParaRPr lang="de-CH" dirty="0"/>
-          </a:p>
-          <a:p>
-            <a:r>
-              <a:rPr lang="de-CH" dirty="0" smtClean="0"/>
-              <a:t>Leiterplatte designen</a:t>
-            </a:r>
-          </a:p>
-          <a:p>
-            <a:r>
-              <a:rPr lang="de-CH" dirty="0" smtClean="0"/>
-              <a:t>Leiterplatte bestücken</a:t>
-            </a:r>
-          </a:p>
-          <a:p>
-            <a:r>
-              <a:rPr lang="de-CH" dirty="0" smtClean="0"/>
-              <a:t>Inbetriebnahme Touch Buttons</a:t>
-            </a:r>
-          </a:p>
-          <a:p>
-            <a:r>
-              <a:rPr lang="de-CH" dirty="0" smtClean="0"/>
-              <a:t>Inbetriebnahme einer Schnittstelle</a:t>
-            </a:r>
-          </a:p>
-          <a:p>
-            <a:r>
-              <a:rPr lang="de-CH" dirty="0" smtClean="0"/>
-              <a:t>Ausführliche Dokumentation</a:t>
+              <a:rPr lang="de-CH" dirty="0"/>
+              <a:t>Evaluieren der einzelnen Sensoren</a:t>
+            </a:r>
+          </a:p>
+          <a:p>
+            <a:r>
+              <a:rPr lang="de-CH" dirty="0"/>
+              <a:t>Zeichnen des Schemas</a:t>
+            </a:r>
+          </a:p>
+          <a:p>
+            <a:r>
+              <a:rPr lang="de-CH" dirty="0"/>
+              <a:t>Zeichnen des Layouts</a:t>
+            </a:r>
+          </a:p>
+          <a:p>
+            <a:r>
+              <a:rPr lang="de-CH" dirty="0"/>
+              <a:t>Inbetriebnahme eines Sensors</a:t>
+            </a:r>
+          </a:p>
+          <a:p>
+            <a:r>
+              <a:rPr lang="de-CH" dirty="0"/>
+              <a:t>Grundlagen zu den Sensoren in Dokumentation erläutert</a:t>
             </a:r>
           </a:p>
           <a:p>
@@ -19696,22 +19289,27 @@
               <a:buNone/>
             </a:pPr>
             <a:r>
-              <a:rPr lang="de-CH" dirty="0" smtClean="0"/>
+              <a:rPr lang="de-CH" dirty="0"/>
               <a:t>Optionale Ziele:</a:t>
             </a:r>
           </a:p>
           <a:p>
             <a:r>
-              <a:rPr lang="de-CH" dirty="0" smtClean="0"/>
-              <a:t>Inbetriebnahme aller Schnittstellen</a:t>
-            </a:r>
-          </a:p>
-          <a:p>
-            <a:r>
-              <a:rPr lang="de-CH" dirty="0" smtClean="0"/>
-              <a:t>Ausführliche Demosoftware</a:t>
-            </a:r>
-            <a:endParaRPr lang="de-CH" dirty="0"/>
+              <a:rPr lang="de-CH" dirty="0"/>
+              <a:t>Inbetriebnahme der Touch-Buttons</a:t>
+            </a:r>
+          </a:p>
+          <a:p>
+            <a:r>
+              <a:rPr lang="de-CH" dirty="0"/>
+              <a:t>Inbetriebnahme von weiteren Sensoren</a:t>
+            </a:r>
+          </a:p>
+          <a:p>
+            <a:r>
+              <a:rPr lang="de-CH" dirty="0"/>
+              <a:t>Libraries zur Ansteuerung der einzelnen Sensoren</a:t>
+            </a:r>
           </a:p>
         </p:txBody>
       </p:sp>
@@ -19728,7 +19326,7 @@
         <p:spPr/>
         <p:txBody>
           <a:bodyPr>
-            <a:normAutofit fontScale="92500"/>
+            <a:normAutofit fontScale="85000" lnSpcReduction="10000"/>
           </a:bodyPr>
           <a:lstStyle/>
           <a:p>
@@ -19737,85 +19335,57 @@
             </a:pPr>
             <a:r>
               <a:rPr lang="de-CH" dirty="0"/>
-              <a:t>Pflicht Ziele</a:t>
-            </a:r>
-            <a:r>
-              <a:rPr lang="de-CH" dirty="0" smtClean="0"/>
-              <a:t>:</a:t>
-            </a:r>
-            <a:endParaRPr lang="de-CH" dirty="0"/>
-          </a:p>
-          <a:p>
-            <a:r>
-              <a:rPr lang="de-CH" dirty="0" smtClean="0">
+              <a:t>Pflicht Ziele:</a:t>
+            </a:r>
+          </a:p>
+          <a:p>
+            <a:r>
+              <a:rPr lang="de-CH" dirty="0">
                 <a:solidFill>
                   <a:srgbClr val="00B050"/>
                 </a:solidFill>
               </a:rPr>
-              <a:t>Hardware entwickeln</a:t>
-            </a:r>
-          </a:p>
-          <a:p>
-            <a:r>
-              <a:rPr lang="de-CH" dirty="0" smtClean="0">
+              <a:t>Evaluieren der einzelnen Sensoren</a:t>
+            </a:r>
+          </a:p>
+          <a:p>
+            <a:r>
+              <a:rPr lang="de-CH" dirty="0">
                 <a:solidFill>
                   <a:srgbClr val="00B050"/>
                 </a:solidFill>
               </a:rPr>
-              <a:t>Leiterplatte designen</a:t>
-            </a:r>
-          </a:p>
-          <a:p>
-            <a:r>
-              <a:rPr lang="de-CH" dirty="0" smtClean="0">
-                <a:solidFill>
-                  <a:srgbClr val="FF0000"/>
+              <a:t>Zeichnen des Schemas</a:t>
+            </a:r>
+          </a:p>
+          <a:p>
+            <a:r>
+              <a:rPr lang="de-CH" dirty="0">
+                <a:solidFill>
+                  <a:srgbClr val="00B050"/>
                 </a:solidFill>
               </a:rPr>
-              <a:t>Leiterplatte bestücken</a:t>
-            </a:r>
-            <a:endParaRPr lang="de-CH" dirty="0">
-              <a:solidFill>
-                <a:srgbClr val="FF0000"/>
-              </a:solidFill>
-            </a:endParaRPr>
-          </a:p>
-          <a:p>
-            <a:r>
-              <a:rPr lang="de-CH" dirty="0" smtClean="0">
-                <a:solidFill>
-                  <a:srgbClr val="FF0000"/>
+              <a:t>Zeichnen des Layouts</a:t>
+            </a:r>
+          </a:p>
+          <a:p>
+            <a:r>
+              <a:rPr lang="de-CH" dirty="0">
+                <a:solidFill>
+                  <a:srgbClr val="00B050"/>
                 </a:solidFill>
               </a:rPr>
-              <a:t>Inbetriebnahme </a:t>
-            </a:r>
+              <a:t>Inbetriebnahme eines Sensors</a:t>
+            </a:r>
+          </a:p>
+          <a:p>
             <a:r>
               <a:rPr lang="de-CH" dirty="0">
                 <a:solidFill>
-                  <a:srgbClr val="FF0000"/>
+                  <a:srgbClr val="00B050"/>
                 </a:solidFill>
               </a:rPr>
-              <a:t>Touch Buttons</a:t>
-            </a:r>
-          </a:p>
-          <a:p>
-            <a:r>
-              <a:rPr lang="de-CH" dirty="0">
-                <a:solidFill>
-                  <a:srgbClr val="FF0000"/>
-                </a:solidFill>
-              </a:rPr>
-              <a:t>Inbetriebnahme einer Schnittstelle</a:t>
-            </a:r>
-          </a:p>
-          <a:p>
-            <a:r>
-              <a:rPr lang="de-CH" dirty="0">
-                <a:solidFill>
-                  <a:srgbClr val="FFC000"/>
-                </a:solidFill>
-              </a:rPr>
-              <a:t>Ausführliche Dokumentation</a:t>
+              <a:t>Grundlagen zu den Sensoren in Dokumentation erläutert</a:t>
             </a:r>
           </a:p>
           <a:p>
@@ -19834,7 +19404,7 @@
                   <a:srgbClr val="FF0000"/>
                 </a:solidFill>
               </a:rPr>
-              <a:t>Inbetriebnahme aller Schnittstellen</a:t>
+              <a:t>Inbetriebnahme der Touch-Buttons</a:t>
             </a:r>
           </a:p>
           <a:p>
@@ -19844,26 +19414,18 @@
                   <a:srgbClr val="FF0000"/>
                 </a:solidFill>
               </a:rPr>
-              <a:t>Ausführliche </a:t>
-            </a:r>
-            <a:r>
-              <a:rPr lang="de-CH" dirty="0" smtClean="0">
+              <a:t>Inbetriebnahme von weiteren Sensoren</a:t>
+            </a:r>
+          </a:p>
+          <a:p>
+            <a:r>
+              <a:rPr lang="de-CH" dirty="0">
                 <a:solidFill>
                   <a:srgbClr val="FF0000"/>
                 </a:solidFill>
               </a:rPr>
-              <a:t>Demosoftware</a:t>
-            </a:r>
-          </a:p>
-          <a:p>
-            <a:pPr marL="0" indent="0">
-              <a:buNone/>
-            </a:pPr>
-            <a:endParaRPr lang="de-CH" dirty="0">
-              <a:solidFill>
-                <a:srgbClr val="FF0000"/>
-              </a:solidFill>
-            </a:endParaRPr>
+              <a:t>Libraries zur Ansteuerung der einzelnen Sensoren</a:t>
+            </a:r>
           </a:p>
         </p:txBody>
       </p:sp>
@@ -19928,15 +19490,33 @@
                                   </p:childTnLst>
                                 </p:cTn>
                               </p:par>
+                            </p:childTnLst>
+                          </p:cTn>
+                        </p:par>
+                      </p:childTnLst>
+                    </p:cTn>
+                  </p:par>
+                  <p:par>
+                    <p:cTn id="7" fill="hold">
+                      <p:stCondLst>
+                        <p:cond delay="indefinite"/>
+                      </p:stCondLst>
+                      <p:childTnLst>
+                        <p:par>
+                          <p:cTn id="8" fill="hold">
+                            <p:stCondLst>
+                              <p:cond delay="0"/>
+                            </p:stCondLst>
+                            <p:childTnLst>
                               <p:par>
-                                <p:cTn id="7" presetID="1" presetClass="entr" presetSubtype="0" fill="hold" grpId="0" nodeType="withEffect">
+                                <p:cTn id="9" presetID="1" presetClass="entr" presetSubtype="0" fill="hold" grpId="0" nodeType="clickEffect">
                                   <p:stCondLst>
                                     <p:cond delay="0"/>
                                   </p:stCondLst>
                                   <p:childTnLst>
                                     <p:set>
                                       <p:cBhvr>
-                                        <p:cTn id="8" dur="1" fill="hold">
+                                        <p:cTn id="10" dur="1" fill="hold">
                                           <p:stCondLst>
                                             <p:cond delay="0"/>
                                           </p:stCondLst>
@@ -19959,15 +19539,33 @@
                                   </p:childTnLst>
                                 </p:cTn>
                               </p:par>
+                            </p:childTnLst>
+                          </p:cTn>
+                        </p:par>
+                      </p:childTnLst>
+                    </p:cTn>
+                  </p:par>
+                  <p:par>
+                    <p:cTn id="11" fill="hold">
+                      <p:stCondLst>
+                        <p:cond delay="indefinite"/>
+                      </p:stCondLst>
+                      <p:childTnLst>
+                        <p:par>
+                          <p:cTn id="12" fill="hold">
+                            <p:stCondLst>
+                              <p:cond delay="0"/>
+                            </p:stCondLst>
+                            <p:childTnLst>
                               <p:par>
-                                <p:cTn id="9" presetID="1" presetClass="entr" presetSubtype="0" fill="hold" grpId="0" nodeType="withEffect">
+                                <p:cTn id="13" presetID="1" presetClass="entr" presetSubtype="0" fill="hold" grpId="0" nodeType="clickEffect">
                                   <p:stCondLst>
                                     <p:cond delay="0"/>
                                   </p:stCondLst>
                                   <p:childTnLst>
                                     <p:set>
                                       <p:cBhvr>
-                                        <p:cTn id="10" dur="1" fill="hold">
+                                        <p:cTn id="14" dur="1" fill="hold">
                                           <p:stCondLst>
                                             <p:cond delay="0"/>
                                           </p:stCondLst>
@@ -19990,101 +19588,26 @@
                                   </p:childTnLst>
                                 </p:cTn>
                               </p:par>
+                            </p:childTnLst>
+                          </p:cTn>
+                        </p:par>
+                      </p:childTnLst>
+                    </p:cTn>
+                  </p:par>
+                  <p:par>
+                    <p:cTn id="15" fill="hold">
+                      <p:stCondLst>
+                        <p:cond delay="indefinite"/>
+                      </p:stCondLst>
+                      <p:childTnLst>
+                        <p:par>
+                          <p:cTn id="16" fill="hold">
+                            <p:stCondLst>
+                              <p:cond delay="0"/>
+                            </p:stCondLst>
+                            <p:childTnLst>
                               <p:par>
-                                <p:cTn id="11" presetID="1" presetClass="entr" presetSubtype="0" fill="hold" grpId="0" nodeType="withEffect">
-                                  <p:stCondLst>
-                                    <p:cond delay="0"/>
-                                  </p:stCondLst>
-                                  <p:childTnLst>
-                                    <p:set>
-                                      <p:cBhvr>
-                                        <p:cTn id="12" dur="1" fill="hold">
-                                          <p:stCondLst>
-                                            <p:cond delay="0"/>
-                                          </p:stCondLst>
-                                        </p:cTn>
-                                        <p:tgtEl>
-                                          <p:spTgt spid="4">
-                                            <p:txEl>
-                                              <p:pRg st="3" end="3"/>
-                                            </p:txEl>
-                                          </p:spTgt>
-                                        </p:tgtEl>
-                                        <p:attrNameLst>
-                                          <p:attrName>style.visibility</p:attrName>
-                                        </p:attrNameLst>
-                                      </p:cBhvr>
-                                      <p:to>
-                                        <p:strVal val="visible"/>
-                                      </p:to>
-                                    </p:set>
-                                  </p:childTnLst>
-                                </p:cTn>
-                              </p:par>
-                              <p:par>
-                                <p:cTn id="13" presetID="1" presetClass="entr" presetSubtype="0" fill="hold" grpId="0" nodeType="withEffect">
-                                  <p:stCondLst>
-                                    <p:cond delay="0"/>
-                                  </p:stCondLst>
-                                  <p:childTnLst>
-                                    <p:set>
-                                      <p:cBhvr>
-                                        <p:cTn id="14" dur="1" fill="hold">
-                                          <p:stCondLst>
-                                            <p:cond delay="0"/>
-                                          </p:stCondLst>
-                                        </p:cTn>
-                                        <p:tgtEl>
-                                          <p:spTgt spid="4">
-                                            <p:txEl>
-                                              <p:pRg st="4" end="4"/>
-                                            </p:txEl>
-                                          </p:spTgt>
-                                        </p:tgtEl>
-                                        <p:attrNameLst>
-                                          <p:attrName>style.visibility</p:attrName>
-                                        </p:attrNameLst>
-                                      </p:cBhvr>
-                                      <p:to>
-                                        <p:strVal val="visible"/>
-                                      </p:to>
-                                    </p:set>
-                                  </p:childTnLst>
-                                </p:cTn>
-                              </p:par>
-                              <p:par>
-                                <p:cTn id="15" presetID="1" presetClass="entr" presetSubtype="0" fill="hold" grpId="0" nodeType="withEffect">
-                                  <p:stCondLst>
-                                    <p:cond delay="0"/>
-                                  </p:stCondLst>
-                                  <p:childTnLst>
-                                    <p:set>
-                                      <p:cBhvr>
-                                        <p:cTn id="16" dur="1" fill="hold">
-                                          <p:stCondLst>
-                                            <p:cond delay="0"/>
-                                          </p:stCondLst>
-                                        </p:cTn>
-                                        <p:tgtEl>
-                                          <p:spTgt spid="4">
-                                            <p:txEl>
-                                              <p:pRg st="5" end="5"/>
-                                            </p:txEl>
-                                          </p:spTgt>
-                                        </p:tgtEl>
-                                        <p:attrNameLst>
-                                          <p:attrName>style.visibility</p:attrName>
-                                        </p:attrNameLst>
-                                      </p:cBhvr>
-                                      <p:to>
-                                        <p:strVal val="visible"/>
-                                      </p:to>
-                                    </p:set>
-                                  </p:childTnLst>
-                                </p:cTn>
-                              </p:par>
-                              <p:par>
-                                <p:cTn id="17" presetID="1" presetClass="entr" presetSubtype="0" fill="hold" grpId="0" nodeType="withEffect">
+                                <p:cTn id="17" presetID="1" presetClass="entr" presetSubtype="0" fill="hold" grpId="0" nodeType="clickEffect">
                                   <p:stCondLst>
                                     <p:cond delay="0"/>
                                   </p:stCondLst>
@@ -20099,7 +19622,7 @@
                                         <p:tgtEl>
                                           <p:spTgt spid="4">
                                             <p:txEl>
-                                              <p:pRg st="6" end="6"/>
+                                              <p:pRg st="3" end="3"/>
                                             </p:txEl>
                                           </p:spTgt>
                                         </p:tgtEl>
@@ -20148,6 +19671,153 @@
                                         <p:tgtEl>
                                           <p:spTgt spid="4">
                                             <p:txEl>
+                                              <p:pRg st="4" end="4"/>
+                                            </p:txEl>
+                                          </p:spTgt>
+                                        </p:tgtEl>
+                                        <p:attrNameLst>
+                                          <p:attrName>style.visibility</p:attrName>
+                                        </p:attrNameLst>
+                                      </p:cBhvr>
+                                      <p:to>
+                                        <p:strVal val="visible"/>
+                                      </p:to>
+                                    </p:set>
+                                  </p:childTnLst>
+                                </p:cTn>
+                              </p:par>
+                            </p:childTnLst>
+                          </p:cTn>
+                        </p:par>
+                      </p:childTnLst>
+                    </p:cTn>
+                  </p:par>
+                  <p:par>
+                    <p:cTn id="23" fill="hold">
+                      <p:stCondLst>
+                        <p:cond delay="indefinite"/>
+                      </p:stCondLst>
+                      <p:childTnLst>
+                        <p:par>
+                          <p:cTn id="24" fill="hold">
+                            <p:stCondLst>
+                              <p:cond delay="0"/>
+                            </p:stCondLst>
+                            <p:childTnLst>
+                              <p:par>
+                                <p:cTn id="25" presetID="1" presetClass="entr" presetSubtype="0" fill="hold" grpId="0" nodeType="clickEffect">
+                                  <p:stCondLst>
+                                    <p:cond delay="0"/>
+                                  </p:stCondLst>
+                                  <p:childTnLst>
+                                    <p:set>
+                                      <p:cBhvr>
+                                        <p:cTn id="26" dur="1" fill="hold">
+                                          <p:stCondLst>
+                                            <p:cond delay="0"/>
+                                          </p:stCondLst>
+                                        </p:cTn>
+                                        <p:tgtEl>
+                                          <p:spTgt spid="4">
+                                            <p:txEl>
+                                              <p:pRg st="5" end="5"/>
+                                            </p:txEl>
+                                          </p:spTgt>
+                                        </p:tgtEl>
+                                        <p:attrNameLst>
+                                          <p:attrName>style.visibility</p:attrName>
+                                        </p:attrNameLst>
+                                      </p:cBhvr>
+                                      <p:to>
+                                        <p:strVal val="visible"/>
+                                      </p:to>
+                                    </p:set>
+                                  </p:childTnLst>
+                                </p:cTn>
+                              </p:par>
+                            </p:childTnLst>
+                          </p:cTn>
+                        </p:par>
+                      </p:childTnLst>
+                    </p:cTn>
+                  </p:par>
+                  <p:par>
+                    <p:cTn id="27" fill="hold">
+                      <p:stCondLst>
+                        <p:cond delay="indefinite"/>
+                      </p:stCondLst>
+                      <p:childTnLst>
+                        <p:par>
+                          <p:cTn id="28" fill="hold">
+                            <p:stCondLst>
+                              <p:cond delay="0"/>
+                            </p:stCondLst>
+                            <p:childTnLst>
+                              <p:par>
+                                <p:cTn id="29" presetID="1" presetClass="entr" presetSubtype="0" fill="hold" grpId="0" nodeType="clickEffect">
+                                  <p:stCondLst>
+                                    <p:cond delay="0"/>
+                                  </p:stCondLst>
+                                  <p:childTnLst>
+                                    <p:set>
+                                      <p:cBhvr>
+                                        <p:cTn id="30" dur="1" fill="hold">
+                                          <p:stCondLst>
+                                            <p:cond delay="0"/>
+                                          </p:stCondLst>
+                                        </p:cTn>
+                                        <p:tgtEl>
+                                          <p:spTgt spid="4">
+                                            <p:txEl>
+                                              <p:pRg st="6" end="6"/>
+                                            </p:txEl>
+                                          </p:spTgt>
+                                        </p:tgtEl>
+                                        <p:attrNameLst>
+                                          <p:attrName>style.visibility</p:attrName>
+                                        </p:attrNameLst>
+                                      </p:cBhvr>
+                                      <p:to>
+                                        <p:strVal val="visible"/>
+                                      </p:to>
+                                    </p:set>
+                                  </p:childTnLst>
+                                </p:cTn>
+                              </p:par>
+                            </p:childTnLst>
+                          </p:cTn>
+                        </p:par>
+                      </p:childTnLst>
+                    </p:cTn>
+                  </p:par>
+                  <p:par>
+                    <p:cTn id="31" fill="hold">
+                      <p:stCondLst>
+                        <p:cond delay="indefinite"/>
+                      </p:stCondLst>
+                      <p:childTnLst>
+                        <p:par>
+                          <p:cTn id="32" fill="hold">
+                            <p:stCondLst>
+                              <p:cond delay="0"/>
+                            </p:stCondLst>
+                            <p:childTnLst>
+                              <p:par>
+                                <p:cTn id="33" presetID="1" presetClass="entr" presetSubtype="0" fill="hold" grpId="0" nodeType="clickEffect">
+                                  <p:stCondLst>
+                                    <p:cond delay="0"/>
+                                  </p:stCondLst>
+                                  <p:childTnLst>
+                                    <p:set>
+                                      <p:cBhvr>
+                                        <p:cTn id="34" dur="1" fill="hold">
+                                          <p:stCondLst>
+                                            <p:cond delay="0"/>
+                                          </p:stCondLst>
+                                        </p:cTn>
+                                        <p:tgtEl>
+                                          <p:spTgt spid="4">
+                                            <p:txEl>
                                               <p:pRg st="7" end="7"/>
                                             </p:txEl>
                                           </p:spTgt>
@@ -20163,15 +19833,33 @@
                                   </p:childTnLst>
                                 </p:cTn>
                               </p:par>
+                            </p:childTnLst>
+                          </p:cTn>
+                        </p:par>
+                      </p:childTnLst>
+                    </p:cTn>
+                  </p:par>
+                  <p:par>
+                    <p:cTn id="35" fill="hold">
+                      <p:stCondLst>
+                        <p:cond delay="indefinite"/>
+                      </p:stCondLst>
+                      <p:childTnLst>
+                        <p:par>
+                          <p:cTn id="36" fill="hold">
+                            <p:stCondLst>
+                              <p:cond delay="0"/>
+                            </p:stCondLst>
+                            <p:childTnLst>
                               <p:par>
-                                <p:cTn id="23" presetID="1" presetClass="entr" presetSubtype="0" fill="hold" grpId="0" nodeType="withEffect">
+                                <p:cTn id="37" presetID="1" presetClass="entr" presetSubtype="0" fill="hold" grpId="0" nodeType="clickEffect">
                                   <p:stCondLst>
                                     <p:cond delay="0"/>
                                   </p:stCondLst>
                                   <p:childTnLst>
                                     <p:set>
                                       <p:cBhvr>
-                                        <p:cTn id="24" dur="1" fill="hold">
+                                        <p:cTn id="38" dur="1" fill="hold">
                                           <p:stCondLst>
                                             <p:cond delay="0"/>
                                           </p:stCondLst>
@@ -20194,15 +19882,33 @@
                                   </p:childTnLst>
                                 </p:cTn>
                               </p:par>
+                            </p:childTnLst>
+                          </p:cTn>
+                        </p:par>
+                      </p:childTnLst>
+                    </p:cTn>
+                  </p:par>
+                  <p:par>
+                    <p:cTn id="39" fill="hold">
+                      <p:stCondLst>
+                        <p:cond delay="indefinite"/>
+                      </p:stCondLst>
+                      <p:childTnLst>
+                        <p:par>
+                          <p:cTn id="40" fill="hold">
+                            <p:stCondLst>
+                              <p:cond delay="0"/>
+                            </p:stCondLst>
+                            <p:childTnLst>
                               <p:par>
-                                <p:cTn id="25" presetID="1" presetClass="entr" presetSubtype="0" fill="hold" grpId="0" nodeType="withEffect">
+                                <p:cTn id="41" presetID="1" presetClass="entr" presetSubtype="0" fill="hold" grpId="0" nodeType="clickEffect">
                                   <p:stCondLst>
                                     <p:cond delay="0"/>
                                   </p:stCondLst>
                                   <p:childTnLst>
                                     <p:set>
                                       <p:cBhvr>
-                                        <p:cTn id="26" dur="1" fill="hold">
+                                        <p:cTn id="42" dur="1" fill="hold">
                                           <p:stCondLst>
                                             <p:cond delay="0"/>
                                           </p:stCondLst>
@@ -20292,10 +19998,9 @@
           <a:lstStyle/>
           <a:p>
             <a:r>
-              <a:rPr lang="de-CH" dirty="0" smtClean="0"/>
+              <a:rPr lang="de-CH" dirty="0"/>
               <a:t>Weiteres Vorgehen</a:t>
             </a:r>
-            <a:endParaRPr lang="de-CH" dirty="0"/>
           </a:p>
         </p:txBody>
       </p:sp>
@@ -20319,7 +20024,7 @@
               <a:buAutoNum type="arabicPeriod"/>
             </a:pPr>
             <a:r>
-              <a:rPr lang="de-CH" dirty="0" smtClean="0"/>
+              <a:rPr lang="de-CH" dirty="0"/>
               <a:t>Bestückung der Leiterplatte</a:t>
             </a:r>
           </a:p>
@@ -20336,7 +20041,7 @@
               <a:buAutoNum type="arabicPeriod"/>
             </a:pPr>
             <a:r>
-              <a:rPr lang="de-CH" dirty="0" smtClean="0"/>
+              <a:rPr lang="de-CH" dirty="0"/>
               <a:t>Inbetriebnahme der Touch Buttons und des Bluetooth-Moduls</a:t>
             </a:r>
           </a:p>
@@ -20353,7 +20058,7 @@
               <a:buAutoNum type="arabicPeriod"/>
             </a:pPr>
             <a:r>
-              <a:rPr lang="de-CH" dirty="0" smtClean="0"/>
+              <a:rPr lang="de-CH" dirty="0"/>
               <a:t>Dokumentation vervollständigen</a:t>
             </a:r>
           </a:p>
@@ -20366,16 +20071,15 @@
           </a:p>
           <a:p>
             <a:r>
-              <a:rPr lang="de-CH" dirty="0" smtClean="0"/>
+              <a:rPr lang="de-CH" dirty="0"/>
               <a:t>Die restlichen Schnittstellen in Betrieb nehmen</a:t>
             </a:r>
           </a:p>
           <a:p>
             <a:r>
-              <a:rPr lang="de-CH" dirty="0" smtClean="0"/>
+              <a:rPr lang="de-CH" dirty="0"/>
               <a:t>Demosoftware schreiben</a:t>
             </a:r>
-            <a:endParaRPr lang="de-CH" dirty="0"/>
           </a:p>
         </p:txBody>
       </p:sp>
@@ -20389,13 +20093,6 @@
   <p:clrMapOvr>
     <a:masterClrMapping/>
   </p:clrMapOvr>
-  <p:timing>
-    <p:tnLst>
-      <p:par>
-        <p:cTn id="1" dur="indefinite" restart="never" nodeType="tmRoot"/>
-      </p:par>
-    </p:tnLst>
-  </p:timing>
 </p:sld>
 </file>
 
@@ -20432,10 +20129,9 @@
           <a:lstStyle/>
           <a:p>
             <a:r>
-              <a:rPr lang="de-CH" dirty="0" smtClean="0"/>
+              <a:rPr lang="de-CH" dirty="0"/>
               <a:t>Schlussbetrachtung</a:t>
             </a:r>
-            <a:endParaRPr lang="de-CH" dirty="0"/>
           </a:p>
         </p:txBody>
       </p:sp>
@@ -20460,25 +20156,25 @@
           <a:lstStyle/>
           <a:p>
             <a:r>
-              <a:rPr lang="de-CH" dirty="0" smtClean="0"/>
+              <a:rPr lang="de-CH" dirty="0"/>
               <a:t>Pflicht Ziele nicht alle erreicht</a:t>
             </a:r>
           </a:p>
           <a:p>
             <a:r>
-              <a:rPr lang="de-CH" dirty="0" smtClean="0"/>
+              <a:rPr lang="de-CH" dirty="0"/>
               <a:t>Optionale Ziele nicht erreicht</a:t>
             </a:r>
           </a:p>
           <a:p>
             <a:r>
-              <a:rPr lang="de-CH" dirty="0" smtClean="0"/>
+              <a:rPr lang="de-CH" dirty="0"/>
               <a:t>Leiterplatte und Bauelemente vorhanden</a:t>
             </a:r>
           </a:p>
           <a:p>
             <a:r>
-              <a:rPr lang="de-CH" dirty="0" smtClean="0"/>
+              <a:rPr lang="de-CH" dirty="0"/>
               <a:t>Dokumentation vorhanden</a:t>
             </a:r>
           </a:p>
@@ -20490,25 +20186,25 @@
               <a:buNone/>
             </a:pPr>
             <a:r>
-              <a:rPr lang="de-CH" dirty="0" smtClean="0"/>
+              <a:rPr lang="de-CH" dirty="0"/>
               <a:t>Persönliches Fazit:</a:t>
             </a:r>
           </a:p>
           <a:p>
             <a:r>
-              <a:rPr lang="de-CH" dirty="0" smtClean="0"/>
+              <a:rPr lang="de-CH" dirty="0"/>
               <a:t>Schockzustand und Orientierung</a:t>
             </a:r>
           </a:p>
           <a:p>
             <a:r>
-              <a:rPr lang="de-CH" dirty="0" smtClean="0"/>
+              <a:rPr lang="de-CH" dirty="0"/>
               <a:t>Ausarbeitung der Schaltung zeitintensiv</a:t>
             </a:r>
           </a:p>
           <a:p>
             <a:r>
-              <a:rPr lang="de-CH" dirty="0" smtClean="0"/>
+              <a:rPr lang="de-CH" dirty="0"/>
               <a:t>Motivationsverlust und einhergehende Stagnation</a:t>
             </a:r>
           </a:p>
@@ -20516,7 +20212,7 @@
             <a:pPr marL="0" indent="0">
               <a:buNone/>
             </a:pPr>
-            <a:endParaRPr lang="de-CH" dirty="0" smtClean="0"/>
+            <a:endParaRPr lang="de-CH" dirty="0"/>
           </a:p>
           <a:p>
             <a:endParaRPr lang="de-CH" dirty="0"/>
@@ -20800,13 +20496,6 @@
   <p:clrMapOvr>
     <a:masterClrMapping/>
   </p:clrMapOvr>
-  <p:timing>
-    <p:tnLst>
-      <p:par>
-        <p:cTn id="1" dur="indefinite" restart="never" nodeType="tmRoot"/>
-      </p:par>
-    </p:tnLst>
-  </p:timing>
 </p:sld>
 </file>
 
@@ -20843,10 +20532,9 @@
           <a:lstStyle/>
           <a:p>
             <a:r>
-              <a:rPr lang="de-CH" dirty="0" smtClean="0"/>
+              <a:rPr lang="de-CH" dirty="0"/>
               <a:t>Inhaltsverzeichnis</a:t>
             </a:r>
-            <a:endParaRPr lang="de-CH" dirty="0"/>
           </a:p>
         </p:txBody>
       </p:sp>
@@ -20859,7 +20547,7 @@
         <p:spPr>
           <a:xfrm>
             <a:off x="755576" y="1275606"/>
-            <a:ext cx="4536504" cy="3170099"/>
+            <a:ext cx="4536504" cy="2862322"/>
           </a:xfrm>
           <a:prstGeom prst="rect">
             <a:avLst/>
@@ -20917,7 +20605,7 @@
               <a:buChar char="§"/>
             </a:pPr>
             <a:r>
-              <a:rPr lang="de-CH" sz="2000" dirty="0" smtClean="0"/>
+              <a:rPr lang="de-CH" sz="2000" dirty="0"/>
               <a:t>Leiterplatte</a:t>
             </a:r>
           </a:p>
@@ -20927,10 +20615,9 @@
               <a:buChar char="§"/>
             </a:pPr>
             <a:r>
-              <a:rPr lang="de-CH" sz="2000" dirty="0" smtClean="0"/>
-              <a:t>Testsoftware</a:t>
-            </a:r>
-            <a:endParaRPr lang="de-CH" sz="2000" dirty="0" smtClean="0"/>
+              <a:rPr lang="de-CH" sz="2000" dirty="0"/>
+              <a:t>Auswertung der Ziele</a:t>
+            </a:r>
           </a:p>
           <a:p>
             <a:pPr marL="285807" indent="-285752">
@@ -20938,20 +20625,9 @@
               <a:buChar char="§"/>
             </a:pPr>
             <a:r>
-              <a:rPr lang="de-CH" sz="2000" dirty="0" smtClean="0"/>
-              <a:t>Auswertung der Ziele</a:t>
-            </a:r>
-          </a:p>
-          <a:p>
-            <a:pPr marL="285807" indent="-285752">
-              <a:buFont typeface="Wingdings" panose="05000000000000000000" pitchFamily="2" charset="2"/>
-              <a:buChar char="§"/>
-            </a:pPr>
-            <a:r>
-              <a:rPr lang="de-CH" sz="2000" dirty="0" smtClean="0"/>
+              <a:rPr lang="de-CH" sz="2000" dirty="0"/>
               <a:t>Weiteres Vorgehen</a:t>
             </a:r>
-            <a:endParaRPr lang="de-CH" sz="2000" dirty="0"/>
           </a:p>
           <a:p>
             <a:pPr marL="285752" indent="-285752">
@@ -20959,7 +20635,7 @@
               <a:buChar char="§"/>
             </a:pPr>
             <a:r>
-              <a:rPr lang="de-CH" sz="2000" dirty="0" smtClean="0"/>
+              <a:rPr lang="de-CH" sz="2000" dirty="0"/>
               <a:t>Fazit</a:t>
             </a:r>
           </a:p>
@@ -20969,10 +20645,9 @@
               <a:buChar char="§"/>
             </a:pPr>
             <a:r>
-              <a:rPr lang="de-CH" sz="2000" dirty="0" smtClean="0"/>
+              <a:rPr lang="de-CH" sz="2000" dirty="0"/>
               <a:t>Fragen</a:t>
             </a:r>
-            <a:endParaRPr lang="de-CH" sz="2000" dirty="0"/>
           </a:p>
         </p:txBody>
       </p:sp>
@@ -20986,13 +20661,6 @@
   <p:clrMapOvr>
     <a:masterClrMapping/>
   </p:clrMapOvr>
-  <p:timing>
-    <p:tnLst>
-      <p:par>
-        <p:cTn id="1" dur="indefinite" restart="never" nodeType="tmRoot"/>
-      </p:par>
-    </p:tnLst>
-  </p:timing>
 </p:sld>
 </file>
 
@@ -21029,10 +20697,9 @@
           <a:lstStyle/>
           <a:p>
             <a:r>
-              <a:rPr lang="de-CH" dirty="0" smtClean="0"/>
+              <a:rPr lang="de-CH" dirty="0"/>
               <a:t>Einleitung</a:t>
             </a:r>
-            <a:endParaRPr lang="de-CH" dirty="0"/>
           </a:p>
         </p:txBody>
       </p:sp>
@@ -21052,10 +20719,9 @@
           <a:lstStyle/>
           <a:p>
             <a:r>
-              <a:rPr lang="de-CH" dirty="0" smtClean="0"/>
+              <a:rPr lang="de-CH" dirty="0"/>
               <a:t>Auftrag</a:t>
             </a:r>
-            <a:endParaRPr lang="de-CH" dirty="0"/>
           </a:p>
         </p:txBody>
       </p:sp>
@@ -21072,95 +20738,193 @@
         <p:spPr/>
         <p:txBody>
           <a:bodyPr>
-            <a:normAutofit fontScale="85000" lnSpcReduction="10000"/>
+            <a:normAutofit fontScale="85000" lnSpcReduction="20000"/>
           </a:bodyPr>
           <a:lstStyle/>
           <a:p>
-            <a:pPr marL="0" indent="0">
+            <a:pPr marL="0" indent="0" algn="l">
               <a:buNone/>
             </a:pPr>
             <a:r>
-              <a:rPr lang="de-CH" b="1" dirty="0" smtClean="0"/>
-              <a:t>1.1 </a:t>
-            </a:r>
-            <a:r>
-              <a:rPr lang="de-CH" b="1" dirty="0"/>
-              <a:t>Einleitung </a:t>
-            </a:r>
-            <a:endParaRPr lang="de-CH" b="1" dirty="0" smtClean="0"/>
-          </a:p>
-          <a:p>
-            <a:pPr marL="0" indent="0">
+              <a:rPr lang="de-CH" sz="1800" b="1" i="0" u="none" strike="noStrike" baseline="0" dirty="0">
+                <a:latin typeface="Arial" panose="020B0604020202020204" pitchFamily="34" charset="0"/>
+              </a:rPr>
+              <a:t>1. Beschreibung der Aufgabe</a:t>
+            </a:r>
+          </a:p>
+          <a:p>
+            <a:pPr marL="0" indent="0" algn="l">
               <a:buNone/>
             </a:pPr>
             <a:r>
-              <a:rPr lang="de-CH" dirty="0"/>
-              <a:t>Als Zusatzboard für das Mikrocontrollersystem (PBA7) der ICT Berufsbildungscenter AG wird ein Connectivity Board entwickelt, welches zusätzliche Kommunikationsschnittstellen bietet.</a:t>
-            </a:r>
-          </a:p>
-          <a:p>
-            <a:pPr marL="0" indent="0">
+              <a:rPr lang="de-DE" sz="1800" b="0" i="0" u="none" strike="noStrike" baseline="0" dirty="0">
+                <a:latin typeface="Arial" panose="020B0604020202020204" pitchFamily="34" charset="0"/>
+              </a:rPr>
+              <a:t>Seit diesem Jahr kommt im </a:t>
+            </a:r>
+            <a:r>
+              <a:rPr lang="de-DE" sz="1800" b="0" i="0" u="none" strike="noStrike" baseline="0" dirty="0" err="1">
+                <a:latin typeface="Arial" panose="020B0604020202020204" pitchFamily="34" charset="0"/>
+              </a:rPr>
+              <a:t>Bbc</a:t>
+            </a:r>
+            <a:r>
+              <a:rPr lang="de-DE" sz="1800" b="0" i="0" u="none" strike="noStrike" baseline="0" dirty="0">
+                <a:latin typeface="Arial" panose="020B0604020202020204" pitchFamily="34" charset="0"/>
+              </a:rPr>
+              <a:t> (Berufsbildungscenter) ein neues Mikrocontrollersystem (PBA7) zum Einsatz.</a:t>
+            </a:r>
+          </a:p>
+          <a:p>
+            <a:pPr marL="0" indent="0" algn="l">
               <a:buNone/>
             </a:pPr>
             <a:r>
-              <a:rPr lang="de-CH" b="1" dirty="0"/>
-              <a:t>1.2 Beschreibung der Aufgabe, Detailanforderung </a:t>
-            </a:r>
-            <a:endParaRPr lang="de-CH" dirty="0"/>
-          </a:p>
-          <a:p>
-            <a:pPr marL="0" indent="0">
+              <a:rPr lang="de-DE" sz="1800" b="0" i="0" u="none" strike="noStrike" baseline="0" dirty="0">
+                <a:latin typeface="Arial" panose="020B0604020202020204" pitchFamily="34" charset="0"/>
+              </a:rPr>
+              <a:t>Als Zusatzboard für das PBA7 soll ein Sensor Board entwickelt werden. Das Sensor Board wird mittels Board-</a:t>
+            </a:r>
+            <a:r>
+              <a:rPr lang="de-DE" sz="1800" b="0" i="0" u="none" strike="noStrike" baseline="0" dirty="0" err="1">
+                <a:latin typeface="Arial" panose="020B0604020202020204" pitchFamily="34" charset="0"/>
+              </a:rPr>
+              <a:t>to</a:t>
+            </a:r>
+            <a:r>
+              <a:rPr lang="de-DE" sz="1800" b="0" i="0" u="none" strike="noStrike" baseline="0" dirty="0">
+                <a:latin typeface="Arial" panose="020B0604020202020204" pitchFamily="34" charset="0"/>
+              </a:rPr>
+              <a:t>-Board Headern aufs PBA7 gesteckt. Das Board soll über folgende Features verfügen:</a:t>
+            </a:r>
+          </a:p>
+          <a:p>
+            <a:pPr marL="0" indent="0" algn="l">
               <a:buNone/>
             </a:pPr>
-            <a:r>
-              <a:rPr lang="de-CH" dirty="0"/>
-              <a:t>Die Hauptaufgabe ist die Entwicklung einer Leiterplatte inklusiv Schema. Ausserdem wird die Leiterplatte gefertigt und teilweise in Betrieb genommen. Das Zusatzboard soll folgende Features haben: </a:t>
-            </a:r>
-          </a:p>
-          <a:p>
-            <a:pPr marL="0" indent="0">
+            <a:endParaRPr lang="de-DE" sz="1800" b="0" i="0" u="none" strike="noStrike" baseline="0" dirty="0">
+              <a:latin typeface="Arial" panose="020B0604020202020204" pitchFamily="34" charset="0"/>
+            </a:endParaRPr>
+          </a:p>
+          <a:p>
+            <a:pPr marL="471490" lvl="1" indent="0">
               <a:buNone/>
             </a:pPr>
             <a:r>
-              <a:rPr lang="de-CH" dirty="0"/>
-              <a:t>• Bluetooth </a:t>
-            </a:r>
-          </a:p>
-          <a:p>
-            <a:pPr marL="0" indent="0">
+              <a:rPr lang="de-DE" b="0" i="0" u="none" strike="noStrike" baseline="0" dirty="0">
+                <a:latin typeface="SymbolMT"/>
+              </a:rPr>
+              <a:t>• </a:t>
+            </a:r>
+            <a:r>
+              <a:rPr lang="de-DE" b="0" i="0" u="none" strike="noStrike" baseline="0" dirty="0">
+                <a:latin typeface="Arial" panose="020B0604020202020204" pitchFamily="34" charset="0"/>
+              </a:rPr>
+              <a:t>Speisung direkt vom PBA7. Es stehen 3.3V oder 5V zur Verfügung.</a:t>
+            </a:r>
+          </a:p>
+          <a:p>
+            <a:pPr marL="471490" lvl="1" indent="0">
               <a:buNone/>
             </a:pPr>
             <a:r>
-              <a:rPr lang="de-CH" dirty="0"/>
-              <a:t>• W-LAN </a:t>
-            </a:r>
-          </a:p>
-          <a:p>
-            <a:pPr marL="0" indent="0">
+              <a:rPr lang="de-DE" b="0" i="0" u="none" strike="noStrike" baseline="0" dirty="0">
+                <a:latin typeface="SymbolMT"/>
+              </a:rPr>
+              <a:t>• </a:t>
+            </a:r>
+            <a:r>
+              <a:rPr lang="de-DE" b="0" i="0" u="none" strike="noStrike" baseline="0" dirty="0">
+                <a:latin typeface="Arial" panose="020B0604020202020204" pitchFamily="34" charset="0"/>
+              </a:rPr>
+              <a:t>Temperatursensor mit I2C oder SPI</a:t>
+            </a:r>
+          </a:p>
+          <a:p>
+            <a:pPr marL="471490" lvl="1" indent="0">
               <a:buNone/>
             </a:pPr>
             <a:r>
-              <a:rPr lang="de-CH" dirty="0"/>
-              <a:t>• Infrarot Sender und Empfänger </a:t>
-            </a:r>
-          </a:p>
-          <a:p>
-            <a:pPr marL="0" indent="0">
+              <a:rPr lang="de-DE" b="0" i="0" u="none" strike="noStrike" baseline="0" dirty="0">
+                <a:latin typeface="SymbolMT"/>
+              </a:rPr>
+              <a:t>• </a:t>
+            </a:r>
+            <a:r>
+              <a:rPr lang="de-DE" b="0" i="0" u="none" strike="noStrike" baseline="0" dirty="0">
+                <a:latin typeface="Arial" panose="020B0604020202020204" pitchFamily="34" charset="0"/>
+              </a:rPr>
+              <a:t>Feuchtigkeitssensor mit I2C oder SPI</a:t>
+            </a:r>
+          </a:p>
+          <a:p>
+            <a:pPr marL="471490" lvl="1" indent="0">
               <a:buNone/>
             </a:pPr>
             <a:r>
-              <a:rPr lang="de-CH" dirty="0"/>
-              <a:t>• Drahtlose Kommunikation per UART (fertiges Modul) </a:t>
-            </a:r>
-          </a:p>
-          <a:p>
-            <a:pPr marL="0" indent="0">
+              <a:rPr lang="de-DE" b="0" i="0" u="none" strike="noStrike" baseline="0" dirty="0">
+                <a:latin typeface="SymbolMT"/>
+              </a:rPr>
+              <a:t>• </a:t>
+            </a:r>
+            <a:r>
+              <a:rPr lang="de-DE" b="0" i="0" u="none" strike="noStrike" baseline="0" dirty="0">
+                <a:latin typeface="Arial" panose="020B0604020202020204" pitchFamily="34" charset="0"/>
+              </a:rPr>
+              <a:t>Ultraschall-Distanzsensor (Ansteuerung über I/Os)</a:t>
+            </a:r>
+          </a:p>
+          <a:p>
+            <a:pPr marL="471490" lvl="1" indent="0">
               <a:buNone/>
             </a:pPr>
             <a:r>
-              <a:rPr lang="de-CH" dirty="0"/>
-              <a:t>• Touch Buttons </a:t>
-            </a:r>
+              <a:rPr lang="de-DE" b="0" i="0" u="none" strike="noStrike" baseline="0" dirty="0">
+                <a:latin typeface="SymbolMT"/>
+              </a:rPr>
+              <a:t>• </a:t>
+            </a:r>
+            <a:r>
+              <a:rPr lang="de-DE" b="0" i="0" u="none" strike="noStrike" baseline="0" dirty="0">
+                <a:latin typeface="Arial" panose="020B0604020202020204" pitchFamily="34" charset="0"/>
+              </a:rPr>
+              <a:t>Beschleunigungssensor mit I2C oder SPI</a:t>
+            </a:r>
+          </a:p>
+          <a:p>
+            <a:pPr marL="471490" lvl="1" indent="0">
+              <a:buNone/>
+            </a:pPr>
+            <a:r>
+              <a:rPr lang="de-DE" b="0" i="0" u="none" strike="noStrike" baseline="0" dirty="0">
+                <a:latin typeface="SymbolMT"/>
+              </a:rPr>
+              <a:t>• </a:t>
+            </a:r>
+            <a:r>
+              <a:rPr lang="de-DE" b="0" i="0" u="none" strike="noStrike" baseline="0" dirty="0">
+                <a:latin typeface="Arial" panose="020B0604020202020204" pitchFamily="34" charset="0"/>
+              </a:rPr>
+              <a:t>Gyrosensor mit I2C oder SPI</a:t>
+            </a:r>
+          </a:p>
+          <a:p>
+            <a:pPr marL="471490" lvl="1" indent="0">
+              <a:buNone/>
+            </a:pPr>
+            <a:r>
+              <a:rPr lang="de-DE" b="0" i="0" u="none" strike="noStrike" baseline="0" dirty="0">
+                <a:latin typeface="SymbolMT"/>
+              </a:rPr>
+              <a:t>• </a:t>
+            </a:r>
+            <a:r>
+              <a:rPr lang="de-DE" b="0" i="0" u="none" strike="noStrike" baseline="0" dirty="0">
+                <a:latin typeface="Arial" panose="020B0604020202020204" pitchFamily="34" charset="0"/>
+              </a:rPr>
+              <a:t>Touch-Buttons (Kupferflächen, die an den ADC des PICs geführt werden)</a:t>
+            </a:r>
+            <a:endParaRPr lang="de-CH" dirty="0"/>
           </a:p>
         </p:txBody>
       </p:sp>
@@ -21174,13 +20938,6 @@
   <p:clrMapOvr>
     <a:masterClrMapping/>
   </p:clrMapOvr>
-  <p:timing>
-    <p:tnLst>
-      <p:par>
-        <p:cTn id="1" dur="indefinite" restart="never" nodeType="tmRoot"/>
-      </p:par>
-    </p:tnLst>
-  </p:timing>
 </p:sld>
 </file>
 
@@ -21217,10 +20974,9 @@
           <a:lstStyle/>
           <a:p>
             <a:r>
-              <a:rPr lang="de-CH" dirty="0" smtClean="0"/>
+              <a:rPr lang="de-CH" dirty="0"/>
               <a:t>Einleitung</a:t>
             </a:r>
-            <a:endParaRPr lang="de-CH" dirty="0"/>
           </a:p>
         </p:txBody>
       </p:sp>
@@ -21240,10 +20996,9 @@
           <a:lstStyle/>
           <a:p>
             <a:r>
-              <a:rPr lang="de-CH" dirty="0" smtClean="0"/>
+              <a:rPr lang="de-CH" dirty="0"/>
               <a:t>Ausgangslage und Vorgehen</a:t>
             </a:r>
-            <a:endParaRPr lang="de-CH" dirty="0"/>
           </a:p>
         </p:txBody>
       </p:sp>
@@ -21265,80 +21020,63 @@
           <a:lstStyle/>
           <a:p>
             <a:r>
-              <a:rPr lang="de-CH" dirty="0" smtClean="0"/>
-              <a:t>Vorgabe</a:t>
-            </a:r>
-            <a:r>
-              <a:rPr lang="de-CH" dirty="0" smtClean="0"/>
-              <a:t>: Form und Grösse der Leiterplatte</a:t>
-            </a:r>
-            <a:endParaRPr lang="de-CH" dirty="0" smtClean="0"/>
-          </a:p>
-          <a:p>
-            <a:r>
-              <a:rPr lang="de-CH" dirty="0" smtClean="0"/>
+              <a:rPr lang="de-CH" dirty="0"/>
+              <a:t>Vorgabe: Form und Grösse der Leiterplatte</a:t>
+            </a:r>
+          </a:p>
+          <a:p>
+            <a:r>
+              <a:rPr lang="de-CH" dirty="0"/>
               <a:t>Komponenten evaluieren</a:t>
             </a:r>
-            <a:endParaRPr lang="de-CH" dirty="0"/>
-          </a:p>
-          <a:p>
-            <a:r>
-              <a:rPr lang="de-CH" dirty="0" smtClean="0"/>
+          </a:p>
+          <a:p>
+            <a:r>
+              <a:rPr lang="de-CH" dirty="0"/>
               <a:t>Blockschaltbild erstellen</a:t>
             </a:r>
           </a:p>
           <a:p>
             <a:r>
-              <a:rPr lang="de-CH" dirty="0" smtClean="0"/>
+              <a:rPr lang="de-CH" dirty="0"/>
               <a:t>Einzelne Blöcke konzeptionieren </a:t>
             </a:r>
-            <a:endParaRPr lang="de-CH" dirty="0"/>
-          </a:p>
-          <a:p>
-            <a:r>
-              <a:rPr lang="de-CH" dirty="0" smtClean="0"/>
+          </a:p>
+          <a:p>
+            <a:r>
+              <a:rPr lang="de-CH" dirty="0"/>
               <a:t>Schema zeichnen</a:t>
             </a:r>
-            <a:endParaRPr lang="de-CH" dirty="0"/>
-          </a:p>
-          <a:p>
-            <a:r>
-              <a:rPr lang="de-CH" dirty="0" smtClean="0"/>
+          </a:p>
+          <a:p>
+            <a:r>
+              <a:rPr lang="de-CH" dirty="0"/>
               <a:t>Dimensionierung</a:t>
             </a:r>
           </a:p>
           <a:p>
             <a:r>
-              <a:rPr lang="de-CH" dirty="0" smtClean="0"/>
+              <a:rPr lang="de-CH" dirty="0"/>
               <a:t>Bestellung der Bauteile</a:t>
             </a:r>
           </a:p>
           <a:p>
             <a:r>
-              <a:rPr lang="de-CH" dirty="0" smtClean="0"/>
+              <a:rPr lang="de-CH" dirty="0"/>
               <a:t>Leiterplatte designen und bestellen</a:t>
             </a:r>
           </a:p>
           <a:p>
             <a:r>
-              <a:rPr lang="de-CH" dirty="0" smtClean="0"/>
-              <a:t>Fertigung und Inbetriebnahme der </a:t>
-            </a:r>
-            <a:r>
-              <a:rPr lang="de-CH" dirty="0" smtClean="0"/>
-              <a:t>Hardware</a:t>
-            </a:r>
-          </a:p>
-          <a:p>
-            <a:r>
-              <a:rPr lang="de-CH" dirty="0" smtClean="0"/>
-              <a:t>Testsoftware </a:t>
-            </a:r>
-            <a:r>
-              <a:rPr lang="de-CH" dirty="0" err="1" smtClean="0"/>
-              <a:t>schreibe^nö</a:t>
-            </a:r>
-            <a:endParaRPr lang="de-CH" dirty="0"/>
+              <a:rPr lang="de-CH" dirty="0"/>
+              <a:t>Fertigung und Inbetriebnahme der Hardware</a:t>
+            </a:r>
+          </a:p>
+          <a:p>
+            <a:r>
+              <a:rPr lang="de-CH" dirty="0"/>
+              <a:t>Testsoftware schreiben</a:t>
+            </a:r>
           </a:p>
           <a:p>
             <a:endParaRPr lang="de-CH" dirty="0"/>
@@ -21355,13 +21093,6 @@
   <p:clrMapOvr>
     <a:masterClrMapping/>
   </p:clrMapOvr>
-  <p:timing>
-    <p:tnLst>
-      <p:par>
-        <p:cTn id="1" dur="indefinite" restart="never" nodeType="tmRoot"/>
-      </p:par>
-    </p:tnLst>
-  </p:timing>
 </p:sld>
 </file>
 
@@ -21398,10 +21129,9 @@
           <a:lstStyle/>
           <a:p>
             <a:r>
-              <a:rPr lang="de-CH" dirty="0" smtClean="0"/>
+              <a:rPr lang="de-CH" dirty="0"/>
               <a:t>Hardware</a:t>
             </a:r>
-            <a:endParaRPr lang="de-CH" dirty="0"/>
           </a:p>
         </p:txBody>
       </p:sp>
@@ -21421,10 +21151,9 @@
           <a:lstStyle/>
           <a:p>
             <a:r>
-              <a:rPr lang="de-CH" dirty="0" smtClean="0"/>
+              <a:rPr lang="de-CH" dirty="0"/>
               <a:t>Blockschaltbild</a:t>
             </a:r>
-            <a:endParaRPr lang="de-CH" dirty="0"/>
           </a:p>
         </p:txBody>
       </p:sp>
@@ -21468,13 +21197,6 @@
   <p:clrMapOvr>
     <a:masterClrMapping/>
   </p:clrMapOvr>
-  <p:timing>
-    <p:tnLst>
-      <p:par>
-        <p:cTn id="1" dur="indefinite" restart="never" nodeType="tmRoot"/>
-      </p:par>
-    </p:tnLst>
-  </p:timing>
 </p:sld>
 </file>
 
@@ -21511,10 +21233,9 @@
           <a:lstStyle/>
           <a:p>
             <a:r>
-              <a:rPr lang="de-CH" dirty="0" smtClean="0"/>
+              <a:rPr lang="de-CH" dirty="0"/>
               <a:t>Hardware</a:t>
             </a:r>
-            <a:endParaRPr lang="de-CH" dirty="0"/>
           </a:p>
         </p:txBody>
       </p:sp>
@@ -21534,10 +21255,9 @@
           <a:lstStyle/>
           <a:p>
             <a:r>
-              <a:rPr lang="de-CH" dirty="0" smtClean="0"/>
+              <a:rPr lang="de-CH" dirty="0"/>
               <a:t>PBA7 Anschluss</a:t>
             </a:r>
-            <a:endParaRPr lang="de-CH" dirty="0"/>
           </a:p>
         </p:txBody>
       </p:sp>
@@ -21550,7 +21270,7 @@
         <p:spPr>
           <a:xfrm>
             <a:off x="395536" y="1455544"/>
-            <a:ext cx="2016224" cy="3108543"/>
+            <a:ext cx="2376264" cy="3477875"/>
           </a:xfrm>
           <a:prstGeom prst="rect">
             <a:avLst/>
@@ -21568,28 +21288,23 @@
               <a:buChar char="§"/>
             </a:pPr>
             <a:r>
-              <a:rPr lang="de-CH" sz="1400" dirty="0" smtClean="0"/>
-              <a:t>Touch </a:t>
-            </a:r>
-            <a:r>
-              <a:rPr lang="de-CH" sz="1400" dirty="0" smtClean="0"/>
-              <a:t>Button Anschlüsse</a:t>
-            </a:r>
-            <a:endParaRPr lang="de-CH" sz="1400" dirty="0"/>
+              <a:rPr lang="de-CH" sz="1600" dirty="0"/>
+              <a:t>Touch Button Anschlüsse X1</a:t>
+            </a:r>
           </a:p>
           <a:p>
             <a:pPr marL="285752" indent="-285752">
               <a:buFont typeface="Wingdings" panose="05000000000000000000" pitchFamily="2" charset="2"/>
               <a:buChar char="§"/>
             </a:pPr>
-            <a:endParaRPr lang="de-CH" sz="1400" dirty="0" smtClean="0"/>
+            <a:endParaRPr lang="de-CH" sz="1600" dirty="0"/>
           </a:p>
           <a:p>
             <a:pPr marL="285752" indent="-285752">
               <a:buFont typeface="Wingdings" panose="05000000000000000000" pitchFamily="2" charset="2"/>
               <a:buChar char="§"/>
             </a:pPr>
-            <a:endParaRPr lang="de-CH" sz="1400" dirty="0"/>
+            <a:endParaRPr lang="de-CH" sz="1600" dirty="0"/>
           </a:p>
           <a:p>
             <a:pPr marL="285752" indent="-285752">
@@ -21597,8 +21312,8 @@
               <a:buChar char="§"/>
             </a:pPr>
             <a:r>
-              <a:rPr lang="de-CH" sz="1400" dirty="0" smtClean="0"/>
-              <a:t>Befestigungsbuchsen</a:t>
+              <a:rPr lang="de-CH" sz="1600" dirty="0"/>
+              <a:t>Befestigungsbuchse(n) X4</a:t>
             </a:r>
           </a:p>
           <a:p>
@@ -21606,56 +21321,44 @@
               <a:buFont typeface="Wingdings" panose="05000000000000000000" pitchFamily="2" charset="2"/>
               <a:buChar char="§"/>
             </a:pPr>
-            <a:endParaRPr lang="de-CH" sz="1400" dirty="0"/>
+            <a:endParaRPr lang="de-CH" sz="1600" dirty="0"/>
+          </a:p>
+          <a:p>
+            <a:endParaRPr lang="de-CH" sz="1600" dirty="0"/>
           </a:p>
           <a:p>
             <a:pPr marL="285752" indent="-285752">
               <a:buFont typeface="Wingdings" panose="05000000000000000000" pitchFamily="2" charset="2"/>
               <a:buChar char="§"/>
             </a:pPr>
-            <a:endParaRPr lang="de-CH" sz="1400" dirty="0" smtClean="0"/>
+            <a:r>
+              <a:rPr lang="de-CH" sz="1600" dirty="0"/>
+              <a:t>I2C Interface X2</a:t>
+            </a:r>
           </a:p>
           <a:p>
             <a:pPr marL="285752" indent="-285752">
               <a:buFont typeface="Wingdings" panose="05000000000000000000" pitchFamily="2" charset="2"/>
               <a:buChar char="§"/>
             </a:pPr>
-            <a:endParaRPr lang="de-CH" sz="1400" dirty="0"/>
+            <a:endParaRPr lang="de-CH" sz="1600" dirty="0"/>
           </a:p>
           <a:p>
             <a:pPr marL="285752" indent="-285752">
               <a:buFont typeface="Wingdings" panose="05000000000000000000" pitchFamily="2" charset="2"/>
               <a:buChar char="§"/>
             </a:pPr>
-            <a:r>
-              <a:rPr lang="de-CH" sz="1400" dirty="0" smtClean="0"/>
-              <a:t>I2C</a:t>
-            </a:r>
+            <a:endParaRPr lang="de-CH" sz="1600" dirty="0"/>
           </a:p>
           <a:p>
             <a:pPr marL="285752" indent="-285752">
               <a:buFont typeface="Wingdings" panose="05000000000000000000" pitchFamily="2" charset="2"/>
               <a:buChar char="§"/>
             </a:pPr>
-            <a:endParaRPr lang="de-CH" sz="1400" dirty="0"/>
-          </a:p>
-          <a:p>
-            <a:pPr marL="285752" indent="-285752">
-              <a:buFont typeface="Wingdings" panose="05000000000000000000" pitchFamily="2" charset="2"/>
-              <a:buChar char="§"/>
-            </a:pPr>
-            <a:endParaRPr lang="de-CH" sz="1400" dirty="0" smtClean="0"/>
-          </a:p>
-          <a:p>
-            <a:pPr marL="285752" indent="-285752">
-              <a:buFont typeface="Wingdings" panose="05000000000000000000" pitchFamily="2" charset="2"/>
-              <a:buChar char="§"/>
-            </a:pPr>
-            <a:r>
-              <a:rPr lang="de-CH" sz="1400" dirty="0" smtClean="0"/>
-              <a:t>Ultraschall-Sensor</a:t>
-            </a:r>
-            <a:endParaRPr lang="de-CH" sz="1400" dirty="0"/>
+            <a:r>
+              <a:rPr lang="de-CH" sz="1600" dirty="0"/>
+              <a:t>Ultraschall-Sensor X3</a:t>
+            </a:r>
           </a:p>
           <a:p>
             <a:pPr marL="285752" indent="-285752">
@@ -21720,13 +21423,6 @@
   <p:clrMapOvr>
     <a:masterClrMapping/>
   </p:clrMapOvr>
-  <p:timing>
-    <p:tnLst>
-      <p:par>
-        <p:cTn id="1" dur="indefinite" restart="never" nodeType="tmRoot"/>
-      </p:par>
-    </p:tnLst>
-  </p:timing>
 </p:sld>
 </file>
 
@@ -21763,10 +21459,9 @@
           <a:lstStyle/>
           <a:p>
             <a:r>
-              <a:rPr lang="de-CH" dirty="0" smtClean="0"/>
+              <a:rPr lang="de-CH" dirty="0"/>
               <a:t>Hardware</a:t>
             </a:r>
-            <a:endParaRPr lang="de-CH" dirty="0"/>
           </a:p>
         </p:txBody>
       </p:sp>
@@ -21786,10 +21481,9 @@
           <a:lstStyle/>
           <a:p>
             <a:r>
-              <a:rPr lang="de-CH" dirty="0" smtClean="0"/>
-              <a:t>I/O Erweiterung und Pegelanpassung</a:t>
-            </a:r>
-            <a:endParaRPr lang="de-CH" dirty="0"/>
+              <a:rPr lang="de-CH" dirty="0"/>
+              <a:t>Touch Buttons und Ultraschallsensor</a:t>
+            </a:r>
           </a:p>
         </p:txBody>
       </p:sp>
@@ -21818,8 +21512,8 @@
         </p:blipFill>
         <p:spPr bwMode="auto">
           <a:xfrm>
-            <a:off x="2195736" y="1995686"/>
-            <a:ext cx="6661577" cy="2808312"/>
+            <a:off x="251520" y="1176065"/>
+            <a:ext cx="8605794" cy="3627933"/>
           </a:xfrm>
           <a:prstGeom prst="rect">
             <a:avLst/>
@@ -21840,13 +21534,6 @@
   <p:clrMapOvr>
     <a:masterClrMapping/>
   </p:clrMapOvr>
-  <p:timing>
-    <p:tnLst>
-      <p:par>
-        <p:cTn id="1" dur="indefinite" restart="never" nodeType="tmRoot"/>
-      </p:par>
-    </p:tnLst>
-  </p:timing>
 </p:sld>
 </file>
 
@@ -21883,10 +21570,9 @@
           <a:lstStyle/>
           <a:p>
             <a:r>
-              <a:rPr lang="de-CH" dirty="0" smtClean="0"/>
+              <a:rPr lang="de-CH" dirty="0"/>
               <a:t>Hardware</a:t>
             </a:r>
-            <a:endParaRPr lang="de-CH" dirty="0"/>
           </a:p>
         </p:txBody>
       </p:sp>
@@ -21905,7 +21591,10 @@
           <a:bodyPr/>
           <a:lstStyle/>
           <a:p>
-            <a:endParaRPr lang="de-CH" dirty="0" smtClean="0"/>
+            <a:r>
+              <a:rPr lang="de-CH" dirty="0"/>
+              <a:t>Gyroskop</a:t>
+            </a:r>
           </a:p>
         </p:txBody>
       </p:sp>
@@ -21918,7 +21607,7 @@
         <p:spPr>
           <a:xfrm>
             <a:off x="395536" y="1635646"/>
-            <a:ext cx="3384376" cy="2462213"/>
+            <a:ext cx="3384376" cy="2800767"/>
           </a:xfrm>
           <a:prstGeom prst="rect">
             <a:avLst/>
@@ -21936,8 +21625,8 @@
               <a:buChar char="§"/>
             </a:pPr>
             <a:r>
-              <a:rPr lang="de-CH" sz="1400" dirty="0" smtClean="0"/>
-              <a:t>Kupferflächen als Touch Buttons</a:t>
+              <a:rPr lang="de-CH" sz="1600" dirty="0"/>
+              <a:t>Abblockkondensatoren C5 und C6</a:t>
             </a:r>
           </a:p>
           <a:p>
@@ -21945,14 +21634,14 @@
               <a:buFont typeface="Wingdings" panose="05000000000000000000" pitchFamily="2" charset="2"/>
               <a:buChar char="§"/>
             </a:pPr>
-            <a:endParaRPr lang="de-CH" sz="1400" dirty="0" smtClean="0"/>
+            <a:endParaRPr lang="de-CH" sz="1600" dirty="0"/>
           </a:p>
           <a:p>
             <a:pPr marL="285752" indent="-285752">
               <a:buFont typeface="Wingdings" panose="05000000000000000000" pitchFamily="2" charset="2"/>
               <a:buChar char="§"/>
             </a:pPr>
-            <a:endParaRPr lang="de-CH" sz="1400" dirty="0"/>
+            <a:endParaRPr lang="de-CH" sz="1600" dirty="0"/>
           </a:p>
           <a:p>
             <a:pPr marL="285752" indent="-285752">
@@ -21960,8 +21649,8 @@
               <a:buChar char="§"/>
             </a:pPr>
             <a:r>
-              <a:rPr lang="de-CH" sz="1400" dirty="0" smtClean="0"/>
-              <a:t>Simples Funk-Modul</a:t>
+              <a:rPr lang="de-CH" sz="1600" dirty="0"/>
+              <a:t>PLL Filter an Pin 14</a:t>
             </a:r>
           </a:p>
           <a:p>
@@ -21969,14 +21658,14 @@
               <a:buFont typeface="Wingdings" panose="05000000000000000000" pitchFamily="2" charset="2"/>
               <a:buChar char="§"/>
             </a:pPr>
-            <a:endParaRPr lang="de-CH" sz="1400" dirty="0" smtClean="0"/>
+            <a:endParaRPr lang="de-CH" sz="1600" dirty="0"/>
           </a:p>
           <a:p>
             <a:pPr marL="285752" indent="-285752">
               <a:buFont typeface="Wingdings" panose="05000000000000000000" pitchFamily="2" charset="2"/>
               <a:buChar char="§"/>
             </a:pPr>
-            <a:endParaRPr lang="de-CH" sz="1400" dirty="0"/>
+            <a:endParaRPr lang="de-CH" sz="1600" dirty="0"/>
           </a:p>
           <a:p>
             <a:pPr marL="285752" indent="-285752">
@@ -21984,20 +21673,20 @@
               <a:buChar char="§"/>
             </a:pPr>
             <a:r>
-              <a:rPr lang="de-CH" sz="1400" dirty="0" smtClean="0"/>
-              <a:t>IR-Transceiver</a:t>
+              <a:rPr lang="de-CH" sz="1600" dirty="0"/>
+              <a:t>Interrupt 1 konfigurierbar</a:t>
             </a:r>
             <a:br>
-              <a:rPr lang="de-CH" sz="1400" dirty="0" smtClean="0"/>
+              <a:rPr lang="de-CH" sz="1600" dirty="0"/>
             </a:br>
-            <a:endParaRPr lang="de-CH" sz="1400" dirty="0" smtClean="0"/>
+            <a:endParaRPr lang="de-CH" sz="1600" dirty="0"/>
           </a:p>
           <a:p>
             <a:pPr marL="285752" indent="-285752">
               <a:buFont typeface="Wingdings" panose="05000000000000000000" pitchFamily="2" charset="2"/>
               <a:buChar char="§"/>
             </a:pPr>
-            <a:endParaRPr lang="de-CH" sz="1400" dirty="0" smtClean="0"/>
+            <a:endParaRPr lang="de-CH" sz="1600" dirty="0"/>
           </a:p>
           <a:p>
             <a:pPr marL="285752" indent="-285752">
@@ -22005,13 +21694,12 @@
               <a:buChar char="§"/>
             </a:pPr>
             <a:r>
-              <a:rPr lang="de-CH" sz="1400" dirty="0" smtClean="0"/>
-              <a:t>R10 als Strombegrenzung </a:t>
-            </a:r>
-            <a:endParaRPr lang="de-CH" sz="1400" dirty="0"/>
-          </a:p>
-          <a:p>
-            <a:endParaRPr lang="de-CH" sz="1400" dirty="0"/>
+              <a:rPr lang="de-CH" sz="1600" dirty="0"/>
+              <a:t>I2C Interface </a:t>
+            </a:r>
+          </a:p>
+          <a:p>
+            <a:endParaRPr lang="de-CH" sz="1600" dirty="0"/>
           </a:p>
         </p:txBody>
       </p:sp>
@@ -22040,8 +21728,8 @@
         </p:blipFill>
         <p:spPr bwMode="auto">
           <a:xfrm>
-            <a:off x="3131840" y="1455544"/>
-            <a:ext cx="5038725" cy="2286000"/>
+            <a:off x="2699792" y="1455544"/>
+            <a:ext cx="6264697" cy="3072791"/>
           </a:xfrm>
           <a:prstGeom prst="rect">
             <a:avLst/>
@@ -22062,13 +21750,6 @@
   <p:clrMapOvr>
     <a:masterClrMapping/>
   </p:clrMapOvr>
-  <p:timing>
-    <p:tnLst>
-      <p:par>
-        <p:cTn id="1" dur="indefinite" restart="never" nodeType="tmRoot"/>
-      </p:par>
-    </p:tnLst>
-  </p:timing>
 </p:sld>
 </file>
 
@@ -22105,10 +21786,9 @@
           <a:lstStyle/>
           <a:p>
             <a:r>
-              <a:rPr lang="de-CH" dirty="0" smtClean="0"/>
+              <a:rPr lang="de-CH" dirty="0"/>
               <a:t>Hardware</a:t>
             </a:r>
-            <a:endParaRPr lang="de-CH" dirty="0"/>
           </a:p>
         </p:txBody>
       </p:sp>
@@ -22128,10 +21808,9 @@
           <a:lstStyle/>
           <a:p>
             <a:r>
-              <a:rPr lang="de-CH" dirty="0" smtClean="0"/>
-              <a:t>WLAN-Modul</a:t>
-            </a:r>
-            <a:endParaRPr lang="de-CH" dirty="0"/>
+              <a:rPr lang="de-CH" dirty="0"/>
+              <a:t>Temperatur- und Feuchtigkeitssensor</a:t>
+            </a:r>
           </a:p>
         </p:txBody>
       </p:sp>
@@ -22143,8 +21822,8 @@
         </p:nvSpPr>
         <p:spPr>
           <a:xfrm>
-            <a:off x="107504" y="1779662"/>
-            <a:ext cx="3384376" cy="1815882"/>
+            <a:off x="395536" y="1995686"/>
+            <a:ext cx="3384376" cy="2154436"/>
           </a:xfrm>
           <a:prstGeom prst="rect">
             <a:avLst/>
@@ -22162,20 +21841,8 @@
               <a:buChar char="§"/>
             </a:pPr>
             <a:r>
-              <a:rPr lang="de-CH" sz="1400" dirty="0" err="1" smtClean="0"/>
-              <a:t>Wakeup</a:t>
-            </a:r>
-            <a:r>
-              <a:rPr lang="de-CH" sz="1400" dirty="0" smtClean="0"/>
-              <a:t> und </a:t>
-            </a:r>
-            <a:r>
-              <a:rPr lang="de-CH" sz="1400" dirty="0" err="1" smtClean="0"/>
-              <a:t>Sleep</a:t>
-            </a:r>
-            <a:r>
-              <a:rPr lang="de-CH" sz="1400" dirty="0" smtClean="0"/>
-              <a:t> fest verbunden</a:t>
+              <a:rPr lang="de-CH" sz="1600" dirty="0"/>
+              <a:t>I2C Interface</a:t>
             </a:r>
           </a:p>
           <a:p>
@@ -22183,14 +21850,14 @@
               <a:buFont typeface="Wingdings" panose="05000000000000000000" pitchFamily="2" charset="2"/>
               <a:buChar char="§"/>
             </a:pPr>
-            <a:endParaRPr lang="de-CH" sz="1400" dirty="0" smtClean="0"/>
+            <a:endParaRPr lang="de-CH" sz="1600" dirty="0"/>
           </a:p>
           <a:p>
             <a:pPr marL="285752" indent="-285752">
               <a:buFont typeface="Wingdings" panose="05000000000000000000" pitchFamily="2" charset="2"/>
               <a:buChar char="§"/>
             </a:pPr>
-            <a:endParaRPr lang="de-CH" sz="1400" dirty="0"/>
+            <a:endParaRPr lang="de-CH" sz="1600" dirty="0"/>
           </a:p>
           <a:p>
             <a:pPr marL="285752" indent="-285752">
@@ -22198,8 +21865,8 @@
               <a:buChar char="§"/>
             </a:pPr>
             <a:r>
-              <a:rPr lang="de-CH" sz="1400" dirty="0" smtClean="0"/>
-              <a:t>Frequenzfilter C4 und C5</a:t>
+              <a:rPr lang="de-CH" sz="1600" dirty="0"/>
+              <a:t>R1 Pull-Up</a:t>
             </a:r>
           </a:p>
           <a:p>
@@ -22207,14 +21874,14 @@
               <a:buFont typeface="Wingdings" panose="05000000000000000000" pitchFamily="2" charset="2"/>
               <a:buChar char="§"/>
             </a:pPr>
-            <a:endParaRPr lang="de-CH" sz="1400" dirty="0" smtClean="0"/>
+            <a:endParaRPr lang="de-CH" sz="1600" dirty="0"/>
           </a:p>
           <a:p>
             <a:pPr marL="285752" indent="-285752">
               <a:buFont typeface="Wingdings" panose="05000000000000000000" pitchFamily="2" charset="2"/>
               <a:buChar char="§"/>
             </a:pPr>
-            <a:endParaRPr lang="de-CH" sz="1400" dirty="0"/>
+            <a:endParaRPr lang="de-CH" sz="1600" dirty="0"/>
           </a:p>
           <a:p>
             <a:pPr marL="285752" indent="-285752">
@@ -22222,21 +21889,13 @@
               <a:buChar char="§"/>
             </a:pPr>
             <a:r>
-              <a:rPr lang="de-CH" sz="1400" dirty="0" smtClean="0"/>
-              <a:t>R8 Pull-</a:t>
-            </a:r>
-            <a:r>
-              <a:rPr lang="de-CH" sz="1400" dirty="0" err="1" smtClean="0"/>
-              <a:t>Up</a:t>
-            </a:r>
-            <a:r>
-              <a:rPr lang="de-CH" sz="1400" dirty="0" smtClean="0"/>
-              <a:t> </a:t>
+              <a:rPr lang="de-CH" sz="1600" dirty="0"/>
+              <a:t>Alert Pin  </a:t>
             </a:r>
             <a:br>
-              <a:rPr lang="de-CH" sz="1400" dirty="0" smtClean="0"/>
+              <a:rPr lang="de-CH" sz="2000" dirty="0"/>
             </a:br>
-            <a:endParaRPr lang="de-CH" sz="1400" dirty="0"/>
+            <a:endParaRPr lang="de-CH" sz="2000" dirty="0"/>
           </a:p>
         </p:txBody>
       </p:sp>
@@ -22244,7 +21903,7 @@
         <p:nvPicPr>
           <p:cNvPr id="8" name="Inhaltsplatzhalter 7"/>
           <p:cNvPicPr>
-            <a:picLocks noGrp="1"/>
+            <a:picLocks noGrp="1" noChangeAspect="1"/>
           </p:cNvPicPr>
           <p:nvPr>
             <p:ph sz="quarter" idx="16"/>
@@ -22265,8 +21924,8 @@
         </p:blipFill>
         <p:spPr bwMode="auto">
           <a:xfrm>
-            <a:off x="3995936" y="1455544"/>
-            <a:ext cx="5324475" cy="2705100"/>
+            <a:off x="2101013" y="993378"/>
+            <a:ext cx="7042987" cy="3576840"/>
           </a:xfrm>
           <a:prstGeom prst="rect">
             <a:avLst/>
@@ -22287,13 +21946,6 @@
   <p:clrMapOvr>
     <a:masterClrMapping/>
   </p:clrMapOvr>
-  <p:timing>
-    <p:tnLst>
-      <p:par>
-        <p:cTn id="1" dur="indefinite" restart="never" nodeType="tmRoot"/>
-      </p:par>
-    </p:tnLst>
-  </p:timing>
 </p:sld>
 </file>
 
